--- a/Info/Guide.pptx
+++ b/Info/Guide.pptx
@@ -261,7 +261,7 @@
       <p15:sldGuideLst xmlns:p15="http://schemas.microsoft.com/office/powerpoint/2012/main"/>
     </p:ext>
     <p:ext uri="http://customooxmlschemas.google.com/">
-      <go:slidesCustomData xmlns="" xmlns:mc="http://schemas.openxmlformats.org/markup-compatibility/2006" xmlns:mv="urn:schemas-microsoft-com:mac:vml" xmlns:c="http://schemas.openxmlformats.org/drawingml/2006/chart" xmlns:dgm="http://schemas.openxmlformats.org/drawingml/2006/diagram" xmlns:o="urn:schemas-microsoft-com:office:office" xmlns:v="urn:schemas-microsoft-com:vml" xmlns:pvml="urn:schemas-microsoft-com:office:powerpoint" xmlns:com="http://schemas.openxmlformats.org/drawingml/2006/compatibility" xmlns:p14="http://schemas.microsoft.com/office/powerpoint/2010/main" xmlns:p15="http://schemas.microsoft.com/office/powerpoint/2012/main" xmlns:ahyp="http://schemas.microsoft.com/office/drawing/2018/hyperlinkcolor" xmlns:go="http://customooxmlschemas.google.com/" r:id="rId25" roundtripDataSignature="AMtx7mihFzvj0a0a4pDfHA8Gtqtqz6tFDQ=="/>
+      <go:slidesCustomData xmlns:go="http://customooxmlschemas.google.com/" xmlns:ahyp="http://schemas.microsoft.com/office/drawing/2018/hyperlinkcolor" xmlns:p15="http://schemas.microsoft.com/office/powerpoint/2012/main" xmlns:p14="http://schemas.microsoft.com/office/powerpoint/2010/main" xmlns:com="http://schemas.openxmlformats.org/drawingml/2006/compatibility" xmlns:pvml="urn:schemas-microsoft-com:office:powerpoint" xmlns:v="urn:schemas-microsoft-com:vml" xmlns:o="urn:schemas-microsoft-com:office:office" xmlns:dgm="http://schemas.openxmlformats.org/drawingml/2006/diagram" xmlns:c="http://schemas.openxmlformats.org/drawingml/2006/chart" xmlns:mv="urn:schemas-microsoft-com:mac:vml" xmlns:mc="http://schemas.openxmlformats.org/markup-compatibility/2006" xmlns="" r:id="rId25" roundtripDataSignature="AMtx7mihFzvj0a0a4pDfHA8Gtqtqz6tFDQ=="/>
     </p:ext>
   </p:extLst>
 </p:presentation>
@@ -10123,8 +10123,25 @@
                 <a:latin typeface="Courier New" panose="02070309020205020404" pitchFamily="49" charset="0"/>
                 <a:cs typeface="Courier New" panose="02070309020205020404" pitchFamily="49" charset="0"/>
               </a:rPr>
-              <a:t>./admin.sh server add|delete|names</a:t>
-            </a:r>
+              <a:t>./admin.sh server </a:t>
+            </a:r>
+            <a:r>
+              <a:rPr lang="en-US" sz="1800" spc="-60" dirty="0" err="1">
+                <a:solidFill>
+                  <a:srgbClr val="383838"/>
+                </a:solidFill>
+                <a:latin typeface="Courier New" panose="02070309020205020404" pitchFamily="49" charset="0"/>
+                <a:cs typeface="Courier New" panose="02070309020205020404" pitchFamily="49" charset="0"/>
+              </a:rPr>
+              <a:t>add|delete|names</a:t>
+            </a:r>
+            <a:endParaRPr lang="en-US" sz="1800" spc="-60" dirty="0">
+              <a:solidFill>
+                <a:srgbClr val="383838"/>
+              </a:solidFill>
+              <a:latin typeface="Courier New" panose="02070309020205020404" pitchFamily="49" charset="0"/>
+              <a:cs typeface="Courier New" panose="02070309020205020404" pitchFamily="49" charset="0"/>
+            </a:endParaRPr>
           </a:p>
           <a:p>
             <a:pPr marL="12699" marR="5079" indent="0">
@@ -10283,7 +10300,47 @@
                 <a:latin typeface="Avenir Medium" panose="02000503020000020003" pitchFamily="2" charset="0"/>
                 <a:cs typeface="Courier New" panose="02070309020205020404" pitchFamily="49" charset="0"/>
               </a:rPr>
-              <a:t> argument displays the name of the current servers.</a:t>
+              <a:t> argument displays the name of the current servers. If you delete a server, be sure to run </a:t>
+            </a:r>
+            <a:r>
+              <a:rPr lang="en-US" sz="1800" spc="-60" dirty="0">
+                <a:solidFill>
+                  <a:srgbClr val="383838"/>
+                </a:solidFill>
+                <a:latin typeface="Courier New" panose="02070309020205020404" pitchFamily="49" charset="0"/>
+                <a:cs typeface="Courier New" panose="02070309020205020404" pitchFamily="49" charset="0"/>
+              </a:rPr>
+              <a:t>./admin.sh </a:t>
+            </a:r>
+            <a:r>
+              <a:rPr lang="en-US" sz="1800" spc="-60">
+                <a:solidFill>
+                  <a:srgbClr val="383838"/>
+                </a:solidFill>
+                <a:latin typeface="Courier New" panose="02070309020205020404" pitchFamily="49" charset="0"/>
+                <a:cs typeface="Courier New" panose="02070309020205020404" pitchFamily="49" charset="0"/>
+              </a:rPr>
+              <a:t>cron delete </a:t>
+            </a:r>
+            <a:r>
+              <a:rPr lang="en-US" sz="1800" spc="-60">
+                <a:solidFill>
+                  <a:srgbClr val="383838"/>
+                </a:solidFill>
+                <a:latin typeface="Avenir Medium" panose="02000503020000020003" pitchFamily="2" charset="0"/>
+                <a:cs typeface="Courier New" panose="02070309020205020404" pitchFamily="49" charset="0"/>
+              </a:rPr>
+              <a:t>first </a:t>
+            </a:r>
+            <a:r>
+              <a:rPr lang="en-US" sz="1800" spc="-60" dirty="0">
+                <a:solidFill>
+                  <a:srgbClr val="383838"/>
+                </a:solidFill>
+                <a:latin typeface="Avenir Medium" panose="02000503020000020003" pitchFamily="2" charset="0"/>
+                <a:cs typeface="Courier New" panose="02070309020205020404" pitchFamily="49" charset="0"/>
+              </a:rPr>
+              <a:t>since there may be jobs already running on the server that is to be deleted.</a:t>
             </a:r>
           </a:p>
           <a:p>
@@ -10302,66 +10359,6 @@
               <a:latin typeface="Avenir Medium" panose="02000503020000020003" pitchFamily="2" charset="0"/>
               <a:cs typeface="Courier New" panose="02070309020205020404" pitchFamily="49" charset="0"/>
             </a:endParaRPr>
-          </a:p>
-          <a:p>
-            <a:pPr marL="12699" marR="5079" indent="0">
-              <a:lnSpc>
-                <a:spcPct val="100000"/>
-              </a:lnSpc>
-              <a:spcBef>
-                <a:spcPts val="0"/>
-              </a:spcBef>
-            </a:pPr>
-            <a:r>
-              <a:rPr lang="en-US" sz="1800" spc="-60" dirty="0">
-                <a:solidFill>
-                  <a:srgbClr val="383838"/>
-                </a:solidFill>
-                <a:latin typeface="Courier New" panose="02070309020205020404" pitchFamily="49" charset="0"/>
-                <a:cs typeface="Courier New" panose="02070309020205020404" pitchFamily="49" charset="0"/>
-              </a:rPr>
-              <a:t>./admin.sh storage</a:t>
-            </a:r>
-          </a:p>
-          <a:p>
-            <a:pPr marL="12699" marR="5079" indent="0">
-              <a:lnSpc>
-                <a:spcPct val="100000"/>
-              </a:lnSpc>
-              <a:spcBef>
-                <a:spcPts val="0"/>
-              </a:spcBef>
-            </a:pPr>
-            <a:r>
-              <a:rPr lang="en-US" sz="1800" spc="-60" dirty="0">
-                <a:solidFill>
-                  <a:srgbClr val="383838"/>
-                </a:solidFill>
-                <a:latin typeface="Avenir Medium" panose="02000503020000020003" pitchFamily="2" charset="0"/>
-                <a:cs typeface="Courier New" panose="02070309020205020404" pitchFamily="49" charset="0"/>
-              </a:rPr>
-              <a:t>The </a:t>
-            </a:r>
-            <a:r>
-              <a:rPr lang="en-US" sz="1800" spc="-60" dirty="0">
-                <a:solidFill>
-                  <a:srgbClr val="383838"/>
-                </a:solidFill>
-                <a:latin typeface="Courier New" panose="02070309020205020404" pitchFamily="49" charset="0"/>
-                <a:cs typeface="Courier New" panose="02070309020205020404" pitchFamily="49" charset="0"/>
-              </a:rPr>
-              <a:t>storage</a:t>
-            </a:r>
-            <a:r>
-              <a:rPr lang="en-US" sz="1800" spc="-60" dirty="0">
-                <a:solidFill>
-                  <a:srgbClr val="383838"/>
-                </a:solidFill>
-                <a:latin typeface="Avenir Medium" panose="02000503020000020003" pitchFamily="2" charset="0"/>
-                <a:cs typeface="Courier New" panose="02070309020205020404" pitchFamily="49" charset="0"/>
-              </a:rPr>
-              <a:t> command displays how much disk space is used by the tld and comp tests on each server, and the associated images stored on each server. This information is also displayed with the Grafana Sitespeed Monitor dashboard.</a:t>
-            </a:r>
           </a:p>
         </p:txBody>
       </p:sp>
@@ -10472,7 +10469,7 @@
         <p:spPr>
           <a:xfrm>
             <a:off x="530347" y="1127614"/>
-            <a:ext cx="11252078" cy="2696241"/>
+            <a:ext cx="11252078" cy="4432927"/>
           </a:xfrm>
           <a:prstGeom prst="rect">
             <a:avLst/>
@@ -10487,6 +10484,83 @@
             <a:noAutofit/>
           </a:bodyPr>
           <a:lstStyle/>
+          <a:p>
+            <a:pPr marL="12699" marR="5079" indent="0">
+              <a:lnSpc>
+                <a:spcPct val="100000"/>
+              </a:lnSpc>
+              <a:spcBef>
+                <a:spcPts val="0"/>
+              </a:spcBef>
+            </a:pPr>
+            <a:r>
+              <a:rPr lang="en-US" sz="1800" spc="-60" dirty="0">
+                <a:solidFill>
+                  <a:srgbClr val="383838"/>
+                </a:solidFill>
+                <a:latin typeface="Courier New" panose="02070309020205020404" pitchFamily="49" charset="0"/>
+                <a:cs typeface="Courier New" panose="02070309020205020404" pitchFamily="49" charset="0"/>
+              </a:rPr>
+              <a:t>./admin.sh storage</a:t>
+            </a:r>
+          </a:p>
+          <a:p>
+            <a:pPr marL="12699" marR="5079" indent="0">
+              <a:lnSpc>
+                <a:spcPct val="100000"/>
+              </a:lnSpc>
+              <a:spcBef>
+                <a:spcPts val="0"/>
+              </a:spcBef>
+            </a:pPr>
+            <a:r>
+              <a:rPr lang="en-US" sz="1800" spc="-60" dirty="0">
+                <a:solidFill>
+                  <a:srgbClr val="383838"/>
+                </a:solidFill>
+                <a:latin typeface="Avenir Medium" panose="02000503020000020003" pitchFamily="2" charset="0"/>
+                <a:cs typeface="Courier New" panose="02070309020205020404" pitchFamily="49" charset="0"/>
+              </a:rPr>
+              <a:t>The </a:t>
+            </a:r>
+            <a:r>
+              <a:rPr lang="en-US" sz="1800" spc="-60" dirty="0">
+                <a:solidFill>
+                  <a:srgbClr val="383838"/>
+                </a:solidFill>
+                <a:latin typeface="Courier New" panose="02070309020205020404" pitchFamily="49" charset="0"/>
+                <a:cs typeface="Courier New" panose="02070309020205020404" pitchFamily="49" charset="0"/>
+              </a:rPr>
+              <a:t>storage</a:t>
+            </a:r>
+            <a:r>
+              <a:rPr lang="en-US" sz="1800" spc="-60" dirty="0">
+                <a:solidFill>
+                  <a:srgbClr val="383838"/>
+                </a:solidFill>
+                <a:latin typeface="Avenir Medium" panose="02000503020000020003" pitchFamily="2" charset="0"/>
+                <a:cs typeface="Courier New" panose="02070309020205020404" pitchFamily="49" charset="0"/>
+              </a:rPr>
+              <a:t> command displays how much disk space is used by the tld and comp tests on each server, and the associated images stored on each server. This information is also displayed with the Grafana Sitespeed Monitor dashboard.</a:t>
+            </a:r>
+          </a:p>
+          <a:p>
+            <a:pPr marL="12699" marR="5079" indent="0">
+              <a:lnSpc>
+                <a:spcPct val="100000"/>
+              </a:lnSpc>
+              <a:spcBef>
+                <a:spcPts val="0"/>
+              </a:spcBef>
+            </a:pPr>
+            <a:endParaRPr lang="en-US" sz="1800" spc="-60" dirty="0">
+              <a:solidFill>
+                <a:srgbClr val="383838"/>
+              </a:solidFill>
+              <a:latin typeface="Courier New" panose="02070309020205020404" pitchFamily="49" charset="0"/>
+              <a:cs typeface="Courier New" panose="02070309020205020404" pitchFamily="49" charset="0"/>
+            </a:endParaRPr>
+          </a:p>
           <a:p>
             <a:pPr marL="12699" marR="5079" indent="0">
               <a:lnSpc>

--- a/Info/Guide.pptx
+++ b/Info/Guide.pptx
@@ -265,7 +265,7 @@
       <p15:sldGuideLst xmlns:p15="http://schemas.microsoft.com/office/powerpoint/2012/main"/>
     </p:ext>
     <p:ext uri="http://customooxmlschemas.google.com/">
-      <go:slidesCustomData xmlns="" xmlns:mc="http://schemas.openxmlformats.org/markup-compatibility/2006" xmlns:mv="urn:schemas-microsoft-com:mac:vml" xmlns:c="http://schemas.openxmlformats.org/drawingml/2006/chart" xmlns:dgm="http://schemas.openxmlformats.org/drawingml/2006/diagram" xmlns:o="urn:schemas-microsoft-com:office:office" xmlns:v="urn:schemas-microsoft-com:vml" xmlns:pvml="urn:schemas-microsoft-com:office:powerpoint" xmlns:com="http://schemas.openxmlformats.org/drawingml/2006/compatibility" xmlns:p14="http://schemas.microsoft.com/office/powerpoint/2010/main" xmlns:p15="http://schemas.microsoft.com/office/powerpoint/2012/main" xmlns:ahyp="http://schemas.microsoft.com/office/drawing/2018/hyperlinkcolor" xmlns:go="http://customooxmlschemas.google.com/" r:id="rId25" roundtripDataSignature="AMtx7mihFzvj0a0a4pDfHA8Gtqtqz6tFDQ=="/>
+      <go:slidesCustomData xmlns:go="http://customooxmlschemas.google.com/" xmlns:ahyp="http://schemas.microsoft.com/office/drawing/2018/hyperlinkcolor" xmlns:p15="http://schemas.microsoft.com/office/powerpoint/2012/main" xmlns:p14="http://schemas.microsoft.com/office/powerpoint/2010/main" xmlns:com="http://schemas.openxmlformats.org/drawingml/2006/compatibility" xmlns:pvml="urn:schemas-microsoft-com:office:powerpoint" xmlns:v="urn:schemas-microsoft-com:vml" xmlns:o="urn:schemas-microsoft-com:office:office" xmlns:dgm="http://schemas.openxmlformats.org/drawingml/2006/diagram" xmlns:c="http://schemas.openxmlformats.org/drawingml/2006/chart" xmlns:mv="urn:schemas-microsoft-com:mac:vml" xmlns:mc="http://schemas.openxmlformats.org/markup-compatibility/2006" xmlns="" r:id="rId25" roundtripDataSignature="AMtx7mihFzvj0a0a4pDfHA8Gtqtqz6tFDQ=="/>
     </p:ext>
   </p:extLst>
 </p:presentation>
@@ -12678,7 +12678,7 @@
                 <a:latin typeface="Avenir Medium" panose="02000503020000020003" pitchFamily="2" charset="0"/>
                 <a:cs typeface="Courier New" panose="02070309020205020404" pitchFamily="49" charset="0"/>
               </a:rPr>
-              <a:t>The Sitespeed system uses TCP ports 22, 2003, and 8888 for intra-system communication, which will cause the system to fail across Akamai</a:t>
+              <a:t>Sitespeed uses TCP ports 22, 2003, and 8888 for intra-system communication, which will cause the system to fail across Akamai</a:t>
             </a:r>
           </a:p>
           <a:p>
@@ -13050,7 +13050,7 @@
                 <a:cs typeface="Courier New" panose="02070309020205020404" pitchFamily="49" charset="0"/>
                 <a:sym typeface="Wingdings" pitchFamily="2" charset="2"/>
               </a:rPr>
-              <a:t>Once the changes are done push the files out using </a:t>
+              <a:t>Once the changes are done distribute the changes using </a:t>
             </a:r>
             <a:r>
               <a:rPr lang="en-US" sz="1800" spc="-60" dirty="0">
@@ -13168,7 +13168,7 @@
                 <a:cs typeface="Courier New" panose="02070309020205020404" pitchFamily="49" charset="0"/>
                 <a:sym typeface="Wingdings" pitchFamily="2" charset="2"/>
               </a:rPr>
-              <a:t> change the domain for to the FQDN that traverses Akamai</a:t>
+              <a:t> change the domain to the FQDN that traverses Akamai</a:t>
             </a:r>
             <a:endParaRPr lang="en-US" sz="1400" spc="-60" dirty="0">
               <a:solidFill>
@@ -13874,7 +13874,7 @@
                 <a:latin typeface="Avenir Medium" panose="02000503020000020003" pitchFamily="2" charset="0"/>
                 <a:cs typeface="Courier New" panose="02070309020205020404" pitchFamily="49" charset="0"/>
               </a:rPr>
-              <a:t>Change HTTP to HTTPS  on </a:t>
+              <a:t>Change HTTP to HTTPS  in </a:t>
             </a:r>
             <a:r>
               <a:rPr lang="en-US" sz="1600" spc="-60" dirty="0">
@@ -14336,7 +14336,27 @@
                 <a:latin typeface="Avenir Medium" panose="02000503020000020003" pitchFamily="2" charset="0"/>
                 <a:cs typeface="Courier New" panose="02070309020205020404" pitchFamily="49" charset="0"/>
               </a:rPr>
-              <a:t>The following steps should be done directly on the Graphite/Grafana server</a:t>
+              <a:t>The following steps should be </a:t>
+            </a:r>
+            <a:r>
+              <a:rPr lang="en-US" sz="1800" spc="-60">
+                <a:solidFill>
+                  <a:srgbClr val="383838"/>
+                </a:solidFill>
+                <a:latin typeface="Avenir Medium" panose="02000503020000020003" pitchFamily="2" charset="0"/>
+                <a:cs typeface="Courier New" panose="02070309020205020404" pitchFamily="49" charset="0"/>
+              </a:rPr>
+              <a:t>done on </a:t>
+            </a:r>
+            <a:r>
+              <a:rPr lang="en-US" sz="1800" spc="-60" dirty="0">
+                <a:solidFill>
+                  <a:srgbClr val="383838"/>
+                </a:solidFill>
+                <a:latin typeface="Avenir Medium" panose="02000503020000020003" pitchFamily="2" charset="0"/>
+                <a:cs typeface="Courier New" panose="02070309020205020404" pitchFamily="49" charset="0"/>
+              </a:rPr>
+              <a:t>the Graphite/Grafana server</a:t>
             </a:r>
           </a:p>
           <a:p>

--- a/Info/Guide.pptx
+++ b/Info/Guide.pptx
@@ -5,7 +5,7 @@
     <p:sldMasterId id="2147483648" r:id="rId1"/>
   </p:sldMasterIdLst>
   <p:notesMasterIdLst>
-    <p:notesMasterId r:id="rId23"/>
+    <p:notesMasterId r:id="rId27"/>
   </p:notesMasterIdLst>
   <p:sldIdLst>
     <p:sldId id="257" r:id="rId2"/>
@@ -29,6 +29,10 @@
     <p:sldId id="283" r:id="rId20"/>
     <p:sldId id="284" r:id="rId21"/>
     <p:sldId id="285" r:id="rId22"/>
+    <p:sldId id="287" r:id="rId23"/>
+    <p:sldId id="288" r:id="rId24"/>
+    <p:sldId id="289" r:id="rId25"/>
+    <p:sldId id="290" r:id="rId26"/>
   </p:sldIdLst>
   <p:sldSz cx="12192000" cy="6858000"/>
   <p:notesSz cx="6858000" cy="9144000"/>
@@ -266,7 +270,7 @@
       <p15:sldGuideLst xmlns:p15="http://schemas.microsoft.com/office/powerpoint/2012/main"/>
     </p:ext>
     <p:ext uri="http://customooxmlschemas.google.com/">
-      <go:slidesCustomData xmlns="" xmlns:mc="http://schemas.openxmlformats.org/markup-compatibility/2006" xmlns:mv="urn:schemas-microsoft-com:mac:vml" xmlns:c="http://schemas.openxmlformats.org/drawingml/2006/chart" xmlns:dgm="http://schemas.openxmlformats.org/drawingml/2006/diagram" xmlns:o="urn:schemas-microsoft-com:office:office" xmlns:v="urn:schemas-microsoft-com:vml" xmlns:pvml="urn:schemas-microsoft-com:office:powerpoint" xmlns:com="http://schemas.openxmlformats.org/drawingml/2006/compatibility" xmlns:p14="http://schemas.microsoft.com/office/powerpoint/2010/main" xmlns:p15="http://schemas.microsoft.com/office/powerpoint/2012/main" xmlns:ahyp="http://schemas.microsoft.com/office/drawing/2018/hyperlinkcolor" xmlns:go="http://customooxmlschemas.google.com/" r:id="rId25" roundtripDataSignature="AMtx7mihFzvj0a0a4pDfHA8Gtqtqz6tFDQ=="/>
+      <go:slidesCustomData xmlns="" xmlns:mc="http://schemas.openxmlformats.org/markup-compatibility/2006" xmlns:mv="urn:schemas-microsoft-com:mac:vml" xmlns:c="http://schemas.openxmlformats.org/drawingml/2006/chart" xmlns:dgm="http://schemas.openxmlformats.org/drawingml/2006/diagram" xmlns:o="urn:schemas-microsoft-com:office:office" xmlns:v="urn:schemas-microsoft-com:vml" xmlns:pvml="urn:schemas-microsoft-com:office:powerpoint" xmlns:com="http://schemas.openxmlformats.org/drawingml/2006/compatibility" xmlns:p14="http://schemas.microsoft.com/office/powerpoint/2010/main" xmlns:p15="http://schemas.microsoft.com/office/powerpoint/2012/main" xmlns:ahyp="http://schemas.microsoft.com/office/drawing/2018/hyperlinkcolor" xmlns:go="http://customooxmlschemas.google.com/" r:id="rId28" roundtripDataSignature="AMtx7mihFzvj0a0a4pDfHA8Gtqtqz6tFDQ=="/>
     </p:ext>
   </p:extLst>
 </p:presentation>
@@ -4069,6 +4073,694 @@
     <p:extLst>
       <p:ext uri="{BB962C8B-B14F-4D97-AF65-F5344CB8AC3E}">
         <p14:creationId xmlns:p14="http://schemas.microsoft.com/office/powerpoint/2010/main" val="3605217608"/>
+      </p:ext>
+    </p:extLst>
+  </p:cSld>
+  <p:clrMapOvr>
+    <a:masterClrMapping/>
+  </p:clrMapOvr>
+</p:notes>
+</file>
+
+<file path=ppt/notesSlides/notesSlide22.xml><?xml version="1.0" encoding="utf-8"?>
+<p:notes xmlns:a="http://schemas.openxmlformats.org/drawingml/2006/main" xmlns:r="http://schemas.openxmlformats.org/officeDocument/2006/relationships" xmlns:p="http://schemas.openxmlformats.org/presentationml/2006/main" showMasterSp="0" showMasterPhAnim="0">
+  <p:cSld>
+    <p:spTree>
+      <p:nvGrpSpPr>
+        <p:cNvPr id="1" name="Shape 193"/>
+        <p:cNvGrpSpPr/>
+        <p:nvPr/>
+      </p:nvGrpSpPr>
+      <p:grpSpPr>
+        <a:xfrm>
+          <a:off x="0" y="0"/>
+          <a:ext cx="0" cy="0"/>
+          <a:chOff x="0" y="0"/>
+          <a:chExt cx="0" cy="0"/>
+        </a:xfrm>
+      </p:grpSpPr>
+      <p:sp>
+        <p:nvSpPr>
+          <p:cNvPr id="194" name="Google Shape;194;p10:notes"/>
+          <p:cNvSpPr txBox="1">
+            <a:spLocks noGrp="1"/>
+          </p:cNvSpPr>
+          <p:nvPr>
+            <p:ph type="body" idx="1"/>
+          </p:nvPr>
+        </p:nvSpPr>
+        <p:spPr>
+          <a:xfrm>
+            <a:off x="685800" y="4400550"/>
+            <a:ext cx="5486400" cy="3600450"/>
+          </a:xfrm>
+          <a:prstGeom prst="rect">
+            <a:avLst/>
+          </a:prstGeom>
+          <a:noFill/>
+          <a:ln>
+            <a:noFill/>
+          </a:ln>
+        </p:spPr>
+        <p:txBody>
+          <a:bodyPr spcFirstLastPara="1" wrap="square" lIns="91425" tIns="45700" rIns="91425" bIns="45700" anchor="t" anchorCtr="0">
+            <a:noAutofit/>
+          </a:bodyPr>
+          <a:lstStyle/>
+          <a:p>
+            <a:pPr marL="171450" lvl="0" indent="-171450" algn="l" rtl="0">
+              <a:lnSpc>
+                <a:spcPct val="100000"/>
+              </a:lnSpc>
+              <a:spcBef>
+                <a:spcPts val="0"/>
+              </a:spcBef>
+              <a:spcAft>
+                <a:spcPts val="0"/>
+              </a:spcAft>
+              <a:buSzPts val="1400"/>
+              <a:buFont typeface="Arial" panose="020B0604020202020204" pitchFamily="34" charset="0"/>
+              <a:buChar char="•"/>
+            </a:pPr>
+            <a:r>
+              <a:rPr lang="en-US" dirty="0"/>
+              <a:t>Single Domain and Competitive Analysis are stored in Graphite in two different namespaces</a:t>
+            </a:r>
+          </a:p>
+          <a:p>
+            <a:pPr marL="171450" lvl="0" indent="-171450" algn="l" rtl="0">
+              <a:lnSpc>
+                <a:spcPct val="100000"/>
+              </a:lnSpc>
+              <a:spcBef>
+                <a:spcPts val="0"/>
+              </a:spcBef>
+              <a:spcAft>
+                <a:spcPts val="0"/>
+              </a:spcAft>
+              <a:buSzPts val="1400"/>
+              <a:buFont typeface="Arial" panose="020B0604020202020204" pitchFamily="34" charset="0"/>
+              <a:buChar char="•"/>
+            </a:pPr>
+            <a:r>
+              <a:rPr lang="en-US" dirty="0"/>
+              <a:t>Complete flexibility in how tests are set up</a:t>
+            </a:r>
+          </a:p>
+          <a:p>
+            <a:pPr marL="171450" lvl="0" indent="-171450" algn="l" rtl="0">
+              <a:lnSpc>
+                <a:spcPct val="100000"/>
+              </a:lnSpc>
+              <a:spcBef>
+                <a:spcPts val="0"/>
+              </a:spcBef>
+              <a:spcAft>
+                <a:spcPts val="0"/>
+              </a:spcAft>
+              <a:buSzPts val="1400"/>
+              <a:buFont typeface="Arial" panose="020B0604020202020204" pitchFamily="34" charset="0"/>
+              <a:buChar char="•"/>
+            </a:pPr>
+            <a:r>
+              <a:rPr lang="en-US" dirty="0"/>
+              <a:t>Nothing set in stone about the number of single domain vs competitive analysis tests</a:t>
+            </a:r>
+            <a:endParaRPr dirty="0"/>
+          </a:p>
+        </p:txBody>
+      </p:sp>
+      <p:sp>
+        <p:nvSpPr>
+          <p:cNvPr id="195" name="Google Shape;195;p10:notes"/>
+          <p:cNvSpPr>
+            <a:spLocks noGrp="1" noRot="1" noChangeAspect="1"/>
+          </p:cNvSpPr>
+          <p:nvPr>
+            <p:ph type="sldImg" idx="2"/>
+          </p:nvPr>
+        </p:nvSpPr>
+        <p:spPr>
+          <a:xfrm>
+            <a:off x="685800" y="1143000"/>
+            <a:ext cx="5486400" cy="3086100"/>
+          </a:xfrm>
+          <a:custGeom>
+            <a:avLst/>
+            <a:gdLst/>
+            <a:ahLst/>
+            <a:cxnLst/>
+            <a:rect l="l" t="t" r="r" b="b"/>
+            <a:pathLst>
+              <a:path w="120000" h="120000" extrusionOk="0">
+                <a:moveTo>
+                  <a:pt x="0" y="0"/>
+                </a:moveTo>
+                <a:lnTo>
+                  <a:pt x="120000" y="0"/>
+                </a:lnTo>
+                <a:lnTo>
+                  <a:pt x="120000" y="120000"/>
+                </a:lnTo>
+                <a:lnTo>
+                  <a:pt x="0" y="120000"/>
+                </a:lnTo>
+                <a:close/>
+              </a:path>
+            </a:pathLst>
+          </a:custGeom>
+          <a:noFill/>
+          <a:ln w="12700" cap="flat" cmpd="sng">
+            <a:solidFill>
+              <a:srgbClr val="000000"/>
+            </a:solidFill>
+            <a:prstDash val="solid"/>
+            <a:round/>
+            <a:headEnd type="none" w="sm" len="sm"/>
+            <a:tailEnd type="none" w="sm" len="sm"/>
+          </a:ln>
+        </p:spPr>
+      </p:sp>
+    </p:spTree>
+    <p:extLst>
+      <p:ext uri="{BB962C8B-B14F-4D97-AF65-F5344CB8AC3E}">
+        <p14:creationId xmlns:p14="http://schemas.microsoft.com/office/powerpoint/2010/main" val="1270008764"/>
+      </p:ext>
+    </p:extLst>
+  </p:cSld>
+  <p:clrMapOvr>
+    <a:masterClrMapping/>
+  </p:clrMapOvr>
+</p:notes>
+</file>
+
+<file path=ppt/notesSlides/notesSlide23.xml><?xml version="1.0" encoding="utf-8"?>
+<p:notes xmlns:a="http://schemas.openxmlformats.org/drawingml/2006/main" xmlns:r="http://schemas.openxmlformats.org/officeDocument/2006/relationships" xmlns:p="http://schemas.openxmlformats.org/presentationml/2006/main" showMasterSp="0" showMasterPhAnim="0">
+  <p:cSld>
+    <p:spTree>
+      <p:nvGrpSpPr>
+        <p:cNvPr id="1" name="Shape 193"/>
+        <p:cNvGrpSpPr/>
+        <p:nvPr/>
+      </p:nvGrpSpPr>
+      <p:grpSpPr>
+        <a:xfrm>
+          <a:off x="0" y="0"/>
+          <a:ext cx="0" cy="0"/>
+          <a:chOff x="0" y="0"/>
+          <a:chExt cx="0" cy="0"/>
+        </a:xfrm>
+      </p:grpSpPr>
+      <p:sp>
+        <p:nvSpPr>
+          <p:cNvPr id="194" name="Google Shape;194;p10:notes"/>
+          <p:cNvSpPr txBox="1">
+            <a:spLocks noGrp="1"/>
+          </p:cNvSpPr>
+          <p:nvPr>
+            <p:ph type="body" idx="1"/>
+          </p:nvPr>
+        </p:nvSpPr>
+        <p:spPr>
+          <a:xfrm>
+            <a:off x="685800" y="4400550"/>
+            <a:ext cx="5486400" cy="3600450"/>
+          </a:xfrm>
+          <a:prstGeom prst="rect">
+            <a:avLst/>
+          </a:prstGeom>
+          <a:noFill/>
+          <a:ln>
+            <a:noFill/>
+          </a:ln>
+        </p:spPr>
+        <p:txBody>
+          <a:bodyPr spcFirstLastPara="1" wrap="square" lIns="91425" tIns="45700" rIns="91425" bIns="45700" anchor="t" anchorCtr="0">
+            <a:noAutofit/>
+          </a:bodyPr>
+          <a:lstStyle/>
+          <a:p>
+            <a:pPr marL="171450" lvl="0" indent="-171450" algn="l" rtl="0">
+              <a:lnSpc>
+                <a:spcPct val="100000"/>
+              </a:lnSpc>
+              <a:spcBef>
+                <a:spcPts val="0"/>
+              </a:spcBef>
+              <a:spcAft>
+                <a:spcPts val="0"/>
+              </a:spcAft>
+              <a:buSzPts val="1400"/>
+              <a:buFont typeface="Arial" panose="020B0604020202020204" pitchFamily="34" charset="0"/>
+              <a:buChar char="•"/>
+            </a:pPr>
+            <a:r>
+              <a:rPr lang="en-US" dirty="0"/>
+              <a:t>Single Domain and Competitive Analysis are stored in Graphite in two different namespaces</a:t>
+            </a:r>
+          </a:p>
+          <a:p>
+            <a:pPr marL="171450" lvl="0" indent="-171450" algn="l" rtl="0">
+              <a:lnSpc>
+                <a:spcPct val="100000"/>
+              </a:lnSpc>
+              <a:spcBef>
+                <a:spcPts val="0"/>
+              </a:spcBef>
+              <a:spcAft>
+                <a:spcPts val="0"/>
+              </a:spcAft>
+              <a:buSzPts val="1400"/>
+              <a:buFont typeface="Arial" panose="020B0604020202020204" pitchFamily="34" charset="0"/>
+              <a:buChar char="•"/>
+            </a:pPr>
+            <a:r>
+              <a:rPr lang="en-US" dirty="0"/>
+              <a:t>Complete flexibility in how tests are set up</a:t>
+            </a:r>
+          </a:p>
+          <a:p>
+            <a:pPr marL="171450" lvl="0" indent="-171450" algn="l" rtl="0">
+              <a:lnSpc>
+                <a:spcPct val="100000"/>
+              </a:lnSpc>
+              <a:spcBef>
+                <a:spcPts val="0"/>
+              </a:spcBef>
+              <a:spcAft>
+                <a:spcPts val="0"/>
+              </a:spcAft>
+              <a:buSzPts val="1400"/>
+              <a:buFont typeface="Arial" panose="020B0604020202020204" pitchFamily="34" charset="0"/>
+              <a:buChar char="•"/>
+            </a:pPr>
+            <a:r>
+              <a:rPr lang="en-US" dirty="0"/>
+              <a:t>Nothing set in stone about the number of single domain vs competitive analysis tests</a:t>
+            </a:r>
+            <a:endParaRPr dirty="0"/>
+          </a:p>
+        </p:txBody>
+      </p:sp>
+      <p:sp>
+        <p:nvSpPr>
+          <p:cNvPr id="195" name="Google Shape;195;p10:notes"/>
+          <p:cNvSpPr>
+            <a:spLocks noGrp="1" noRot="1" noChangeAspect="1"/>
+          </p:cNvSpPr>
+          <p:nvPr>
+            <p:ph type="sldImg" idx="2"/>
+          </p:nvPr>
+        </p:nvSpPr>
+        <p:spPr>
+          <a:xfrm>
+            <a:off x="685800" y="1143000"/>
+            <a:ext cx="5486400" cy="3086100"/>
+          </a:xfrm>
+          <a:custGeom>
+            <a:avLst/>
+            <a:gdLst/>
+            <a:ahLst/>
+            <a:cxnLst/>
+            <a:rect l="l" t="t" r="r" b="b"/>
+            <a:pathLst>
+              <a:path w="120000" h="120000" extrusionOk="0">
+                <a:moveTo>
+                  <a:pt x="0" y="0"/>
+                </a:moveTo>
+                <a:lnTo>
+                  <a:pt x="120000" y="0"/>
+                </a:lnTo>
+                <a:lnTo>
+                  <a:pt x="120000" y="120000"/>
+                </a:lnTo>
+                <a:lnTo>
+                  <a:pt x="0" y="120000"/>
+                </a:lnTo>
+                <a:close/>
+              </a:path>
+            </a:pathLst>
+          </a:custGeom>
+          <a:noFill/>
+          <a:ln w="12700" cap="flat" cmpd="sng">
+            <a:solidFill>
+              <a:srgbClr val="000000"/>
+            </a:solidFill>
+            <a:prstDash val="solid"/>
+            <a:round/>
+            <a:headEnd type="none" w="sm" len="sm"/>
+            <a:tailEnd type="none" w="sm" len="sm"/>
+          </a:ln>
+        </p:spPr>
+      </p:sp>
+    </p:spTree>
+    <p:extLst>
+      <p:ext uri="{BB962C8B-B14F-4D97-AF65-F5344CB8AC3E}">
+        <p14:creationId xmlns:p14="http://schemas.microsoft.com/office/powerpoint/2010/main" val="2263168695"/>
+      </p:ext>
+    </p:extLst>
+  </p:cSld>
+  <p:clrMapOvr>
+    <a:masterClrMapping/>
+  </p:clrMapOvr>
+</p:notes>
+</file>
+
+<file path=ppt/notesSlides/notesSlide24.xml><?xml version="1.0" encoding="utf-8"?>
+<p:notes xmlns:a="http://schemas.openxmlformats.org/drawingml/2006/main" xmlns:r="http://schemas.openxmlformats.org/officeDocument/2006/relationships" xmlns:p="http://schemas.openxmlformats.org/presentationml/2006/main" showMasterSp="0" showMasterPhAnim="0">
+  <p:cSld>
+    <p:spTree>
+      <p:nvGrpSpPr>
+        <p:cNvPr id="1" name="Shape 193"/>
+        <p:cNvGrpSpPr/>
+        <p:nvPr/>
+      </p:nvGrpSpPr>
+      <p:grpSpPr>
+        <a:xfrm>
+          <a:off x="0" y="0"/>
+          <a:ext cx="0" cy="0"/>
+          <a:chOff x="0" y="0"/>
+          <a:chExt cx="0" cy="0"/>
+        </a:xfrm>
+      </p:grpSpPr>
+      <p:sp>
+        <p:nvSpPr>
+          <p:cNvPr id="194" name="Google Shape;194;p10:notes"/>
+          <p:cNvSpPr txBox="1">
+            <a:spLocks noGrp="1"/>
+          </p:cNvSpPr>
+          <p:nvPr>
+            <p:ph type="body" idx="1"/>
+          </p:nvPr>
+        </p:nvSpPr>
+        <p:spPr>
+          <a:xfrm>
+            <a:off x="685800" y="4400550"/>
+            <a:ext cx="5486400" cy="3600450"/>
+          </a:xfrm>
+          <a:prstGeom prst="rect">
+            <a:avLst/>
+          </a:prstGeom>
+          <a:noFill/>
+          <a:ln>
+            <a:noFill/>
+          </a:ln>
+        </p:spPr>
+        <p:txBody>
+          <a:bodyPr spcFirstLastPara="1" wrap="square" lIns="91425" tIns="45700" rIns="91425" bIns="45700" anchor="t" anchorCtr="0">
+            <a:noAutofit/>
+          </a:bodyPr>
+          <a:lstStyle/>
+          <a:p>
+            <a:pPr marL="171450" lvl="0" indent="-171450" algn="l" rtl="0">
+              <a:lnSpc>
+                <a:spcPct val="100000"/>
+              </a:lnSpc>
+              <a:spcBef>
+                <a:spcPts val="0"/>
+              </a:spcBef>
+              <a:spcAft>
+                <a:spcPts val="0"/>
+              </a:spcAft>
+              <a:buSzPts val="1400"/>
+              <a:buFont typeface="Arial" panose="020B0604020202020204" pitchFamily="34" charset="0"/>
+              <a:buChar char="•"/>
+            </a:pPr>
+            <a:r>
+              <a:rPr lang="en-US" dirty="0"/>
+              <a:t>Single Domain and Competitive Analysis are stored in Graphite in two different namespaces</a:t>
+            </a:r>
+          </a:p>
+          <a:p>
+            <a:pPr marL="171450" lvl="0" indent="-171450" algn="l" rtl="0">
+              <a:lnSpc>
+                <a:spcPct val="100000"/>
+              </a:lnSpc>
+              <a:spcBef>
+                <a:spcPts val="0"/>
+              </a:spcBef>
+              <a:spcAft>
+                <a:spcPts val="0"/>
+              </a:spcAft>
+              <a:buSzPts val="1400"/>
+              <a:buFont typeface="Arial" panose="020B0604020202020204" pitchFamily="34" charset="0"/>
+              <a:buChar char="•"/>
+            </a:pPr>
+            <a:r>
+              <a:rPr lang="en-US" dirty="0"/>
+              <a:t>Complete flexibility in how tests are set up</a:t>
+            </a:r>
+          </a:p>
+          <a:p>
+            <a:pPr marL="171450" lvl="0" indent="-171450" algn="l" rtl="0">
+              <a:lnSpc>
+                <a:spcPct val="100000"/>
+              </a:lnSpc>
+              <a:spcBef>
+                <a:spcPts val="0"/>
+              </a:spcBef>
+              <a:spcAft>
+                <a:spcPts val="0"/>
+              </a:spcAft>
+              <a:buSzPts val="1400"/>
+              <a:buFont typeface="Arial" panose="020B0604020202020204" pitchFamily="34" charset="0"/>
+              <a:buChar char="•"/>
+            </a:pPr>
+            <a:r>
+              <a:rPr lang="en-US" dirty="0"/>
+              <a:t>Nothing set in stone about the number of single domain vs competitive analysis tests</a:t>
+            </a:r>
+            <a:endParaRPr dirty="0"/>
+          </a:p>
+        </p:txBody>
+      </p:sp>
+      <p:sp>
+        <p:nvSpPr>
+          <p:cNvPr id="195" name="Google Shape;195;p10:notes"/>
+          <p:cNvSpPr>
+            <a:spLocks noGrp="1" noRot="1" noChangeAspect="1"/>
+          </p:cNvSpPr>
+          <p:nvPr>
+            <p:ph type="sldImg" idx="2"/>
+          </p:nvPr>
+        </p:nvSpPr>
+        <p:spPr>
+          <a:xfrm>
+            <a:off x="685800" y="1143000"/>
+            <a:ext cx="5486400" cy="3086100"/>
+          </a:xfrm>
+          <a:custGeom>
+            <a:avLst/>
+            <a:gdLst/>
+            <a:ahLst/>
+            <a:cxnLst/>
+            <a:rect l="l" t="t" r="r" b="b"/>
+            <a:pathLst>
+              <a:path w="120000" h="120000" extrusionOk="0">
+                <a:moveTo>
+                  <a:pt x="0" y="0"/>
+                </a:moveTo>
+                <a:lnTo>
+                  <a:pt x="120000" y="0"/>
+                </a:lnTo>
+                <a:lnTo>
+                  <a:pt x="120000" y="120000"/>
+                </a:lnTo>
+                <a:lnTo>
+                  <a:pt x="0" y="120000"/>
+                </a:lnTo>
+                <a:close/>
+              </a:path>
+            </a:pathLst>
+          </a:custGeom>
+          <a:noFill/>
+          <a:ln w="12700" cap="flat" cmpd="sng">
+            <a:solidFill>
+              <a:srgbClr val="000000"/>
+            </a:solidFill>
+            <a:prstDash val="solid"/>
+            <a:round/>
+            <a:headEnd type="none" w="sm" len="sm"/>
+            <a:tailEnd type="none" w="sm" len="sm"/>
+          </a:ln>
+        </p:spPr>
+      </p:sp>
+    </p:spTree>
+    <p:extLst>
+      <p:ext uri="{BB962C8B-B14F-4D97-AF65-F5344CB8AC3E}">
+        <p14:creationId xmlns:p14="http://schemas.microsoft.com/office/powerpoint/2010/main" val="2604551089"/>
+      </p:ext>
+    </p:extLst>
+  </p:cSld>
+  <p:clrMapOvr>
+    <a:masterClrMapping/>
+  </p:clrMapOvr>
+</p:notes>
+</file>
+
+<file path=ppt/notesSlides/notesSlide25.xml><?xml version="1.0" encoding="utf-8"?>
+<p:notes xmlns:a="http://schemas.openxmlformats.org/drawingml/2006/main" xmlns:r="http://schemas.openxmlformats.org/officeDocument/2006/relationships" xmlns:p="http://schemas.openxmlformats.org/presentationml/2006/main" showMasterSp="0" showMasterPhAnim="0">
+  <p:cSld>
+    <p:spTree>
+      <p:nvGrpSpPr>
+        <p:cNvPr id="1" name="Shape 193"/>
+        <p:cNvGrpSpPr/>
+        <p:nvPr/>
+      </p:nvGrpSpPr>
+      <p:grpSpPr>
+        <a:xfrm>
+          <a:off x="0" y="0"/>
+          <a:ext cx="0" cy="0"/>
+          <a:chOff x="0" y="0"/>
+          <a:chExt cx="0" cy="0"/>
+        </a:xfrm>
+      </p:grpSpPr>
+      <p:sp>
+        <p:nvSpPr>
+          <p:cNvPr id="194" name="Google Shape;194;p10:notes"/>
+          <p:cNvSpPr txBox="1">
+            <a:spLocks noGrp="1"/>
+          </p:cNvSpPr>
+          <p:nvPr>
+            <p:ph type="body" idx="1"/>
+          </p:nvPr>
+        </p:nvSpPr>
+        <p:spPr>
+          <a:xfrm>
+            <a:off x="685800" y="4400550"/>
+            <a:ext cx="5486400" cy="3600450"/>
+          </a:xfrm>
+          <a:prstGeom prst="rect">
+            <a:avLst/>
+          </a:prstGeom>
+          <a:noFill/>
+          <a:ln>
+            <a:noFill/>
+          </a:ln>
+        </p:spPr>
+        <p:txBody>
+          <a:bodyPr spcFirstLastPara="1" wrap="square" lIns="91425" tIns="45700" rIns="91425" bIns="45700" anchor="t" anchorCtr="0">
+            <a:noAutofit/>
+          </a:bodyPr>
+          <a:lstStyle/>
+          <a:p>
+            <a:pPr marL="171450" lvl="0" indent="-171450" algn="l" rtl="0">
+              <a:lnSpc>
+                <a:spcPct val="100000"/>
+              </a:lnSpc>
+              <a:spcBef>
+                <a:spcPts val="0"/>
+              </a:spcBef>
+              <a:spcAft>
+                <a:spcPts val="0"/>
+              </a:spcAft>
+              <a:buSzPts val="1400"/>
+              <a:buFont typeface="Arial" panose="020B0604020202020204" pitchFamily="34" charset="0"/>
+              <a:buChar char="•"/>
+            </a:pPr>
+            <a:r>
+              <a:rPr lang="en-US" dirty="0"/>
+              <a:t>Single Domain and Competitive Analysis are stored in Graphite in two different namespaces</a:t>
+            </a:r>
+          </a:p>
+          <a:p>
+            <a:pPr marL="171450" lvl="0" indent="-171450" algn="l" rtl="0">
+              <a:lnSpc>
+                <a:spcPct val="100000"/>
+              </a:lnSpc>
+              <a:spcBef>
+                <a:spcPts val="0"/>
+              </a:spcBef>
+              <a:spcAft>
+                <a:spcPts val="0"/>
+              </a:spcAft>
+              <a:buSzPts val="1400"/>
+              <a:buFont typeface="Arial" panose="020B0604020202020204" pitchFamily="34" charset="0"/>
+              <a:buChar char="•"/>
+            </a:pPr>
+            <a:r>
+              <a:rPr lang="en-US" dirty="0"/>
+              <a:t>Complete flexibility in how tests are set up</a:t>
+            </a:r>
+          </a:p>
+          <a:p>
+            <a:pPr marL="171450" lvl="0" indent="-171450" algn="l" rtl="0">
+              <a:lnSpc>
+                <a:spcPct val="100000"/>
+              </a:lnSpc>
+              <a:spcBef>
+                <a:spcPts val="0"/>
+              </a:spcBef>
+              <a:spcAft>
+                <a:spcPts val="0"/>
+              </a:spcAft>
+              <a:buSzPts val="1400"/>
+              <a:buFont typeface="Arial" panose="020B0604020202020204" pitchFamily="34" charset="0"/>
+              <a:buChar char="•"/>
+            </a:pPr>
+            <a:r>
+              <a:rPr lang="en-US" dirty="0"/>
+              <a:t>Nothing set in stone about the number of single domain vs competitive analysis tests</a:t>
+            </a:r>
+            <a:endParaRPr dirty="0"/>
+          </a:p>
+        </p:txBody>
+      </p:sp>
+      <p:sp>
+        <p:nvSpPr>
+          <p:cNvPr id="195" name="Google Shape;195;p10:notes"/>
+          <p:cNvSpPr>
+            <a:spLocks noGrp="1" noRot="1" noChangeAspect="1"/>
+          </p:cNvSpPr>
+          <p:nvPr>
+            <p:ph type="sldImg" idx="2"/>
+          </p:nvPr>
+        </p:nvSpPr>
+        <p:spPr>
+          <a:xfrm>
+            <a:off x="685800" y="1143000"/>
+            <a:ext cx="5486400" cy="3086100"/>
+          </a:xfrm>
+          <a:custGeom>
+            <a:avLst/>
+            <a:gdLst/>
+            <a:ahLst/>
+            <a:cxnLst/>
+            <a:rect l="l" t="t" r="r" b="b"/>
+            <a:pathLst>
+              <a:path w="120000" h="120000" extrusionOk="0">
+                <a:moveTo>
+                  <a:pt x="0" y="0"/>
+                </a:moveTo>
+                <a:lnTo>
+                  <a:pt x="120000" y="0"/>
+                </a:lnTo>
+                <a:lnTo>
+                  <a:pt x="120000" y="120000"/>
+                </a:lnTo>
+                <a:lnTo>
+                  <a:pt x="0" y="120000"/>
+                </a:lnTo>
+                <a:close/>
+              </a:path>
+            </a:pathLst>
+          </a:custGeom>
+          <a:noFill/>
+          <a:ln w="12700" cap="flat" cmpd="sng">
+            <a:solidFill>
+              <a:srgbClr val="000000"/>
+            </a:solidFill>
+            <a:prstDash val="solid"/>
+            <a:round/>
+            <a:headEnd type="none" w="sm" len="sm"/>
+            <a:tailEnd type="none" w="sm" len="sm"/>
+          </a:ln>
+        </p:spPr>
+      </p:sp>
+    </p:spTree>
+    <p:extLst>
+      <p:ext uri="{BB962C8B-B14F-4D97-AF65-F5344CB8AC3E}">
+        <p14:creationId xmlns:p14="http://schemas.microsoft.com/office/powerpoint/2010/main" val="4096997019"/>
       </p:ext>
     </p:extLst>
   </p:cSld>
@@ -14154,7 +14846,7 @@
                 </a:solidFill>
                 <a:latin typeface="Avenir Medium" panose="02000503020000020003" pitchFamily="2" charset="0"/>
               </a:rPr>
-              <a:t>There are no passwords used for any communication for any server</a:t>
+              <a:t>There are no passwords used for communication with any server</a:t>
             </a:r>
           </a:p>
           <a:p>
@@ -15116,27 +15808,7 @@
                 <a:latin typeface="Avenir Medium" panose="02000503020000020003" pitchFamily="2" charset="0"/>
                 <a:cs typeface="Courier New" panose="02070309020205020404" pitchFamily="49" charset="0"/>
               </a:rPr>
-              <a:t>The following steps should be </a:t>
-            </a:r>
-            <a:r>
-              <a:rPr lang="en-US" sz="1800" spc="-60">
-                <a:solidFill>
-                  <a:srgbClr val="383838"/>
-                </a:solidFill>
-                <a:latin typeface="Avenir Medium" panose="02000503020000020003" pitchFamily="2" charset="0"/>
-                <a:cs typeface="Courier New" panose="02070309020205020404" pitchFamily="49" charset="0"/>
-              </a:rPr>
-              <a:t>done on </a:t>
-            </a:r>
-            <a:r>
-              <a:rPr lang="en-US" sz="1800" spc="-60" dirty="0">
-                <a:solidFill>
-                  <a:srgbClr val="383838"/>
-                </a:solidFill>
-                <a:latin typeface="Avenir Medium" panose="02000503020000020003" pitchFamily="2" charset="0"/>
-                <a:cs typeface="Courier New" panose="02070309020205020404" pitchFamily="49" charset="0"/>
-              </a:rPr>
-              <a:t>the Graphite/Grafana server</a:t>
+              <a:t>The following steps should be done on the Graphite/Grafana server</a:t>
             </a:r>
           </a:p>
           <a:p>
@@ -15653,6 +16325,3539 @@
     <p:extLst>
       <p:ext uri="{BB962C8B-B14F-4D97-AF65-F5344CB8AC3E}">
         <p14:creationId xmlns:p14="http://schemas.microsoft.com/office/powerpoint/2010/main" val="3438005598"/>
+      </p:ext>
+    </p:extLst>
+  </p:cSld>
+  <p:clrMapOvr>
+    <a:masterClrMapping/>
+  </p:clrMapOvr>
+</p:sld>
+</file>
+
+<file path=ppt/slides/slide22.xml><?xml version="1.0" encoding="utf-8"?>
+<p:sld xmlns:a="http://schemas.openxmlformats.org/drawingml/2006/main" xmlns:r="http://schemas.openxmlformats.org/officeDocument/2006/relationships" xmlns:p="http://schemas.openxmlformats.org/presentationml/2006/main">
+  <p:cSld>
+    <p:spTree>
+      <p:nvGrpSpPr>
+        <p:cNvPr id="1" name="Shape 196"/>
+        <p:cNvGrpSpPr/>
+        <p:nvPr/>
+      </p:nvGrpSpPr>
+      <p:grpSpPr>
+        <a:xfrm>
+          <a:off x="0" y="0"/>
+          <a:ext cx="0" cy="0"/>
+          <a:chOff x="0" y="0"/>
+          <a:chExt cx="0" cy="0"/>
+        </a:xfrm>
+      </p:grpSpPr>
+      <p:sp>
+        <p:nvSpPr>
+          <p:cNvPr id="197" name="Google Shape;197;p10"/>
+          <p:cNvSpPr txBox="1">
+            <a:spLocks noGrp="1"/>
+          </p:cNvSpPr>
+          <p:nvPr>
+            <p:ph type="title"/>
+          </p:nvPr>
+        </p:nvSpPr>
+        <p:spPr>
+          <a:xfrm>
+            <a:off x="540000" y="540001"/>
+            <a:ext cx="9230301" cy="588712"/>
+          </a:xfrm>
+          <a:prstGeom prst="rect">
+            <a:avLst/>
+          </a:prstGeom>
+          <a:noFill/>
+          <a:ln>
+            <a:noFill/>
+          </a:ln>
+        </p:spPr>
+        <p:txBody>
+          <a:bodyPr spcFirstLastPara="1" wrap="square" lIns="0" tIns="0" rIns="0" bIns="0" anchor="t" anchorCtr="0">
+            <a:noAutofit/>
+          </a:bodyPr>
+          <a:lstStyle/>
+          <a:p>
+            <a:pPr marL="0" lvl="0" indent="0" algn="l" rtl="0">
+              <a:lnSpc>
+                <a:spcPct val="90000"/>
+              </a:lnSpc>
+              <a:spcBef>
+                <a:spcPts val="0"/>
+              </a:spcBef>
+              <a:spcAft>
+                <a:spcPts val="0"/>
+              </a:spcAft>
+              <a:buClr>
+                <a:srgbClr val="0099CC"/>
+              </a:buClr>
+              <a:buSzPts val="3600"/>
+              <a:buFont typeface="Arial"/>
+              <a:buNone/>
+            </a:pPr>
+            <a:r>
+              <a:rPr lang="en-US" b="0" dirty="0">
+                <a:latin typeface="Avenir Medium" panose="02000503020000020003" pitchFamily="2" charset="0"/>
+              </a:rPr>
+              <a:t>Implementing an External Storage Volume</a:t>
+            </a:r>
+            <a:endParaRPr b="0" dirty="0">
+              <a:latin typeface="Avenir Medium" panose="02000503020000020003" pitchFamily="2" charset="0"/>
+            </a:endParaRPr>
+          </a:p>
+        </p:txBody>
+      </p:sp>
+      <p:sp>
+        <p:nvSpPr>
+          <p:cNvPr id="14" name="Google Shape;198;p10">
+            <a:extLst>
+              <a:ext uri="{FF2B5EF4-FFF2-40B4-BE49-F238E27FC236}">
+                <a16:creationId xmlns:a16="http://schemas.microsoft.com/office/drawing/2014/main" id="{ADF47C86-3730-8F43-AF64-4FD21181E7A8}"/>
+              </a:ext>
+            </a:extLst>
+          </p:cNvPr>
+          <p:cNvSpPr txBox="1">
+            <a:spLocks noGrp="1"/>
+          </p:cNvSpPr>
+          <p:nvPr>
+            <p:ph type="body" idx="1"/>
+          </p:nvPr>
+        </p:nvSpPr>
+        <p:spPr>
+          <a:xfrm>
+            <a:off x="540000" y="1128713"/>
+            <a:ext cx="11310624" cy="5345239"/>
+          </a:xfrm>
+          <a:prstGeom prst="rect">
+            <a:avLst/>
+          </a:prstGeom>
+          <a:noFill/>
+          <a:ln>
+            <a:noFill/>
+          </a:ln>
+        </p:spPr>
+        <p:txBody>
+          <a:bodyPr spcFirstLastPara="1" wrap="square" lIns="0" tIns="0" rIns="0" bIns="0" anchor="t" anchorCtr="0">
+            <a:noAutofit/>
+          </a:bodyPr>
+          <a:lstStyle/>
+          <a:p>
+            <a:pPr marL="298449" marR="5079" indent="-285750">
+              <a:lnSpc>
+                <a:spcPct val="100000"/>
+              </a:lnSpc>
+              <a:spcBef>
+                <a:spcPts val="0"/>
+              </a:spcBef>
+              <a:spcAft>
+                <a:spcPts val="1200"/>
+              </a:spcAft>
+              <a:buFont typeface="Arial" panose="020B0604020202020204" pitchFamily="34" charset="0"/>
+              <a:buChar char="•"/>
+            </a:pPr>
+            <a:r>
+              <a:rPr lang="en-US" sz="1800" spc="-60" dirty="0">
+                <a:solidFill>
+                  <a:srgbClr val="383838"/>
+                </a:solidFill>
+                <a:latin typeface="Avenir Medium" panose="02000503020000020003" pitchFamily="2" charset="0"/>
+                <a:cs typeface="Courier New" panose="02070309020205020404" pitchFamily="49" charset="0"/>
+              </a:rPr>
+              <a:t>The default location of the Graphite database on the Graphite/Grafana server is </a:t>
+            </a:r>
+            <a:r>
+              <a:rPr lang="en-US" sz="1800" spc="-60" dirty="0">
+                <a:solidFill>
+                  <a:srgbClr val="383838"/>
+                </a:solidFill>
+                <a:latin typeface="Courier New" panose="02070309020205020404" pitchFamily="49" charset="0"/>
+                <a:cs typeface="Courier New" panose="02070309020205020404" pitchFamily="49" charset="0"/>
+              </a:rPr>
+              <a:t>/</a:t>
+            </a:r>
+            <a:r>
+              <a:rPr lang="en-US" sz="1800" spc="-60" dirty="0" err="1">
+                <a:solidFill>
+                  <a:srgbClr val="383838"/>
+                </a:solidFill>
+                <a:latin typeface="Courier New" panose="02070309020205020404" pitchFamily="49" charset="0"/>
+                <a:cs typeface="Courier New" panose="02070309020205020404" pitchFamily="49" charset="0"/>
+              </a:rPr>
+              <a:t>usr</a:t>
+            </a:r>
+            <a:r>
+              <a:rPr lang="en-US" sz="1800" spc="-60" dirty="0">
+                <a:solidFill>
+                  <a:srgbClr val="383838"/>
+                </a:solidFill>
+                <a:latin typeface="Courier New" panose="02070309020205020404" pitchFamily="49" charset="0"/>
+                <a:cs typeface="Courier New" panose="02070309020205020404" pitchFamily="49" charset="0"/>
+              </a:rPr>
+              <a:t>/local/graphite </a:t>
+            </a:r>
+          </a:p>
+          <a:p>
+            <a:pPr marL="298449" marR="5079" indent="-285750">
+              <a:lnSpc>
+                <a:spcPct val="100000"/>
+              </a:lnSpc>
+              <a:spcBef>
+                <a:spcPts val="0"/>
+              </a:spcBef>
+              <a:spcAft>
+                <a:spcPts val="1200"/>
+              </a:spcAft>
+              <a:buFont typeface="Arial" panose="020B0604020202020204" pitchFamily="34" charset="0"/>
+              <a:buChar char="•"/>
+            </a:pPr>
+            <a:r>
+              <a:rPr lang="en-US" sz="1800" spc="-60" dirty="0">
+                <a:solidFill>
+                  <a:srgbClr val="383838"/>
+                </a:solidFill>
+                <a:latin typeface="Avenir Medium" panose="02000503020000020003" pitchFamily="2" charset="0"/>
+                <a:cs typeface="Courier New" panose="02070309020205020404" pitchFamily="49" charset="0"/>
+              </a:rPr>
+              <a:t>Depending on the required data retention period, it may be necessary to create an external Linode volume that is large enough to store large amounts of data</a:t>
+            </a:r>
+          </a:p>
+          <a:p>
+            <a:pPr marL="298449" marR="5079" indent="-285750">
+              <a:lnSpc>
+                <a:spcPct val="100000"/>
+              </a:lnSpc>
+              <a:spcBef>
+                <a:spcPts val="0"/>
+              </a:spcBef>
+              <a:spcAft>
+                <a:spcPts val="1200"/>
+              </a:spcAft>
+              <a:buFont typeface="Arial" panose="020B0604020202020204" pitchFamily="34" charset="0"/>
+              <a:buChar char="•"/>
+            </a:pPr>
+            <a:r>
+              <a:rPr lang="en-US" sz="1800" spc="-60" dirty="0">
+                <a:solidFill>
+                  <a:srgbClr val="383838"/>
+                </a:solidFill>
+                <a:latin typeface="Avenir Medium" panose="02000503020000020003" pitchFamily="2" charset="0"/>
+                <a:cs typeface="Courier New" panose="02070309020205020404" pitchFamily="49" charset="0"/>
+              </a:rPr>
+              <a:t>Use the Linode Console Manager to add an external storage volume</a:t>
+            </a:r>
+          </a:p>
+          <a:p>
+            <a:pPr marL="755649" marR="5079" lvl="1" indent="-285750">
+              <a:lnSpc>
+                <a:spcPct val="100000"/>
+              </a:lnSpc>
+              <a:spcBef>
+                <a:spcPts val="0"/>
+              </a:spcBef>
+              <a:buFont typeface="Arial" panose="020B0604020202020204" pitchFamily="34" charset="0"/>
+              <a:buChar char="•"/>
+            </a:pPr>
+            <a:r>
+              <a:rPr lang="en-US" sz="1800" spc="-60" dirty="0">
+                <a:solidFill>
+                  <a:srgbClr val="383838"/>
+                </a:solidFill>
+                <a:latin typeface="Avenir Medium" panose="02000503020000020003" pitchFamily="2" charset="0"/>
+                <a:cs typeface="Courier New" panose="02070309020205020404" pitchFamily="49" charset="0"/>
+              </a:rPr>
+              <a:t>The minimum recommended size is 2TB</a:t>
+            </a:r>
+          </a:p>
+          <a:p>
+            <a:pPr marL="755649" marR="5079" lvl="1" indent="-285750">
+              <a:lnSpc>
+                <a:spcPct val="100000"/>
+              </a:lnSpc>
+              <a:spcBef>
+                <a:spcPts val="0"/>
+              </a:spcBef>
+              <a:spcAft>
+                <a:spcPts val="1200"/>
+              </a:spcAft>
+              <a:buFont typeface="Arial" panose="020B0604020202020204" pitchFamily="34" charset="0"/>
+              <a:buChar char="•"/>
+            </a:pPr>
+            <a:r>
+              <a:rPr lang="en-US" sz="1800" spc="-60" dirty="0">
+                <a:solidFill>
+                  <a:srgbClr val="383838"/>
+                </a:solidFill>
+                <a:latin typeface="Avenir Medium" panose="02000503020000020003" pitchFamily="2" charset="0"/>
+                <a:cs typeface="Courier New" panose="02070309020205020404" pitchFamily="49" charset="0"/>
+              </a:rPr>
+              <a:t>Once the volume exists, it can be resized</a:t>
+            </a:r>
+          </a:p>
+          <a:p>
+            <a:pPr marL="298449" marR="5079" indent="-285750">
+              <a:lnSpc>
+                <a:spcPct val="100000"/>
+              </a:lnSpc>
+              <a:spcBef>
+                <a:spcPts val="0"/>
+              </a:spcBef>
+              <a:spcAft>
+                <a:spcPts val="1200"/>
+              </a:spcAft>
+              <a:buFont typeface="Arial" panose="020B0604020202020204" pitchFamily="34" charset="0"/>
+              <a:buChar char="•"/>
+            </a:pPr>
+            <a:r>
+              <a:rPr lang="en-US" sz="1800" spc="-60" dirty="0">
+                <a:solidFill>
+                  <a:srgbClr val="383838"/>
+                </a:solidFill>
+                <a:latin typeface="Avenir Medium" panose="02000503020000020003" pitchFamily="2" charset="0"/>
+                <a:cs typeface="Courier New" panose="02070309020205020404" pitchFamily="49" charset="0"/>
+              </a:rPr>
+              <a:t>Use the following steps to move the existing Graphite database to the newly created Linode volume</a:t>
+            </a:r>
+          </a:p>
+          <a:p>
+            <a:pPr marL="755649" marR="5079" lvl="1" indent="-285750">
+              <a:lnSpc>
+                <a:spcPct val="100000"/>
+              </a:lnSpc>
+              <a:spcBef>
+                <a:spcPts val="0"/>
+              </a:spcBef>
+              <a:buFont typeface="Arial" panose="020B0604020202020204" pitchFamily="34" charset="0"/>
+              <a:buChar char="•"/>
+            </a:pPr>
+            <a:r>
+              <a:rPr lang="en-US" sz="1800" spc="-60" dirty="0">
+                <a:solidFill>
+                  <a:srgbClr val="383838"/>
+                </a:solidFill>
+                <a:latin typeface="Avenir Medium" panose="02000503020000020003" pitchFamily="2" charset="0"/>
+                <a:cs typeface="Courier New" panose="02070309020205020404" pitchFamily="49" charset="0"/>
+              </a:rPr>
+              <a:t>For illustration purposes, the new volume will be mounted at </a:t>
+            </a:r>
+            <a:r>
+              <a:rPr lang="en-US" sz="1800" spc="-60" dirty="0">
+                <a:solidFill>
+                  <a:srgbClr val="383838"/>
+                </a:solidFill>
+                <a:latin typeface="Courier New" panose="02070309020205020404" pitchFamily="49" charset="0"/>
+                <a:cs typeface="Courier New" panose="02070309020205020404" pitchFamily="49" charset="0"/>
+              </a:rPr>
+              <a:t>/</a:t>
+            </a:r>
+            <a:r>
+              <a:rPr lang="en-US" sz="1800" spc="-60" dirty="0" err="1">
+                <a:solidFill>
+                  <a:srgbClr val="383838"/>
+                </a:solidFill>
+                <a:latin typeface="Courier New" panose="02070309020205020404" pitchFamily="49" charset="0"/>
+                <a:cs typeface="Courier New" panose="02070309020205020404" pitchFamily="49" charset="0"/>
+              </a:rPr>
+              <a:t>mnt</a:t>
+            </a:r>
+            <a:r>
+              <a:rPr lang="en-US" sz="1800" spc="-60" dirty="0">
+                <a:solidFill>
+                  <a:srgbClr val="383838"/>
+                </a:solidFill>
+                <a:latin typeface="Courier New" panose="02070309020205020404" pitchFamily="49" charset="0"/>
+                <a:cs typeface="Courier New" panose="02070309020205020404" pitchFamily="49" charset="0"/>
+              </a:rPr>
+              <a:t>/data</a:t>
+            </a:r>
+            <a:endParaRPr lang="en-US" sz="1800" spc="-60" dirty="0">
+              <a:solidFill>
+                <a:srgbClr val="383838"/>
+              </a:solidFill>
+              <a:latin typeface="Avenir Medium" panose="02000503020000020003" pitchFamily="2" charset="0"/>
+              <a:cs typeface="Courier New" panose="02070309020205020404" pitchFamily="49" charset="0"/>
+            </a:endParaRPr>
+          </a:p>
+          <a:p>
+            <a:pPr marL="755649" marR="5079" lvl="1" indent="-285750">
+              <a:lnSpc>
+                <a:spcPct val="100000"/>
+              </a:lnSpc>
+              <a:spcBef>
+                <a:spcPts val="0"/>
+              </a:spcBef>
+              <a:spcAft>
+                <a:spcPts val="1200"/>
+              </a:spcAft>
+              <a:buFont typeface="Arial" panose="020B0604020202020204" pitchFamily="34" charset="0"/>
+              <a:buChar char="•"/>
+            </a:pPr>
+            <a:r>
+              <a:rPr lang="en-US" sz="1800" spc="-60" dirty="0">
+                <a:solidFill>
+                  <a:srgbClr val="383838"/>
+                </a:solidFill>
+                <a:latin typeface="Avenir Medium" panose="02000503020000020003" pitchFamily="2" charset="0"/>
+                <a:cs typeface="Courier New" panose="02070309020205020404" pitchFamily="49" charset="0"/>
+              </a:rPr>
+              <a:t>The following commands must be executed from the Graphite/Grafana server</a:t>
+            </a:r>
+          </a:p>
+          <a:p>
+            <a:pPr marL="298449" marR="5079" indent="-285750">
+              <a:lnSpc>
+                <a:spcPct val="100000"/>
+              </a:lnSpc>
+              <a:spcBef>
+                <a:spcPts val="0"/>
+              </a:spcBef>
+              <a:spcAft>
+                <a:spcPts val="1200"/>
+              </a:spcAft>
+              <a:buFont typeface="Arial" panose="020B0604020202020204" pitchFamily="34" charset="0"/>
+              <a:buChar char="•"/>
+            </a:pPr>
+            <a:r>
+              <a:rPr lang="en-US" sz="1800" spc="-60" dirty="0">
+                <a:solidFill>
+                  <a:srgbClr val="383838"/>
+                </a:solidFill>
+                <a:latin typeface="Avenir Medium" panose="02000503020000020003" pitchFamily="2" charset="0"/>
+                <a:cs typeface="Courier New" panose="02070309020205020404" pitchFamily="49" charset="0"/>
+              </a:rPr>
+              <a:t>Create a File System</a:t>
+            </a:r>
+          </a:p>
+          <a:p>
+            <a:pPr marL="755649" marR="5079" lvl="1" indent="-285750">
+              <a:lnSpc>
+                <a:spcPct val="100000"/>
+              </a:lnSpc>
+              <a:spcBef>
+                <a:spcPts val="0"/>
+              </a:spcBef>
+              <a:spcAft>
+                <a:spcPts val="1200"/>
+              </a:spcAft>
+              <a:buFont typeface="Arial" panose="020B0604020202020204" pitchFamily="34" charset="0"/>
+              <a:buChar char="•"/>
+            </a:pPr>
+            <a:r>
+              <a:rPr lang="en-US" sz="1400" spc="-60" dirty="0" err="1">
+                <a:solidFill>
+                  <a:srgbClr val="383838"/>
+                </a:solidFill>
+                <a:latin typeface="Courier New" panose="02070309020205020404" pitchFamily="49" charset="0"/>
+                <a:cs typeface="Courier New" panose="02070309020205020404" pitchFamily="49" charset="0"/>
+              </a:rPr>
+              <a:t>sudo</a:t>
+            </a:r>
+            <a:r>
+              <a:rPr lang="en-US" sz="1400" spc="-60" dirty="0">
+                <a:solidFill>
+                  <a:srgbClr val="383838"/>
+                </a:solidFill>
+                <a:latin typeface="Courier New" panose="02070309020205020404" pitchFamily="49" charset="0"/>
+                <a:cs typeface="Courier New" panose="02070309020205020404" pitchFamily="49" charset="0"/>
+              </a:rPr>
+              <a:t> mkfs.ext4 /dev/disk/by-id/scsi-0Linode_Volume_data</a:t>
+            </a:r>
+          </a:p>
+          <a:p>
+            <a:pPr marL="298449" marR="5079" indent="-285750">
+              <a:lnSpc>
+                <a:spcPct val="100000"/>
+              </a:lnSpc>
+              <a:spcBef>
+                <a:spcPts val="0"/>
+              </a:spcBef>
+              <a:spcAft>
+                <a:spcPts val="1200"/>
+              </a:spcAft>
+              <a:buFont typeface="Arial" panose="020B0604020202020204" pitchFamily="34" charset="0"/>
+              <a:buChar char="•"/>
+            </a:pPr>
+            <a:r>
+              <a:rPr lang="en-US" sz="1800" b="1" spc="-60" dirty="0">
+                <a:solidFill>
+                  <a:srgbClr val="383838"/>
+                </a:solidFill>
+                <a:latin typeface="Avenir Book" panose="02000503020000020003" pitchFamily="2" charset="0"/>
+                <a:cs typeface="Courier New" panose="02070309020205020404" pitchFamily="49" charset="0"/>
+              </a:rPr>
+              <a:t>Create a Mount Point</a:t>
+            </a:r>
+          </a:p>
+          <a:p>
+            <a:pPr marL="755649" marR="5079" lvl="1" indent="-285750">
+              <a:lnSpc>
+                <a:spcPct val="100000"/>
+              </a:lnSpc>
+              <a:spcBef>
+                <a:spcPts val="0"/>
+              </a:spcBef>
+              <a:spcAft>
+                <a:spcPts val="1200"/>
+              </a:spcAft>
+              <a:buFont typeface="Arial" panose="020B0604020202020204" pitchFamily="34" charset="0"/>
+              <a:buChar char="•"/>
+            </a:pPr>
+            <a:r>
+              <a:rPr lang="en-US" sz="1400" spc="-60" dirty="0" err="1">
+                <a:solidFill>
+                  <a:srgbClr val="383838"/>
+                </a:solidFill>
+                <a:latin typeface="Courier New" panose="02070309020205020404" pitchFamily="49" charset="0"/>
+                <a:cs typeface="Courier New" panose="02070309020205020404" pitchFamily="49" charset="0"/>
+              </a:rPr>
+              <a:t>sudo</a:t>
+            </a:r>
+            <a:r>
+              <a:rPr lang="en-US" sz="1400" spc="-60" dirty="0">
+                <a:solidFill>
+                  <a:srgbClr val="383838"/>
+                </a:solidFill>
+                <a:latin typeface="Courier New" panose="02070309020205020404" pitchFamily="49" charset="0"/>
+                <a:cs typeface="Courier New" panose="02070309020205020404" pitchFamily="49" charset="0"/>
+              </a:rPr>
+              <a:t> </a:t>
+            </a:r>
+            <a:r>
+              <a:rPr lang="en-US" sz="1400" spc="-60" dirty="0" err="1">
+                <a:solidFill>
+                  <a:srgbClr val="383838"/>
+                </a:solidFill>
+                <a:latin typeface="Courier New" panose="02070309020205020404" pitchFamily="49" charset="0"/>
+                <a:cs typeface="Courier New" panose="02070309020205020404" pitchFamily="49" charset="0"/>
+              </a:rPr>
+              <a:t>mkdir</a:t>
+            </a:r>
+            <a:r>
+              <a:rPr lang="en-US" sz="1400" spc="-60" dirty="0">
+                <a:solidFill>
+                  <a:srgbClr val="383838"/>
+                </a:solidFill>
+                <a:latin typeface="Courier New" panose="02070309020205020404" pitchFamily="49" charset="0"/>
+                <a:cs typeface="Courier New" panose="02070309020205020404" pitchFamily="49" charset="0"/>
+              </a:rPr>
+              <a:t> –p /</a:t>
+            </a:r>
+            <a:r>
+              <a:rPr lang="en-US" sz="1400" spc="-60" dirty="0" err="1">
+                <a:solidFill>
+                  <a:srgbClr val="383838"/>
+                </a:solidFill>
+                <a:latin typeface="Courier New" panose="02070309020205020404" pitchFamily="49" charset="0"/>
+                <a:cs typeface="Courier New" panose="02070309020205020404" pitchFamily="49" charset="0"/>
+              </a:rPr>
+              <a:t>mnt</a:t>
+            </a:r>
+            <a:r>
+              <a:rPr lang="en-US" sz="1400" spc="-60" dirty="0">
+                <a:solidFill>
+                  <a:srgbClr val="383838"/>
+                </a:solidFill>
+                <a:latin typeface="Courier New" panose="02070309020205020404" pitchFamily="49" charset="0"/>
+                <a:cs typeface="Courier New" panose="02070309020205020404" pitchFamily="49" charset="0"/>
+              </a:rPr>
+              <a:t>/data</a:t>
+            </a:r>
+          </a:p>
+        </p:txBody>
+      </p:sp>
+    </p:spTree>
+    <p:extLst>
+      <p:ext uri="{BB962C8B-B14F-4D97-AF65-F5344CB8AC3E}">
+        <p14:creationId xmlns:p14="http://schemas.microsoft.com/office/powerpoint/2010/main" val="479371121"/>
+      </p:ext>
+    </p:extLst>
+  </p:cSld>
+  <p:clrMapOvr>
+    <a:masterClrMapping/>
+  </p:clrMapOvr>
+</p:sld>
+</file>
+
+<file path=ppt/slides/slide23.xml><?xml version="1.0" encoding="utf-8"?>
+<p:sld xmlns:a="http://schemas.openxmlformats.org/drawingml/2006/main" xmlns:r="http://schemas.openxmlformats.org/officeDocument/2006/relationships" xmlns:p="http://schemas.openxmlformats.org/presentationml/2006/main">
+  <p:cSld>
+    <p:spTree>
+      <p:nvGrpSpPr>
+        <p:cNvPr id="1" name="Shape 196"/>
+        <p:cNvGrpSpPr/>
+        <p:nvPr/>
+      </p:nvGrpSpPr>
+      <p:grpSpPr>
+        <a:xfrm>
+          <a:off x="0" y="0"/>
+          <a:ext cx="0" cy="0"/>
+          <a:chOff x="0" y="0"/>
+          <a:chExt cx="0" cy="0"/>
+        </a:xfrm>
+      </p:grpSpPr>
+      <p:sp>
+        <p:nvSpPr>
+          <p:cNvPr id="197" name="Google Shape;197;p10"/>
+          <p:cNvSpPr txBox="1">
+            <a:spLocks noGrp="1"/>
+          </p:cNvSpPr>
+          <p:nvPr>
+            <p:ph type="title"/>
+          </p:nvPr>
+        </p:nvSpPr>
+        <p:spPr>
+          <a:xfrm>
+            <a:off x="540000" y="540001"/>
+            <a:ext cx="9230301" cy="588712"/>
+          </a:xfrm>
+          <a:prstGeom prst="rect">
+            <a:avLst/>
+          </a:prstGeom>
+          <a:noFill/>
+          <a:ln>
+            <a:noFill/>
+          </a:ln>
+        </p:spPr>
+        <p:txBody>
+          <a:bodyPr spcFirstLastPara="1" wrap="square" lIns="0" tIns="0" rIns="0" bIns="0" anchor="t" anchorCtr="0">
+            <a:noAutofit/>
+          </a:bodyPr>
+          <a:lstStyle/>
+          <a:p>
+            <a:pPr marL="0" lvl="0" indent="0" algn="l" rtl="0">
+              <a:lnSpc>
+                <a:spcPct val="90000"/>
+              </a:lnSpc>
+              <a:spcBef>
+                <a:spcPts val="0"/>
+              </a:spcBef>
+              <a:spcAft>
+                <a:spcPts val="0"/>
+              </a:spcAft>
+              <a:buClr>
+                <a:srgbClr val="0099CC"/>
+              </a:buClr>
+              <a:buSzPts val="3600"/>
+              <a:buFont typeface="Arial"/>
+              <a:buNone/>
+            </a:pPr>
+            <a:r>
+              <a:rPr lang="en-US" b="0" dirty="0">
+                <a:latin typeface="Avenir Medium" panose="02000503020000020003" pitchFamily="2" charset="0"/>
+              </a:rPr>
+              <a:t>Implementing an External Storage Volume</a:t>
+            </a:r>
+            <a:endParaRPr b="0" dirty="0">
+              <a:latin typeface="Avenir Medium" panose="02000503020000020003" pitchFamily="2" charset="0"/>
+            </a:endParaRPr>
+          </a:p>
+        </p:txBody>
+      </p:sp>
+      <p:sp>
+        <p:nvSpPr>
+          <p:cNvPr id="14" name="Google Shape;198;p10">
+            <a:extLst>
+              <a:ext uri="{FF2B5EF4-FFF2-40B4-BE49-F238E27FC236}">
+                <a16:creationId xmlns:a16="http://schemas.microsoft.com/office/drawing/2014/main" id="{ADF47C86-3730-8F43-AF64-4FD21181E7A8}"/>
+              </a:ext>
+            </a:extLst>
+          </p:cNvPr>
+          <p:cNvSpPr txBox="1">
+            <a:spLocks noGrp="1"/>
+          </p:cNvSpPr>
+          <p:nvPr>
+            <p:ph type="body" idx="1"/>
+          </p:nvPr>
+        </p:nvSpPr>
+        <p:spPr>
+          <a:xfrm>
+            <a:off x="540000" y="1128713"/>
+            <a:ext cx="11310624" cy="5345239"/>
+          </a:xfrm>
+          <a:prstGeom prst="rect">
+            <a:avLst/>
+          </a:prstGeom>
+          <a:noFill/>
+          <a:ln>
+            <a:noFill/>
+          </a:ln>
+        </p:spPr>
+        <p:txBody>
+          <a:bodyPr spcFirstLastPara="1" wrap="square" lIns="0" tIns="0" rIns="0" bIns="0" anchor="t" anchorCtr="0">
+            <a:noAutofit/>
+          </a:bodyPr>
+          <a:lstStyle/>
+          <a:p>
+            <a:pPr marL="298449" marR="5079" indent="-285750">
+              <a:lnSpc>
+                <a:spcPct val="100000"/>
+              </a:lnSpc>
+              <a:spcBef>
+                <a:spcPts val="0"/>
+              </a:spcBef>
+              <a:spcAft>
+                <a:spcPts val="1200"/>
+              </a:spcAft>
+              <a:buFont typeface="Arial" panose="020B0604020202020204" pitchFamily="34" charset="0"/>
+              <a:buChar char="•"/>
+            </a:pPr>
+            <a:r>
+              <a:rPr lang="en-US" sz="1800" b="1" spc="-60" dirty="0">
+                <a:solidFill>
+                  <a:srgbClr val="383838"/>
+                </a:solidFill>
+                <a:latin typeface="Avenir Book" panose="02000503020000020003" pitchFamily="2" charset="0"/>
+                <a:cs typeface="Courier New" panose="02070309020205020404" pitchFamily="49" charset="0"/>
+              </a:rPr>
+              <a:t>Mount the Volume</a:t>
+            </a:r>
+          </a:p>
+          <a:p>
+            <a:pPr marL="755649" marR="5079" lvl="1" indent="-285750">
+              <a:lnSpc>
+                <a:spcPct val="100000"/>
+              </a:lnSpc>
+              <a:spcBef>
+                <a:spcPts val="0"/>
+              </a:spcBef>
+              <a:spcAft>
+                <a:spcPts val="1200"/>
+              </a:spcAft>
+              <a:buFont typeface="Arial" panose="020B0604020202020204" pitchFamily="34" charset="0"/>
+              <a:buChar char="•"/>
+            </a:pPr>
+            <a:r>
+              <a:rPr lang="en-US" sz="1400" spc="-60" dirty="0" err="1">
+                <a:solidFill>
+                  <a:srgbClr val="383838"/>
+                </a:solidFill>
+                <a:latin typeface="Courier New" panose="02070309020205020404" pitchFamily="49" charset="0"/>
+                <a:cs typeface="Courier New" panose="02070309020205020404" pitchFamily="49" charset="0"/>
+              </a:rPr>
+              <a:t>sudo</a:t>
+            </a:r>
+            <a:r>
+              <a:rPr lang="en-US" sz="1400" spc="-60" dirty="0">
+                <a:solidFill>
+                  <a:srgbClr val="383838"/>
+                </a:solidFill>
+                <a:latin typeface="Courier New" panose="02070309020205020404" pitchFamily="49" charset="0"/>
+                <a:cs typeface="Courier New" panose="02070309020205020404" pitchFamily="49" charset="0"/>
+              </a:rPr>
+              <a:t> mount /dev/disk/by-id/scsi-0Linode_Volume_data /</a:t>
+            </a:r>
+            <a:r>
+              <a:rPr lang="en-US" sz="1400" spc="-60" dirty="0" err="1">
+                <a:solidFill>
+                  <a:srgbClr val="383838"/>
+                </a:solidFill>
+                <a:latin typeface="Courier New" panose="02070309020205020404" pitchFamily="49" charset="0"/>
+                <a:cs typeface="Courier New" panose="02070309020205020404" pitchFamily="49" charset="0"/>
+              </a:rPr>
+              <a:t>mnt</a:t>
+            </a:r>
+            <a:r>
+              <a:rPr lang="en-US" sz="1400" spc="-60" dirty="0">
+                <a:solidFill>
+                  <a:srgbClr val="383838"/>
+                </a:solidFill>
+                <a:latin typeface="Courier New" panose="02070309020205020404" pitchFamily="49" charset="0"/>
+                <a:cs typeface="Courier New" panose="02070309020205020404" pitchFamily="49" charset="0"/>
+              </a:rPr>
+              <a:t>/data</a:t>
+            </a:r>
+          </a:p>
+          <a:p>
+            <a:pPr marL="298449" marR="5079" indent="-285750">
+              <a:lnSpc>
+                <a:spcPct val="100000"/>
+              </a:lnSpc>
+              <a:spcBef>
+                <a:spcPts val="0"/>
+              </a:spcBef>
+              <a:spcAft>
+                <a:spcPts val="1200"/>
+              </a:spcAft>
+              <a:buFont typeface="Arial" panose="020B0604020202020204" pitchFamily="34" charset="0"/>
+              <a:buChar char="•"/>
+            </a:pPr>
+            <a:r>
+              <a:rPr lang="en-US" sz="1800" spc="-60" dirty="0">
+                <a:solidFill>
+                  <a:srgbClr val="383838"/>
+                </a:solidFill>
+                <a:latin typeface="Avenir Medium" panose="02000503020000020003" pitchFamily="2" charset="0"/>
+                <a:cs typeface="Courier New" panose="02070309020205020404" pitchFamily="49" charset="0"/>
+              </a:rPr>
+              <a:t>Add the following line to </a:t>
+            </a:r>
+            <a:r>
+              <a:rPr lang="en-US" sz="1800" spc="-60" dirty="0">
+                <a:solidFill>
+                  <a:srgbClr val="383838"/>
+                </a:solidFill>
+                <a:latin typeface="Courier New" panose="02070309020205020404" pitchFamily="49" charset="0"/>
+                <a:cs typeface="Courier New" panose="02070309020205020404" pitchFamily="49" charset="0"/>
+              </a:rPr>
+              <a:t>/</a:t>
+            </a:r>
+            <a:r>
+              <a:rPr lang="en-US" sz="1800" spc="-60" dirty="0" err="1">
+                <a:solidFill>
+                  <a:srgbClr val="383838"/>
+                </a:solidFill>
+                <a:latin typeface="Courier New" panose="02070309020205020404" pitchFamily="49" charset="0"/>
+                <a:cs typeface="Courier New" panose="02070309020205020404" pitchFamily="49" charset="0"/>
+              </a:rPr>
+              <a:t>etc</a:t>
+            </a:r>
+            <a:r>
+              <a:rPr lang="en-US" sz="1800" spc="-60" dirty="0">
+                <a:solidFill>
+                  <a:srgbClr val="383838"/>
+                </a:solidFill>
+                <a:latin typeface="Courier New" panose="02070309020205020404" pitchFamily="49" charset="0"/>
+                <a:cs typeface="Courier New" panose="02070309020205020404" pitchFamily="49" charset="0"/>
+              </a:rPr>
+              <a:t>/</a:t>
+            </a:r>
+            <a:r>
+              <a:rPr lang="en-US" sz="1800" spc="-60" dirty="0" err="1">
+                <a:solidFill>
+                  <a:srgbClr val="383838"/>
+                </a:solidFill>
+                <a:latin typeface="Courier New" panose="02070309020205020404" pitchFamily="49" charset="0"/>
+                <a:cs typeface="Courier New" panose="02070309020205020404" pitchFamily="49" charset="0"/>
+              </a:rPr>
+              <a:t>fstab</a:t>
+            </a:r>
+            <a:r>
+              <a:rPr lang="en-US" sz="1800" spc="-60" dirty="0">
+                <a:solidFill>
+                  <a:srgbClr val="383838"/>
+                </a:solidFill>
+                <a:latin typeface="Courier New" panose="02070309020205020404" pitchFamily="49" charset="0"/>
+                <a:cs typeface="Courier New" panose="02070309020205020404" pitchFamily="49" charset="0"/>
+              </a:rPr>
+              <a:t> </a:t>
+            </a:r>
+            <a:r>
+              <a:rPr lang="en-US" sz="1800" spc="-60" dirty="0">
+                <a:solidFill>
+                  <a:srgbClr val="383838"/>
+                </a:solidFill>
+                <a:latin typeface="Avenir Medium" panose="02000503020000020003" pitchFamily="2" charset="0"/>
+                <a:cs typeface="Courier New" panose="02070309020205020404" pitchFamily="49" charset="0"/>
+              </a:rPr>
+              <a:t>to mount the volume when the Linode server starts</a:t>
+            </a:r>
+          </a:p>
+          <a:p>
+            <a:pPr marL="755649" marR="5079" lvl="1" indent="-285750">
+              <a:lnSpc>
+                <a:spcPct val="100000"/>
+              </a:lnSpc>
+              <a:spcBef>
+                <a:spcPts val="0"/>
+              </a:spcBef>
+              <a:spcAft>
+                <a:spcPts val="1200"/>
+              </a:spcAft>
+              <a:buFont typeface="Arial" panose="020B0604020202020204" pitchFamily="34" charset="0"/>
+              <a:buChar char="•"/>
+            </a:pPr>
+            <a:r>
+              <a:rPr lang="en-US" sz="1400" spc="-60" dirty="0">
+                <a:solidFill>
+                  <a:srgbClr val="383838"/>
+                </a:solidFill>
+                <a:latin typeface="Courier New" panose="02070309020205020404" pitchFamily="49" charset="0"/>
+                <a:cs typeface="Courier New" panose="02070309020205020404" pitchFamily="49" charset="0"/>
+              </a:rPr>
+              <a:t>/dev/disk/by-id/scsi-0Linode_Volume_data /</a:t>
+            </a:r>
+            <a:r>
+              <a:rPr lang="en-US" sz="1400" spc="-60" dirty="0" err="1">
+                <a:solidFill>
+                  <a:srgbClr val="383838"/>
+                </a:solidFill>
+                <a:latin typeface="Courier New" panose="02070309020205020404" pitchFamily="49" charset="0"/>
+                <a:cs typeface="Courier New" panose="02070309020205020404" pitchFamily="49" charset="0"/>
+              </a:rPr>
+              <a:t>mnt</a:t>
+            </a:r>
+            <a:r>
+              <a:rPr lang="en-US" sz="1400" spc="-60" dirty="0">
+                <a:solidFill>
+                  <a:srgbClr val="383838"/>
+                </a:solidFill>
+                <a:latin typeface="Courier New" panose="02070309020205020404" pitchFamily="49" charset="0"/>
+                <a:cs typeface="Courier New" panose="02070309020205020404" pitchFamily="49" charset="0"/>
+              </a:rPr>
+              <a:t>/data ext4 </a:t>
+            </a:r>
+            <a:r>
+              <a:rPr lang="en-US" sz="1400" spc="-60" dirty="0" err="1">
+                <a:solidFill>
+                  <a:srgbClr val="383838"/>
+                </a:solidFill>
+                <a:latin typeface="Courier New" panose="02070309020205020404" pitchFamily="49" charset="0"/>
+                <a:cs typeface="Courier New" panose="02070309020205020404" pitchFamily="49" charset="0"/>
+              </a:rPr>
+              <a:t>defaults,noatime,nofail</a:t>
+            </a:r>
+            <a:r>
+              <a:rPr lang="en-US" sz="1400" spc="-60" dirty="0">
+                <a:solidFill>
+                  <a:srgbClr val="383838"/>
+                </a:solidFill>
+                <a:latin typeface="Courier New" panose="02070309020205020404" pitchFamily="49" charset="0"/>
+                <a:cs typeface="Courier New" panose="02070309020205020404" pitchFamily="49" charset="0"/>
+              </a:rPr>
+              <a:t> 0 2</a:t>
+            </a:r>
+          </a:p>
+          <a:p>
+            <a:pPr marL="298449" marR="5079" indent="-285750">
+              <a:lnSpc>
+                <a:spcPct val="100000"/>
+              </a:lnSpc>
+              <a:spcBef>
+                <a:spcPts val="0"/>
+              </a:spcBef>
+              <a:spcAft>
+                <a:spcPts val="1200"/>
+              </a:spcAft>
+              <a:buFont typeface="Arial" panose="020B0604020202020204" pitchFamily="34" charset="0"/>
+              <a:buChar char="•"/>
+            </a:pPr>
+            <a:r>
+              <a:rPr lang="en-US" sz="1800" b="1" spc="-60" dirty="0">
+                <a:solidFill>
+                  <a:srgbClr val="383838"/>
+                </a:solidFill>
+                <a:latin typeface="Avenir Book" panose="02000503020000020003" pitchFamily="2" charset="0"/>
+                <a:cs typeface="Courier New" panose="02070309020205020404" pitchFamily="49" charset="0"/>
+              </a:rPr>
+              <a:t>The following steps should be performed on the Graphite/Grafana server when no tests are running</a:t>
+            </a:r>
+          </a:p>
+          <a:p>
+            <a:pPr marL="298449" marR="5079" indent="-285750">
+              <a:lnSpc>
+                <a:spcPct val="100000"/>
+              </a:lnSpc>
+              <a:spcBef>
+                <a:spcPts val="0"/>
+              </a:spcBef>
+              <a:spcAft>
+                <a:spcPts val="1200"/>
+              </a:spcAft>
+              <a:buFont typeface="Arial" panose="020B0604020202020204" pitchFamily="34" charset="0"/>
+              <a:buChar char="•"/>
+            </a:pPr>
+            <a:r>
+              <a:rPr lang="en-US" sz="1800" b="1" spc="-60" dirty="0">
+                <a:solidFill>
+                  <a:srgbClr val="383838"/>
+                </a:solidFill>
+                <a:latin typeface="Avenir Book" panose="02000503020000020003" pitchFamily="2" charset="0"/>
+                <a:cs typeface="Courier New" panose="02070309020205020404" pitchFamily="49" charset="0"/>
+              </a:rPr>
+              <a:t>Shutdown the Graphite database</a:t>
+            </a:r>
+          </a:p>
+          <a:p>
+            <a:pPr marL="755649" marR="5079" lvl="1" indent="-285750">
+              <a:lnSpc>
+                <a:spcPct val="100000"/>
+              </a:lnSpc>
+              <a:spcBef>
+                <a:spcPts val="0"/>
+              </a:spcBef>
+              <a:spcAft>
+                <a:spcPts val="1200"/>
+              </a:spcAft>
+              <a:buFont typeface="Arial" panose="020B0604020202020204" pitchFamily="34" charset="0"/>
+              <a:buChar char="•"/>
+            </a:pPr>
+            <a:r>
+              <a:rPr lang="en-US" sz="1400" spc="-60" dirty="0" err="1">
+                <a:solidFill>
+                  <a:srgbClr val="383838"/>
+                </a:solidFill>
+                <a:latin typeface="Courier New" panose="02070309020205020404" pitchFamily="49" charset="0"/>
+                <a:cs typeface="Courier New" panose="02070309020205020404" pitchFamily="49" charset="0"/>
+              </a:rPr>
+              <a:t>sudo</a:t>
+            </a:r>
+            <a:r>
+              <a:rPr lang="en-US" sz="1400" spc="-60" dirty="0">
+                <a:solidFill>
+                  <a:srgbClr val="383838"/>
+                </a:solidFill>
+                <a:latin typeface="Courier New" panose="02070309020205020404" pitchFamily="49" charset="0"/>
+                <a:cs typeface="Courier New" panose="02070309020205020404" pitchFamily="49" charset="0"/>
+              </a:rPr>
+              <a:t> /</a:t>
+            </a:r>
+            <a:r>
+              <a:rPr lang="en-US" sz="1400" spc="-60" dirty="0" err="1">
+                <a:solidFill>
+                  <a:srgbClr val="383838"/>
+                </a:solidFill>
+                <a:latin typeface="Courier New" panose="02070309020205020404" pitchFamily="49" charset="0"/>
+                <a:cs typeface="Courier New" panose="02070309020205020404" pitchFamily="49" charset="0"/>
+              </a:rPr>
+              <a:t>usr</a:t>
+            </a:r>
+            <a:r>
+              <a:rPr lang="en-US" sz="1400" spc="-60" dirty="0">
+                <a:solidFill>
+                  <a:srgbClr val="383838"/>
+                </a:solidFill>
+                <a:latin typeface="Courier New" panose="02070309020205020404" pitchFamily="49" charset="0"/>
+                <a:cs typeface="Courier New" panose="02070309020205020404" pitchFamily="49" charset="0"/>
+              </a:rPr>
+              <a:t>/local/graphite/</a:t>
+            </a:r>
+            <a:r>
+              <a:rPr lang="en-US" sz="1400" spc="-60" dirty="0" err="1">
+                <a:solidFill>
+                  <a:srgbClr val="383838"/>
+                </a:solidFill>
+                <a:latin typeface="Courier New" panose="02070309020205020404" pitchFamily="49" charset="0"/>
+                <a:cs typeface="Courier New" panose="02070309020205020404" pitchFamily="49" charset="0"/>
+              </a:rPr>
+              <a:t>graphite.sh</a:t>
+            </a:r>
+            <a:r>
+              <a:rPr lang="en-US" sz="1400" spc="-60" dirty="0">
+                <a:solidFill>
+                  <a:srgbClr val="383838"/>
+                </a:solidFill>
+                <a:latin typeface="Courier New" panose="02070309020205020404" pitchFamily="49" charset="0"/>
+                <a:cs typeface="Courier New" panose="02070309020205020404" pitchFamily="49" charset="0"/>
+              </a:rPr>
+              <a:t> stop</a:t>
+            </a:r>
+          </a:p>
+          <a:p>
+            <a:pPr marL="298449" marR="5079" indent="-285750">
+              <a:lnSpc>
+                <a:spcPct val="100000"/>
+              </a:lnSpc>
+              <a:spcBef>
+                <a:spcPts val="0"/>
+              </a:spcBef>
+              <a:spcAft>
+                <a:spcPts val="1200"/>
+              </a:spcAft>
+              <a:buFont typeface="Arial" panose="020B0604020202020204" pitchFamily="34" charset="0"/>
+              <a:buChar char="•"/>
+            </a:pPr>
+            <a:r>
+              <a:rPr lang="en-US" sz="1800" b="1" spc="-60" dirty="0">
+                <a:solidFill>
+                  <a:srgbClr val="383838"/>
+                </a:solidFill>
+                <a:latin typeface="Avenir Book" panose="02000503020000020003" pitchFamily="2" charset="0"/>
+                <a:cs typeface="Courier New" panose="02070309020205020404" pitchFamily="49" charset="0"/>
+              </a:rPr>
+              <a:t>Move the Graphite database to the new volume</a:t>
+            </a:r>
+          </a:p>
+          <a:p>
+            <a:pPr marL="755649" marR="5079" lvl="1" indent="-285750">
+              <a:lnSpc>
+                <a:spcPct val="100000"/>
+              </a:lnSpc>
+              <a:spcBef>
+                <a:spcPts val="0"/>
+              </a:spcBef>
+              <a:spcAft>
+                <a:spcPts val="1200"/>
+              </a:spcAft>
+              <a:buFont typeface="Arial" panose="020B0604020202020204" pitchFamily="34" charset="0"/>
+              <a:buChar char="•"/>
+            </a:pPr>
+            <a:r>
+              <a:rPr lang="en-US" sz="1400" spc="-60" dirty="0" err="1">
+                <a:solidFill>
+                  <a:srgbClr val="383838"/>
+                </a:solidFill>
+                <a:latin typeface="Courier New" panose="02070309020205020404" pitchFamily="49" charset="0"/>
+                <a:cs typeface="Courier New" panose="02070309020205020404" pitchFamily="49" charset="0"/>
+              </a:rPr>
+              <a:t>sudo</a:t>
+            </a:r>
+            <a:r>
+              <a:rPr lang="en-US" sz="1400" spc="-60" dirty="0">
+                <a:solidFill>
+                  <a:srgbClr val="383838"/>
+                </a:solidFill>
+                <a:latin typeface="Courier New" panose="02070309020205020404" pitchFamily="49" charset="0"/>
+                <a:cs typeface="Courier New" panose="02070309020205020404" pitchFamily="49" charset="0"/>
+              </a:rPr>
+              <a:t> mv /</a:t>
+            </a:r>
+            <a:r>
+              <a:rPr lang="en-US" sz="1400" spc="-60" dirty="0" err="1">
+                <a:solidFill>
+                  <a:srgbClr val="383838"/>
+                </a:solidFill>
+                <a:latin typeface="Courier New" panose="02070309020205020404" pitchFamily="49" charset="0"/>
+                <a:cs typeface="Courier New" panose="02070309020205020404" pitchFamily="49" charset="0"/>
+              </a:rPr>
+              <a:t>usr</a:t>
+            </a:r>
+            <a:r>
+              <a:rPr lang="en-US" sz="1400" spc="-60" dirty="0">
+                <a:solidFill>
+                  <a:srgbClr val="383838"/>
+                </a:solidFill>
+                <a:latin typeface="Courier New" panose="02070309020205020404" pitchFamily="49" charset="0"/>
+                <a:cs typeface="Courier New" panose="02070309020205020404" pitchFamily="49" charset="0"/>
+              </a:rPr>
+              <a:t>/local/graphite/graphite-conf /</a:t>
+            </a:r>
+            <a:r>
+              <a:rPr lang="en-US" sz="1400" spc="-60" dirty="0" err="1">
+                <a:solidFill>
+                  <a:srgbClr val="383838"/>
+                </a:solidFill>
+                <a:latin typeface="Courier New" panose="02070309020205020404" pitchFamily="49" charset="0"/>
+                <a:cs typeface="Courier New" panose="02070309020205020404" pitchFamily="49" charset="0"/>
+              </a:rPr>
+              <a:t>mnt</a:t>
+            </a:r>
+            <a:r>
+              <a:rPr lang="en-US" sz="1400" spc="-60" dirty="0">
+                <a:solidFill>
+                  <a:srgbClr val="383838"/>
+                </a:solidFill>
+                <a:latin typeface="Courier New" panose="02070309020205020404" pitchFamily="49" charset="0"/>
+                <a:cs typeface="Courier New" panose="02070309020205020404" pitchFamily="49" charset="0"/>
+              </a:rPr>
+              <a:t>/data</a:t>
+            </a:r>
+          </a:p>
+          <a:p>
+            <a:pPr marL="755649" marR="5079" lvl="1" indent="-285750">
+              <a:lnSpc>
+                <a:spcPct val="100000"/>
+              </a:lnSpc>
+              <a:spcBef>
+                <a:spcPts val="0"/>
+              </a:spcBef>
+              <a:spcAft>
+                <a:spcPts val="1200"/>
+              </a:spcAft>
+              <a:buFont typeface="Arial" panose="020B0604020202020204" pitchFamily="34" charset="0"/>
+              <a:buChar char="•"/>
+            </a:pPr>
+            <a:r>
+              <a:rPr lang="en-US" sz="1400" spc="-60" dirty="0" err="1">
+                <a:solidFill>
+                  <a:srgbClr val="383838"/>
+                </a:solidFill>
+                <a:latin typeface="Courier New" panose="02070309020205020404" pitchFamily="49" charset="0"/>
+                <a:cs typeface="Courier New" panose="02070309020205020404" pitchFamily="49" charset="0"/>
+              </a:rPr>
+              <a:t>sudo</a:t>
+            </a:r>
+            <a:r>
+              <a:rPr lang="en-US" sz="1400" spc="-60" dirty="0">
+                <a:solidFill>
+                  <a:srgbClr val="383838"/>
+                </a:solidFill>
+                <a:latin typeface="Courier New" panose="02070309020205020404" pitchFamily="49" charset="0"/>
+                <a:cs typeface="Courier New" panose="02070309020205020404" pitchFamily="49" charset="0"/>
+              </a:rPr>
+              <a:t> mv /</a:t>
+            </a:r>
+            <a:r>
+              <a:rPr lang="en-US" sz="1400" spc="-60" dirty="0" err="1">
+                <a:solidFill>
+                  <a:srgbClr val="383838"/>
+                </a:solidFill>
+                <a:latin typeface="Courier New" panose="02070309020205020404" pitchFamily="49" charset="0"/>
+                <a:cs typeface="Courier New" panose="02070309020205020404" pitchFamily="49" charset="0"/>
+              </a:rPr>
+              <a:t>usr</a:t>
+            </a:r>
+            <a:r>
+              <a:rPr lang="en-US" sz="1400" spc="-60" dirty="0">
+                <a:solidFill>
+                  <a:srgbClr val="383838"/>
+                </a:solidFill>
+                <a:latin typeface="Courier New" panose="02070309020205020404" pitchFamily="49" charset="0"/>
+                <a:cs typeface="Courier New" panose="02070309020205020404" pitchFamily="49" charset="0"/>
+              </a:rPr>
+              <a:t>/local/graphite/graphite-storage /</a:t>
+            </a:r>
+            <a:r>
+              <a:rPr lang="en-US" sz="1400" spc="-60" dirty="0" err="1">
+                <a:solidFill>
+                  <a:srgbClr val="383838"/>
+                </a:solidFill>
+                <a:latin typeface="Courier New" panose="02070309020205020404" pitchFamily="49" charset="0"/>
+                <a:cs typeface="Courier New" panose="02070309020205020404" pitchFamily="49" charset="0"/>
+              </a:rPr>
+              <a:t>mnt</a:t>
+            </a:r>
+            <a:r>
+              <a:rPr lang="en-US" sz="1400" spc="-60" dirty="0">
+                <a:solidFill>
+                  <a:srgbClr val="383838"/>
+                </a:solidFill>
+                <a:latin typeface="Courier New" panose="02070309020205020404" pitchFamily="49" charset="0"/>
+                <a:cs typeface="Courier New" panose="02070309020205020404" pitchFamily="49" charset="0"/>
+              </a:rPr>
+              <a:t>/data</a:t>
+            </a:r>
+          </a:p>
+          <a:p>
+            <a:pPr marL="755649" marR="5079" lvl="1" indent="-285750">
+              <a:lnSpc>
+                <a:spcPct val="100000"/>
+              </a:lnSpc>
+              <a:spcBef>
+                <a:spcPts val="0"/>
+              </a:spcBef>
+              <a:spcAft>
+                <a:spcPts val="1200"/>
+              </a:spcAft>
+              <a:buFont typeface="Arial" panose="020B0604020202020204" pitchFamily="34" charset="0"/>
+              <a:buChar char="•"/>
+            </a:pPr>
+            <a:r>
+              <a:rPr lang="en-US" sz="1400" spc="-60" dirty="0" err="1">
+                <a:solidFill>
+                  <a:srgbClr val="383838"/>
+                </a:solidFill>
+                <a:latin typeface="Courier New" panose="02070309020205020404" pitchFamily="49" charset="0"/>
+                <a:cs typeface="Courier New" panose="02070309020205020404" pitchFamily="49" charset="0"/>
+              </a:rPr>
+              <a:t>sudo</a:t>
+            </a:r>
+            <a:r>
+              <a:rPr lang="en-US" sz="1400" spc="-60" dirty="0">
+                <a:solidFill>
+                  <a:srgbClr val="383838"/>
+                </a:solidFill>
+                <a:latin typeface="Courier New" panose="02070309020205020404" pitchFamily="49" charset="0"/>
+                <a:cs typeface="Courier New" panose="02070309020205020404" pitchFamily="49" charset="0"/>
+              </a:rPr>
+              <a:t> mv /</a:t>
+            </a:r>
+            <a:r>
+              <a:rPr lang="en-US" sz="1400" spc="-60" dirty="0" err="1">
+                <a:solidFill>
+                  <a:srgbClr val="383838"/>
+                </a:solidFill>
+                <a:latin typeface="Courier New" panose="02070309020205020404" pitchFamily="49" charset="0"/>
+                <a:cs typeface="Courier New" panose="02070309020205020404" pitchFamily="49" charset="0"/>
+              </a:rPr>
+              <a:t>usr</a:t>
+            </a:r>
+            <a:r>
+              <a:rPr lang="en-US" sz="1400" spc="-60" dirty="0">
+                <a:solidFill>
+                  <a:srgbClr val="383838"/>
+                </a:solidFill>
+                <a:latin typeface="Courier New" panose="02070309020205020404" pitchFamily="49" charset="0"/>
+                <a:cs typeface="Courier New" panose="02070309020205020404" pitchFamily="49" charset="0"/>
+              </a:rPr>
+              <a:t>/local/graphite/graphite-log /</a:t>
+            </a:r>
+            <a:r>
+              <a:rPr lang="en-US" sz="1400" spc="-60" dirty="0" err="1">
+                <a:solidFill>
+                  <a:srgbClr val="383838"/>
+                </a:solidFill>
+                <a:latin typeface="Courier New" panose="02070309020205020404" pitchFamily="49" charset="0"/>
+                <a:cs typeface="Courier New" panose="02070309020205020404" pitchFamily="49" charset="0"/>
+              </a:rPr>
+              <a:t>mnt</a:t>
+            </a:r>
+            <a:r>
+              <a:rPr lang="en-US" sz="1400" spc="-60" dirty="0">
+                <a:solidFill>
+                  <a:srgbClr val="383838"/>
+                </a:solidFill>
+                <a:latin typeface="Courier New" panose="02070309020205020404" pitchFamily="49" charset="0"/>
+                <a:cs typeface="Courier New" panose="02070309020205020404" pitchFamily="49" charset="0"/>
+              </a:rPr>
+              <a:t>/data</a:t>
+            </a:r>
+            <a:endParaRPr lang="en-US" sz="1800" spc="-60" dirty="0">
+              <a:solidFill>
+                <a:srgbClr val="383838"/>
+              </a:solidFill>
+              <a:latin typeface="Courier New" panose="02070309020205020404" pitchFamily="49" charset="0"/>
+              <a:cs typeface="Courier New" panose="02070309020205020404" pitchFamily="49" charset="0"/>
+            </a:endParaRPr>
+          </a:p>
+          <a:p>
+            <a:pPr marL="755649" marR="5079" lvl="1" indent="-285750">
+              <a:lnSpc>
+                <a:spcPct val="100000"/>
+              </a:lnSpc>
+              <a:spcBef>
+                <a:spcPts val="0"/>
+              </a:spcBef>
+              <a:spcAft>
+                <a:spcPts val="1200"/>
+              </a:spcAft>
+              <a:buFont typeface="Arial" panose="020B0604020202020204" pitchFamily="34" charset="0"/>
+              <a:buChar char="•"/>
+            </a:pPr>
+            <a:endParaRPr lang="en-US" sz="1800" spc="-60" dirty="0">
+              <a:solidFill>
+                <a:srgbClr val="383838"/>
+              </a:solidFill>
+              <a:latin typeface="Courier New" panose="02070309020205020404" pitchFamily="49" charset="0"/>
+              <a:cs typeface="Courier New" panose="02070309020205020404" pitchFamily="49" charset="0"/>
+            </a:endParaRPr>
+          </a:p>
+        </p:txBody>
+      </p:sp>
+    </p:spTree>
+    <p:extLst>
+      <p:ext uri="{BB962C8B-B14F-4D97-AF65-F5344CB8AC3E}">
+        <p14:creationId xmlns:p14="http://schemas.microsoft.com/office/powerpoint/2010/main" val="2384774961"/>
+      </p:ext>
+    </p:extLst>
+  </p:cSld>
+  <p:clrMapOvr>
+    <a:masterClrMapping/>
+  </p:clrMapOvr>
+</p:sld>
+</file>
+
+<file path=ppt/slides/slide24.xml><?xml version="1.0" encoding="utf-8"?>
+<p:sld xmlns:a="http://schemas.openxmlformats.org/drawingml/2006/main" xmlns:r="http://schemas.openxmlformats.org/officeDocument/2006/relationships" xmlns:p="http://schemas.openxmlformats.org/presentationml/2006/main">
+  <p:cSld>
+    <p:spTree>
+      <p:nvGrpSpPr>
+        <p:cNvPr id="1" name="Shape 196"/>
+        <p:cNvGrpSpPr/>
+        <p:nvPr/>
+      </p:nvGrpSpPr>
+      <p:grpSpPr>
+        <a:xfrm>
+          <a:off x="0" y="0"/>
+          <a:ext cx="0" cy="0"/>
+          <a:chOff x="0" y="0"/>
+          <a:chExt cx="0" cy="0"/>
+        </a:xfrm>
+      </p:grpSpPr>
+      <p:sp>
+        <p:nvSpPr>
+          <p:cNvPr id="197" name="Google Shape;197;p10"/>
+          <p:cNvSpPr txBox="1">
+            <a:spLocks noGrp="1"/>
+          </p:cNvSpPr>
+          <p:nvPr>
+            <p:ph type="title"/>
+          </p:nvPr>
+        </p:nvSpPr>
+        <p:spPr>
+          <a:xfrm>
+            <a:off x="540000" y="540001"/>
+            <a:ext cx="9230301" cy="588712"/>
+          </a:xfrm>
+          <a:prstGeom prst="rect">
+            <a:avLst/>
+          </a:prstGeom>
+          <a:noFill/>
+          <a:ln>
+            <a:noFill/>
+          </a:ln>
+        </p:spPr>
+        <p:txBody>
+          <a:bodyPr spcFirstLastPara="1" wrap="square" lIns="0" tIns="0" rIns="0" bIns="0" anchor="t" anchorCtr="0">
+            <a:noAutofit/>
+          </a:bodyPr>
+          <a:lstStyle/>
+          <a:p>
+            <a:pPr marL="0" lvl="0" indent="0" algn="l" rtl="0">
+              <a:lnSpc>
+                <a:spcPct val="90000"/>
+              </a:lnSpc>
+              <a:spcBef>
+                <a:spcPts val="0"/>
+              </a:spcBef>
+              <a:spcAft>
+                <a:spcPts val="0"/>
+              </a:spcAft>
+              <a:buClr>
+                <a:srgbClr val="0099CC"/>
+              </a:buClr>
+              <a:buSzPts val="3600"/>
+              <a:buFont typeface="Arial"/>
+              <a:buNone/>
+            </a:pPr>
+            <a:r>
+              <a:rPr lang="en-US" b="0" dirty="0">
+                <a:latin typeface="Avenir Medium" panose="02000503020000020003" pitchFamily="2" charset="0"/>
+              </a:rPr>
+              <a:t>Implementing an External Storage Volume</a:t>
+            </a:r>
+            <a:endParaRPr b="0" dirty="0">
+              <a:latin typeface="Avenir Medium" panose="02000503020000020003" pitchFamily="2" charset="0"/>
+            </a:endParaRPr>
+          </a:p>
+        </p:txBody>
+      </p:sp>
+      <p:sp>
+        <p:nvSpPr>
+          <p:cNvPr id="14" name="Google Shape;198;p10">
+            <a:extLst>
+              <a:ext uri="{FF2B5EF4-FFF2-40B4-BE49-F238E27FC236}">
+                <a16:creationId xmlns:a16="http://schemas.microsoft.com/office/drawing/2014/main" id="{ADF47C86-3730-8F43-AF64-4FD21181E7A8}"/>
+              </a:ext>
+            </a:extLst>
+          </p:cNvPr>
+          <p:cNvSpPr txBox="1">
+            <a:spLocks noGrp="1"/>
+          </p:cNvSpPr>
+          <p:nvPr>
+            <p:ph type="body" idx="1"/>
+          </p:nvPr>
+        </p:nvSpPr>
+        <p:spPr>
+          <a:xfrm>
+            <a:off x="540000" y="1128713"/>
+            <a:ext cx="11310624" cy="5345239"/>
+          </a:xfrm>
+          <a:prstGeom prst="rect">
+            <a:avLst/>
+          </a:prstGeom>
+          <a:noFill/>
+          <a:ln>
+            <a:noFill/>
+          </a:ln>
+        </p:spPr>
+        <p:txBody>
+          <a:bodyPr spcFirstLastPara="1" wrap="square" lIns="0" tIns="0" rIns="0" bIns="0" anchor="t" anchorCtr="0">
+            <a:noAutofit/>
+          </a:bodyPr>
+          <a:lstStyle/>
+          <a:p>
+            <a:pPr marL="298449" marR="5079" indent="-285750">
+              <a:lnSpc>
+                <a:spcPct val="100000"/>
+              </a:lnSpc>
+              <a:spcBef>
+                <a:spcPts val="0"/>
+              </a:spcBef>
+              <a:spcAft>
+                <a:spcPts val="1200"/>
+              </a:spcAft>
+              <a:buFont typeface="Arial" panose="020B0604020202020204" pitchFamily="34" charset="0"/>
+              <a:buChar char="•"/>
+            </a:pPr>
+            <a:r>
+              <a:rPr lang="en-US" sz="1800" b="1" spc="-60" dirty="0">
+                <a:solidFill>
+                  <a:srgbClr val="383838"/>
+                </a:solidFill>
+                <a:latin typeface="Avenir Book" panose="02000503020000020003" pitchFamily="2" charset="0"/>
+                <a:cs typeface="Courier New" panose="02070309020205020404" pitchFamily="49" charset="0"/>
+              </a:rPr>
+              <a:t>Edit </a:t>
+            </a:r>
+            <a:r>
+              <a:rPr lang="en-US" sz="1800" spc="-60" dirty="0">
+                <a:solidFill>
+                  <a:srgbClr val="383838"/>
+                </a:solidFill>
+                <a:latin typeface="Courier New" panose="02070309020205020404" pitchFamily="49" charset="0"/>
+                <a:cs typeface="Courier New" panose="02070309020205020404" pitchFamily="49" charset="0"/>
+              </a:rPr>
+              <a:t>/</a:t>
+            </a:r>
+            <a:r>
+              <a:rPr lang="en-US" sz="1800" spc="-60" dirty="0" err="1">
+                <a:solidFill>
+                  <a:srgbClr val="383838"/>
+                </a:solidFill>
+                <a:latin typeface="Courier New" panose="02070309020205020404" pitchFamily="49" charset="0"/>
+                <a:cs typeface="Courier New" panose="02070309020205020404" pitchFamily="49" charset="0"/>
+              </a:rPr>
+              <a:t>usr</a:t>
+            </a:r>
+            <a:r>
+              <a:rPr lang="en-US" sz="1800" spc="-60" dirty="0">
+                <a:solidFill>
+                  <a:srgbClr val="383838"/>
+                </a:solidFill>
+                <a:latin typeface="Courier New" panose="02070309020205020404" pitchFamily="49" charset="0"/>
+                <a:cs typeface="Courier New" panose="02070309020205020404" pitchFamily="49" charset="0"/>
+              </a:rPr>
+              <a:t>/local/graphite/</a:t>
+            </a:r>
+            <a:r>
+              <a:rPr lang="en-US" sz="1800" spc="-60" dirty="0" err="1">
+                <a:solidFill>
+                  <a:srgbClr val="383838"/>
+                </a:solidFill>
+                <a:latin typeface="Courier New" panose="02070309020205020404" pitchFamily="49" charset="0"/>
+                <a:cs typeface="Courier New" panose="02070309020205020404" pitchFamily="49" charset="0"/>
+              </a:rPr>
+              <a:t>graphite.sh</a:t>
+            </a:r>
+            <a:r>
+              <a:rPr lang="en-US" sz="1800" spc="-60" dirty="0">
+                <a:solidFill>
+                  <a:srgbClr val="383838"/>
+                </a:solidFill>
+                <a:latin typeface="Courier New" panose="02070309020205020404" pitchFamily="49" charset="0"/>
+                <a:cs typeface="Courier New" panose="02070309020205020404" pitchFamily="49" charset="0"/>
+              </a:rPr>
+              <a:t> </a:t>
+            </a:r>
+            <a:r>
+              <a:rPr lang="en-US" sz="1800" b="1" spc="-60" dirty="0">
+                <a:solidFill>
+                  <a:srgbClr val="383838"/>
+                </a:solidFill>
+                <a:latin typeface="Avenir Book" panose="02000503020000020003" pitchFamily="2" charset="0"/>
+                <a:cs typeface="Courier New" panose="02070309020205020404" pitchFamily="49" charset="0"/>
+              </a:rPr>
+              <a:t>and change the highlighted text to </a:t>
+            </a:r>
+            <a:r>
+              <a:rPr lang="en-US" sz="1800" spc="-60" dirty="0">
+                <a:solidFill>
+                  <a:srgbClr val="383838"/>
+                </a:solidFill>
+                <a:latin typeface="Courier New" panose="02070309020205020404" pitchFamily="49" charset="0"/>
+                <a:cs typeface="Courier New" panose="02070309020205020404" pitchFamily="49" charset="0"/>
+              </a:rPr>
+              <a:t>/</a:t>
+            </a:r>
+            <a:r>
+              <a:rPr lang="en-US" sz="1800" spc="-60" dirty="0" err="1">
+                <a:solidFill>
+                  <a:srgbClr val="383838"/>
+                </a:solidFill>
+                <a:latin typeface="Courier New" panose="02070309020205020404" pitchFamily="49" charset="0"/>
+                <a:cs typeface="Courier New" panose="02070309020205020404" pitchFamily="49" charset="0"/>
+              </a:rPr>
+              <a:t>mnt</a:t>
+            </a:r>
+            <a:r>
+              <a:rPr lang="en-US" sz="1800" spc="-60" dirty="0">
+                <a:solidFill>
+                  <a:srgbClr val="383838"/>
+                </a:solidFill>
+                <a:latin typeface="Courier New" panose="02070309020205020404" pitchFamily="49" charset="0"/>
+                <a:cs typeface="Courier New" panose="02070309020205020404" pitchFamily="49" charset="0"/>
+              </a:rPr>
+              <a:t>/data</a:t>
+            </a:r>
+          </a:p>
+          <a:p>
+            <a:pPr marL="755649" marR="5079" lvl="1" indent="-285750">
+              <a:lnSpc>
+                <a:spcPct val="100000"/>
+              </a:lnSpc>
+              <a:spcBef>
+                <a:spcPts val="0"/>
+              </a:spcBef>
+              <a:spcAft>
+                <a:spcPts val="1200"/>
+              </a:spcAft>
+              <a:buFont typeface="Arial" panose="020B0604020202020204" pitchFamily="34" charset="0"/>
+              <a:buChar char="•"/>
+            </a:pPr>
+            <a:r>
+              <a:rPr lang="en-US" sz="1400" spc="-60" dirty="0">
+                <a:solidFill>
+                  <a:srgbClr val="383838"/>
+                </a:solidFill>
+                <a:latin typeface="Courier New" panose="02070309020205020404" pitchFamily="49" charset="0"/>
+                <a:cs typeface="Courier New" panose="02070309020205020404" pitchFamily="49" charset="0"/>
+              </a:rPr>
+              <a:t> -v </a:t>
+            </a:r>
+            <a:r>
+              <a:rPr lang="en-US" sz="1400" spc="-60" dirty="0">
+                <a:solidFill>
+                  <a:srgbClr val="383838"/>
+                </a:solidFill>
+                <a:highlight>
+                  <a:srgbClr val="FFFF00"/>
+                </a:highlight>
+                <a:latin typeface="Courier New" panose="02070309020205020404" pitchFamily="49" charset="0"/>
+                <a:cs typeface="Courier New" panose="02070309020205020404" pitchFamily="49" charset="0"/>
+              </a:rPr>
+              <a:t>/</a:t>
+            </a:r>
+            <a:r>
+              <a:rPr lang="en-US" sz="1400" spc="-60" dirty="0" err="1">
+                <a:solidFill>
+                  <a:srgbClr val="383838"/>
+                </a:solidFill>
+                <a:highlight>
+                  <a:srgbClr val="FFFF00"/>
+                </a:highlight>
+                <a:latin typeface="Courier New" panose="02070309020205020404" pitchFamily="49" charset="0"/>
+                <a:cs typeface="Courier New" panose="02070309020205020404" pitchFamily="49" charset="0"/>
+              </a:rPr>
+              <a:t>usr</a:t>
+            </a:r>
+            <a:r>
+              <a:rPr lang="en-US" sz="1400" spc="-60" dirty="0">
+                <a:solidFill>
+                  <a:srgbClr val="383838"/>
+                </a:solidFill>
+                <a:highlight>
+                  <a:srgbClr val="FFFF00"/>
+                </a:highlight>
+                <a:latin typeface="Courier New" panose="02070309020205020404" pitchFamily="49" charset="0"/>
+                <a:cs typeface="Courier New" panose="02070309020205020404" pitchFamily="49" charset="0"/>
+              </a:rPr>
+              <a:t>/local/graphite</a:t>
+            </a:r>
+            <a:r>
+              <a:rPr lang="en-US" sz="1400" spc="-60" dirty="0">
+                <a:solidFill>
+                  <a:srgbClr val="383838"/>
+                </a:solidFill>
+                <a:latin typeface="Courier New" panose="02070309020205020404" pitchFamily="49" charset="0"/>
+                <a:cs typeface="Courier New" panose="02070309020205020404" pitchFamily="49" charset="0"/>
+              </a:rPr>
+              <a:t>/graphite-conf:/opt/graphite/conf \</a:t>
+            </a:r>
+          </a:p>
+          <a:p>
+            <a:pPr marL="755649" marR="5079" lvl="1" indent="-285750">
+              <a:lnSpc>
+                <a:spcPct val="100000"/>
+              </a:lnSpc>
+              <a:spcBef>
+                <a:spcPts val="0"/>
+              </a:spcBef>
+              <a:spcAft>
+                <a:spcPts val="1200"/>
+              </a:spcAft>
+              <a:buFont typeface="Arial" panose="020B0604020202020204" pitchFamily="34" charset="0"/>
+              <a:buChar char="•"/>
+            </a:pPr>
+            <a:r>
+              <a:rPr lang="en-US" sz="1400" spc="-60" dirty="0">
+                <a:solidFill>
+                  <a:srgbClr val="383838"/>
+                </a:solidFill>
+                <a:latin typeface="Courier New" panose="02070309020205020404" pitchFamily="49" charset="0"/>
+                <a:cs typeface="Courier New" panose="02070309020205020404" pitchFamily="49" charset="0"/>
+              </a:rPr>
+              <a:t> -v </a:t>
+            </a:r>
+            <a:r>
+              <a:rPr lang="en-US" sz="1400" spc="-60" dirty="0">
+                <a:solidFill>
+                  <a:srgbClr val="383838"/>
+                </a:solidFill>
+                <a:highlight>
+                  <a:srgbClr val="FFFF00"/>
+                </a:highlight>
+                <a:latin typeface="Courier New" panose="02070309020205020404" pitchFamily="49" charset="0"/>
+                <a:cs typeface="Courier New" panose="02070309020205020404" pitchFamily="49" charset="0"/>
+              </a:rPr>
+              <a:t>/</a:t>
+            </a:r>
+            <a:r>
+              <a:rPr lang="en-US" sz="1400" spc="-60" dirty="0" err="1">
+                <a:solidFill>
+                  <a:srgbClr val="383838"/>
+                </a:solidFill>
+                <a:highlight>
+                  <a:srgbClr val="FFFF00"/>
+                </a:highlight>
+                <a:latin typeface="Courier New" panose="02070309020205020404" pitchFamily="49" charset="0"/>
+                <a:cs typeface="Courier New" panose="02070309020205020404" pitchFamily="49" charset="0"/>
+              </a:rPr>
+              <a:t>usr</a:t>
+            </a:r>
+            <a:r>
+              <a:rPr lang="en-US" sz="1400" spc="-60" dirty="0">
+                <a:solidFill>
+                  <a:srgbClr val="383838"/>
+                </a:solidFill>
+                <a:highlight>
+                  <a:srgbClr val="FFFF00"/>
+                </a:highlight>
+                <a:latin typeface="Courier New" panose="02070309020205020404" pitchFamily="49" charset="0"/>
+                <a:cs typeface="Courier New" panose="02070309020205020404" pitchFamily="49" charset="0"/>
+              </a:rPr>
+              <a:t>/local/graphite</a:t>
+            </a:r>
+            <a:r>
+              <a:rPr lang="en-US" sz="1400" spc="-60" dirty="0">
+                <a:solidFill>
+                  <a:srgbClr val="383838"/>
+                </a:solidFill>
+                <a:latin typeface="Courier New" panose="02070309020205020404" pitchFamily="49" charset="0"/>
+                <a:cs typeface="Courier New" panose="02070309020205020404" pitchFamily="49" charset="0"/>
+              </a:rPr>
+              <a:t>/graphite-storage:/opt/graphite/storage \</a:t>
+            </a:r>
+          </a:p>
+          <a:p>
+            <a:pPr marL="755649" marR="5079" lvl="1" indent="-285750">
+              <a:lnSpc>
+                <a:spcPct val="100000"/>
+              </a:lnSpc>
+              <a:spcBef>
+                <a:spcPts val="0"/>
+              </a:spcBef>
+              <a:spcAft>
+                <a:spcPts val="1200"/>
+              </a:spcAft>
+              <a:buFont typeface="Arial" panose="020B0604020202020204" pitchFamily="34" charset="0"/>
+              <a:buChar char="•"/>
+            </a:pPr>
+            <a:r>
+              <a:rPr lang="en-US" sz="1400" spc="-60" dirty="0">
+                <a:solidFill>
+                  <a:srgbClr val="383838"/>
+                </a:solidFill>
+                <a:latin typeface="Courier New" panose="02070309020205020404" pitchFamily="49" charset="0"/>
+                <a:cs typeface="Courier New" panose="02070309020205020404" pitchFamily="49" charset="0"/>
+              </a:rPr>
+              <a:t> -v </a:t>
+            </a:r>
+            <a:r>
+              <a:rPr lang="en-US" sz="1400" spc="-60" dirty="0">
+                <a:solidFill>
+                  <a:srgbClr val="383838"/>
+                </a:solidFill>
+                <a:highlight>
+                  <a:srgbClr val="FFFF00"/>
+                </a:highlight>
+                <a:latin typeface="Courier New" panose="02070309020205020404" pitchFamily="49" charset="0"/>
+                <a:cs typeface="Courier New" panose="02070309020205020404" pitchFamily="49" charset="0"/>
+              </a:rPr>
+              <a:t>/</a:t>
+            </a:r>
+            <a:r>
+              <a:rPr lang="en-US" sz="1400" spc="-60" dirty="0" err="1">
+                <a:solidFill>
+                  <a:srgbClr val="383838"/>
+                </a:solidFill>
+                <a:highlight>
+                  <a:srgbClr val="FFFF00"/>
+                </a:highlight>
+                <a:latin typeface="Courier New" panose="02070309020205020404" pitchFamily="49" charset="0"/>
+                <a:cs typeface="Courier New" panose="02070309020205020404" pitchFamily="49" charset="0"/>
+              </a:rPr>
+              <a:t>usr</a:t>
+            </a:r>
+            <a:r>
+              <a:rPr lang="en-US" sz="1400" spc="-60" dirty="0">
+                <a:solidFill>
+                  <a:srgbClr val="383838"/>
+                </a:solidFill>
+                <a:highlight>
+                  <a:srgbClr val="FFFF00"/>
+                </a:highlight>
+                <a:latin typeface="Courier New" panose="02070309020205020404" pitchFamily="49" charset="0"/>
+                <a:cs typeface="Courier New" panose="02070309020205020404" pitchFamily="49" charset="0"/>
+              </a:rPr>
+              <a:t>/local/graphite</a:t>
+            </a:r>
+            <a:r>
+              <a:rPr lang="en-US" sz="1400" spc="-60" dirty="0">
+                <a:solidFill>
+                  <a:srgbClr val="383838"/>
+                </a:solidFill>
+                <a:latin typeface="Courier New" panose="02070309020205020404" pitchFamily="49" charset="0"/>
+                <a:cs typeface="Courier New" panose="02070309020205020404" pitchFamily="49" charset="0"/>
+              </a:rPr>
+              <a:t>/log:/var/log \</a:t>
+            </a:r>
+          </a:p>
+          <a:p>
+            <a:pPr marL="298449" marR="5079" indent="-285750">
+              <a:lnSpc>
+                <a:spcPct val="100000"/>
+              </a:lnSpc>
+              <a:spcBef>
+                <a:spcPts val="0"/>
+              </a:spcBef>
+              <a:spcAft>
+                <a:spcPts val="1200"/>
+              </a:spcAft>
+              <a:buFont typeface="Arial" panose="020B0604020202020204" pitchFamily="34" charset="0"/>
+              <a:buChar char="•"/>
+            </a:pPr>
+            <a:r>
+              <a:rPr lang="en-US" sz="1800" b="1" spc="-60" dirty="0">
+                <a:solidFill>
+                  <a:srgbClr val="383838"/>
+                </a:solidFill>
+                <a:latin typeface="Avenir Book" panose="02000503020000020003" pitchFamily="2" charset="0"/>
+                <a:cs typeface="Courier New" panose="02070309020205020404" pitchFamily="49" charset="0"/>
+              </a:rPr>
+              <a:t>Edit </a:t>
+            </a:r>
+            <a:r>
+              <a:rPr lang="en-US" sz="1800" spc="-60" dirty="0">
+                <a:solidFill>
+                  <a:srgbClr val="383838"/>
+                </a:solidFill>
+                <a:latin typeface="Courier New" panose="02070309020205020404" pitchFamily="49" charset="0"/>
+                <a:cs typeface="Courier New" panose="02070309020205020404" pitchFamily="49" charset="0"/>
+              </a:rPr>
+              <a:t>/</a:t>
+            </a:r>
+            <a:r>
+              <a:rPr lang="en-US" sz="1800" spc="-60" dirty="0" err="1">
+                <a:solidFill>
+                  <a:srgbClr val="383838"/>
+                </a:solidFill>
+                <a:latin typeface="Courier New" panose="02070309020205020404" pitchFamily="49" charset="0"/>
+                <a:cs typeface="Courier New" panose="02070309020205020404" pitchFamily="49" charset="0"/>
+              </a:rPr>
+              <a:t>usr</a:t>
+            </a:r>
+            <a:r>
+              <a:rPr lang="en-US" sz="1800" spc="-60" dirty="0">
+                <a:solidFill>
+                  <a:srgbClr val="383838"/>
+                </a:solidFill>
+                <a:latin typeface="Courier New" panose="02070309020205020404" pitchFamily="49" charset="0"/>
+                <a:cs typeface="Courier New" panose="02070309020205020404" pitchFamily="49" charset="0"/>
+              </a:rPr>
+              <a:t>/local/graphite/</a:t>
+            </a:r>
+            <a:r>
+              <a:rPr lang="en-US" sz="1800" spc="-60" dirty="0" err="1">
+                <a:solidFill>
+                  <a:srgbClr val="383838"/>
+                </a:solidFill>
+                <a:latin typeface="Courier New" panose="02070309020205020404" pitchFamily="49" charset="0"/>
+                <a:cs typeface="Courier New" panose="02070309020205020404" pitchFamily="49" charset="0"/>
+              </a:rPr>
+              <a:t>sqlite.sh</a:t>
+            </a:r>
+            <a:r>
+              <a:rPr lang="en-US" sz="1800" spc="-60" dirty="0">
+                <a:solidFill>
+                  <a:srgbClr val="383838"/>
+                </a:solidFill>
+                <a:latin typeface="Courier New" panose="02070309020205020404" pitchFamily="49" charset="0"/>
+                <a:cs typeface="Courier New" panose="02070309020205020404" pitchFamily="49" charset="0"/>
+              </a:rPr>
+              <a:t> </a:t>
+            </a:r>
+            <a:r>
+              <a:rPr lang="en-US" sz="1800" b="1" spc="-60" dirty="0">
+                <a:solidFill>
+                  <a:srgbClr val="383838"/>
+                </a:solidFill>
+                <a:latin typeface="Avenir Book" panose="02000503020000020003" pitchFamily="2" charset="0"/>
+                <a:cs typeface="Courier New" panose="02070309020205020404" pitchFamily="49" charset="0"/>
+              </a:rPr>
+              <a:t>and change the highlighted text to </a:t>
+            </a:r>
+            <a:r>
+              <a:rPr lang="en-US" sz="1800" spc="-60" dirty="0">
+                <a:solidFill>
+                  <a:srgbClr val="383838"/>
+                </a:solidFill>
+                <a:latin typeface="Courier New" panose="02070309020205020404" pitchFamily="49" charset="0"/>
+                <a:cs typeface="Courier New" panose="02070309020205020404" pitchFamily="49" charset="0"/>
+              </a:rPr>
+              <a:t>/</a:t>
+            </a:r>
+            <a:r>
+              <a:rPr lang="en-US" sz="1800" spc="-60" dirty="0" err="1">
+                <a:solidFill>
+                  <a:srgbClr val="383838"/>
+                </a:solidFill>
+                <a:latin typeface="Courier New" panose="02070309020205020404" pitchFamily="49" charset="0"/>
+                <a:cs typeface="Courier New" panose="02070309020205020404" pitchFamily="49" charset="0"/>
+              </a:rPr>
+              <a:t>mnt</a:t>
+            </a:r>
+            <a:r>
+              <a:rPr lang="en-US" sz="1800" spc="-60" dirty="0">
+                <a:solidFill>
+                  <a:srgbClr val="383838"/>
+                </a:solidFill>
+                <a:latin typeface="Courier New" panose="02070309020205020404" pitchFamily="49" charset="0"/>
+                <a:cs typeface="Courier New" panose="02070309020205020404" pitchFamily="49" charset="0"/>
+              </a:rPr>
+              <a:t>/data</a:t>
+            </a:r>
+          </a:p>
+          <a:p>
+            <a:pPr marL="755649" marR="5079" lvl="1" indent="-285750">
+              <a:lnSpc>
+                <a:spcPct val="100000"/>
+              </a:lnSpc>
+              <a:spcBef>
+                <a:spcPts val="0"/>
+              </a:spcBef>
+              <a:spcAft>
+                <a:spcPts val="1200"/>
+              </a:spcAft>
+              <a:buFont typeface="Arial" panose="020B0604020202020204" pitchFamily="34" charset="0"/>
+              <a:buChar char="•"/>
+            </a:pPr>
+            <a:r>
+              <a:rPr lang="en-US" sz="1400" spc="-60" dirty="0">
+                <a:solidFill>
+                  <a:srgbClr val="383838"/>
+                </a:solidFill>
+                <a:latin typeface="Courier New" panose="02070309020205020404" pitchFamily="49" charset="0"/>
+                <a:cs typeface="Courier New" panose="02070309020205020404" pitchFamily="49" charset="0"/>
+              </a:rPr>
+              <a:t>sqlite3 </a:t>
+            </a:r>
+            <a:r>
+              <a:rPr lang="en-US" sz="1400" spc="-60" dirty="0">
+                <a:solidFill>
+                  <a:srgbClr val="383838"/>
+                </a:solidFill>
+                <a:highlight>
+                  <a:srgbClr val="FFFF00"/>
+                </a:highlight>
+                <a:latin typeface="Courier New" panose="02070309020205020404" pitchFamily="49" charset="0"/>
+                <a:cs typeface="Courier New" panose="02070309020205020404" pitchFamily="49" charset="0"/>
+              </a:rPr>
+              <a:t>/</a:t>
+            </a:r>
+            <a:r>
+              <a:rPr lang="en-US" sz="1400" spc="-60" dirty="0" err="1">
+                <a:solidFill>
+                  <a:srgbClr val="383838"/>
+                </a:solidFill>
+                <a:highlight>
+                  <a:srgbClr val="FFFF00"/>
+                </a:highlight>
+                <a:latin typeface="Courier New" panose="02070309020205020404" pitchFamily="49" charset="0"/>
+                <a:cs typeface="Courier New" panose="02070309020205020404" pitchFamily="49" charset="0"/>
+              </a:rPr>
+              <a:t>usr</a:t>
+            </a:r>
+            <a:r>
+              <a:rPr lang="en-US" sz="1400" spc="-60" dirty="0">
+                <a:solidFill>
+                  <a:srgbClr val="383838"/>
+                </a:solidFill>
+                <a:highlight>
+                  <a:srgbClr val="FFFF00"/>
+                </a:highlight>
+                <a:latin typeface="Courier New" panose="02070309020205020404" pitchFamily="49" charset="0"/>
+                <a:cs typeface="Courier New" panose="02070309020205020404" pitchFamily="49" charset="0"/>
+              </a:rPr>
+              <a:t>/local/graphite</a:t>
+            </a:r>
+            <a:r>
+              <a:rPr lang="en-US" sz="1400" spc="-60" dirty="0">
+                <a:solidFill>
+                  <a:srgbClr val="383838"/>
+                </a:solidFill>
+                <a:latin typeface="Courier New" panose="02070309020205020404" pitchFamily="49" charset="0"/>
+                <a:cs typeface="Courier New" panose="02070309020205020404" pitchFamily="49" charset="0"/>
+              </a:rPr>
+              <a:t>/graphite-storage/</a:t>
+            </a:r>
+            <a:r>
+              <a:rPr lang="en-US" sz="1400" spc="-60" dirty="0" err="1">
+                <a:solidFill>
+                  <a:srgbClr val="383838"/>
+                </a:solidFill>
+                <a:latin typeface="Courier New" panose="02070309020205020404" pitchFamily="49" charset="0"/>
+                <a:cs typeface="Courier New" panose="02070309020205020404" pitchFamily="49" charset="0"/>
+              </a:rPr>
+              <a:t>graphite.db</a:t>
+            </a:r>
+            <a:r>
+              <a:rPr lang="en-US" sz="1400" spc="-60" dirty="0">
+                <a:solidFill>
+                  <a:srgbClr val="383838"/>
+                </a:solidFill>
+                <a:latin typeface="Courier New" panose="02070309020205020404" pitchFamily="49" charset="0"/>
+                <a:cs typeface="Courier New" panose="02070309020205020404" pitchFamily="49" charset="0"/>
+              </a:rPr>
+              <a:t> &lt; /</a:t>
+            </a:r>
+            <a:r>
+              <a:rPr lang="en-US" sz="1400" spc="-60" dirty="0" err="1">
+                <a:solidFill>
+                  <a:srgbClr val="383838"/>
+                </a:solidFill>
+                <a:latin typeface="Courier New" panose="02070309020205020404" pitchFamily="49" charset="0"/>
+                <a:cs typeface="Courier New" panose="02070309020205020404" pitchFamily="49" charset="0"/>
+              </a:rPr>
+              <a:t>usr</a:t>
+            </a:r>
+            <a:r>
+              <a:rPr lang="en-US" sz="1400" spc="-60" dirty="0">
+                <a:solidFill>
+                  <a:srgbClr val="383838"/>
+                </a:solidFill>
+                <a:latin typeface="Courier New" panose="02070309020205020404" pitchFamily="49" charset="0"/>
+                <a:cs typeface="Courier New" panose="02070309020205020404" pitchFamily="49" charset="0"/>
+              </a:rPr>
+              <a:t>/local/graphite/</a:t>
+            </a:r>
+            <a:r>
+              <a:rPr lang="en-US" sz="1400" spc="-60" dirty="0" err="1">
+                <a:solidFill>
+                  <a:srgbClr val="383838"/>
+                </a:solidFill>
+                <a:latin typeface="Courier New" panose="02070309020205020404" pitchFamily="49" charset="0"/>
+                <a:cs typeface="Courier New" panose="02070309020205020404" pitchFamily="49" charset="0"/>
+              </a:rPr>
+              <a:t>deleteoldevents.sql</a:t>
+            </a:r>
+            <a:r>
+              <a:rPr lang="en-US" sz="1400" spc="-60" dirty="0">
+                <a:solidFill>
+                  <a:srgbClr val="383838"/>
+                </a:solidFill>
+                <a:latin typeface="Courier New" panose="02070309020205020404" pitchFamily="49" charset="0"/>
+                <a:cs typeface="Courier New" panose="02070309020205020404" pitchFamily="49" charset="0"/>
+              </a:rPr>
+              <a:t> &amp;&amp; sqlite3 </a:t>
+            </a:r>
+            <a:r>
+              <a:rPr lang="en-US" sz="1400" spc="-60" dirty="0">
+                <a:solidFill>
+                  <a:srgbClr val="383838"/>
+                </a:solidFill>
+                <a:highlight>
+                  <a:srgbClr val="FFFF00"/>
+                </a:highlight>
+                <a:latin typeface="Courier New" panose="02070309020205020404" pitchFamily="49" charset="0"/>
+                <a:cs typeface="Courier New" panose="02070309020205020404" pitchFamily="49" charset="0"/>
+              </a:rPr>
+              <a:t>/</a:t>
+            </a:r>
+            <a:r>
+              <a:rPr lang="en-US" sz="1400" spc="-60" dirty="0" err="1">
+                <a:solidFill>
+                  <a:srgbClr val="383838"/>
+                </a:solidFill>
+                <a:highlight>
+                  <a:srgbClr val="FFFF00"/>
+                </a:highlight>
+                <a:latin typeface="Courier New" panose="02070309020205020404" pitchFamily="49" charset="0"/>
+                <a:cs typeface="Courier New" panose="02070309020205020404" pitchFamily="49" charset="0"/>
+              </a:rPr>
+              <a:t>usr</a:t>
+            </a:r>
+            <a:r>
+              <a:rPr lang="en-US" sz="1400" spc="-60" dirty="0">
+                <a:solidFill>
+                  <a:srgbClr val="383838"/>
+                </a:solidFill>
+                <a:highlight>
+                  <a:srgbClr val="FFFF00"/>
+                </a:highlight>
+                <a:latin typeface="Courier New" panose="02070309020205020404" pitchFamily="49" charset="0"/>
+                <a:cs typeface="Courier New" panose="02070309020205020404" pitchFamily="49" charset="0"/>
+              </a:rPr>
+              <a:t>/local/graphite</a:t>
+            </a:r>
+            <a:r>
+              <a:rPr lang="en-US" sz="1400" spc="-60" dirty="0">
+                <a:solidFill>
+                  <a:srgbClr val="383838"/>
+                </a:solidFill>
+                <a:latin typeface="Courier New" panose="02070309020205020404" pitchFamily="49" charset="0"/>
+                <a:cs typeface="Courier New" panose="02070309020205020404" pitchFamily="49" charset="0"/>
+              </a:rPr>
+              <a:t>/graphite-storage/</a:t>
+            </a:r>
+            <a:r>
+              <a:rPr lang="en-US" sz="1400" spc="-60" dirty="0" err="1">
+                <a:solidFill>
+                  <a:srgbClr val="383838"/>
+                </a:solidFill>
+                <a:latin typeface="Courier New" panose="02070309020205020404" pitchFamily="49" charset="0"/>
+                <a:cs typeface="Courier New" panose="02070309020205020404" pitchFamily="49" charset="0"/>
+              </a:rPr>
+              <a:t>graphite.db</a:t>
+            </a:r>
+            <a:r>
+              <a:rPr lang="en-US" sz="1400" spc="-60" dirty="0">
+                <a:solidFill>
+                  <a:srgbClr val="383838"/>
+                </a:solidFill>
+                <a:latin typeface="Courier New" panose="02070309020205020404" pitchFamily="49" charset="0"/>
+                <a:cs typeface="Courier New" panose="02070309020205020404" pitchFamily="49" charset="0"/>
+              </a:rPr>
+              <a:t> 'VACUUM;’</a:t>
+            </a:r>
+          </a:p>
+          <a:p>
+            <a:pPr marL="298449" marR="5079" indent="-285750">
+              <a:lnSpc>
+                <a:spcPct val="100000"/>
+              </a:lnSpc>
+              <a:spcBef>
+                <a:spcPts val="0"/>
+              </a:spcBef>
+              <a:spcAft>
+                <a:spcPts val="1200"/>
+              </a:spcAft>
+              <a:buFont typeface="Arial" panose="020B0604020202020204" pitchFamily="34" charset="0"/>
+              <a:buChar char="•"/>
+            </a:pPr>
+            <a:endParaRPr lang="en-US" sz="1800" spc="-60" dirty="0">
+              <a:solidFill>
+                <a:srgbClr val="383838"/>
+              </a:solidFill>
+              <a:latin typeface="Courier New" panose="02070309020205020404" pitchFamily="49" charset="0"/>
+              <a:cs typeface="Courier New" panose="02070309020205020404" pitchFamily="49" charset="0"/>
+            </a:endParaRPr>
+          </a:p>
+        </p:txBody>
+      </p:sp>
+    </p:spTree>
+    <p:extLst>
+      <p:ext uri="{BB962C8B-B14F-4D97-AF65-F5344CB8AC3E}">
+        <p14:creationId xmlns:p14="http://schemas.microsoft.com/office/powerpoint/2010/main" val="3673794798"/>
+      </p:ext>
+    </p:extLst>
+  </p:cSld>
+  <p:clrMapOvr>
+    <a:masterClrMapping/>
+  </p:clrMapOvr>
+</p:sld>
+</file>
+
+<file path=ppt/slides/slide25.xml><?xml version="1.0" encoding="utf-8"?>
+<p:sld xmlns:a="http://schemas.openxmlformats.org/drawingml/2006/main" xmlns:r="http://schemas.openxmlformats.org/officeDocument/2006/relationships" xmlns:p="http://schemas.openxmlformats.org/presentationml/2006/main">
+  <p:cSld>
+    <p:spTree>
+      <p:nvGrpSpPr>
+        <p:cNvPr id="1" name="Shape 196"/>
+        <p:cNvGrpSpPr/>
+        <p:nvPr/>
+      </p:nvGrpSpPr>
+      <p:grpSpPr>
+        <a:xfrm>
+          <a:off x="0" y="0"/>
+          <a:ext cx="0" cy="0"/>
+          <a:chOff x="0" y="0"/>
+          <a:chExt cx="0" cy="0"/>
+        </a:xfrm>
+      </p:grpSpPr>
+      <p:sp>
+        <p:nvSpPr>
+          <p:cNvPr id="197" name="Google Shape;197;p10"/>
+          <p:cNvSpPr txBox="1">
+            <a:spLocks noGrp="1"/>
+          </p:cNvSpPr>
+          <p:nvPr>
+            <p:ph type="title"/>
+          </p:nvPr>
+        </p:nvSpPr>
+        <p:spPr>
+          <a:xfrm>
+            <a:off x="540000" y="540001"/>
+            <a:ext cx="9230301" cy="588712"/>
+          </a:xfrm>
+          <a:prstGeom prst="rect">
+            <a:avLst/>
+          </a:prstGeom>
+          <a:noFill/>
+          <a:ln>
+            <a:noFill/>
+          </a:ln>
+        </p:spPr>
+        <p:txBody>
+          <a:bodyPr spcFirstLastPara="1" wrap="square" lIns="0" tIns="0" rIns="0" bIns="0" anchor="t" anchorCtr="0">
+            <a:noAutofit/>
+          </a:bodyPr>
+          <a:lstStyle/>
+          <a:p>
+            <a:pPr marL="0" lvl="0" indent="0" algn="l" rtl="0">
+              <a:lnSpc>
+                <a:spcPct val="90000"/>
+              </a:lnSpc>
+              <a:spcBef>
+                <a:spcPts val="0"/>
+              </a:spcBef>
+              <a:spcAft>
+                <a:spcPts val="0"/>
+              </a:spcAft>
+              <a:buClr>
+                <a:srgbClr val="0099CC"/>
+              </a:buClr>
+              <a:buSzPts val="3600"/>
+              <a:buFont typeface="Arial"/>
+              <a:buNone/>
+            </a:pPr>
+            <a:r>
+              <a:rPr lang="en-US" b="0" dirty="0">
+                <a:latin typeface="Avenir Medium" panose="02000503020000020003" pitchFamily="2" charset="0"/>
+              </a:rPr>
+              <a:t>Implementing an External Storage Volume</a:t>
+            </a:r>
+            <a:endParaRPr b="0" dirty="0">
+              <a:latin typeface="Avenir Medium" panose="02000503020000020003" pitchFamily="2" charset="0"/>
+            </a:endParaRPr>
+          </a:p>
+        </p:txBody>
+      </p:sp>
+      <p:sp>
+        <p:nvSpPr>
+          <p:cNvPr id="14" name="Google Shape;198;p10">
+            <a:extLst>
+              <a:ext uri="{FF2B5EF4-FFF2-40B4-BE49-F238E27FC236}">
+                <a16:creationId xmlns:a16="http://schemas.microsoft.com/office/drawing/2014/main" id="{ADF47C86-3730-8F43-AF64-4FD21181E7A8}"/>
+              </a:ext>
+            </a:extLst>
+          </p:cNvPr>
+          <p:cNvSpPr txBox="1">
+            <a:spLocks noGrp="1"/>
+          </p:cNvSpPr>
+          <p:nvPr>
+            <p:ph type="body" idx="1"/>
+          </p:nvPr>
+        </p:nvSpPr>
+        <p:spPr>
+          <a:xfrm>
+            <a:off x="540000" y="1128713"/>
+            <a:ext cx="11310624" cy="5345239"/>
+          </a:xfrm>
+          <a:prstGeom prst="rect">
+            <a:avLst/>
+          </a:prstGeom>
+          <a:noFill/>
+          <a:ln>
+            <a:noFill/>
+          </a:ln>
+        </p:spPr>
+        <p:txBody>
+          <a:bodyPr spcFirstLastPara="1" wrap="square" lIns="0" tIns="0" rIns="0" bIns="0" anchor="t" anchorCtr="0">
+            <a:noAutofit/>
+          </a:bodyPr>
+          <a:lstStyle/>
+          <a:p>
+            <a:pPr marL="298449" marR="5079" indent="-285750">
+              <a:lnSpc>
+                <a:spcPct val="100000"/>
+              </a:lnSpc>
+              <a:spcBef>
+                <a:spcPts val="0"/>
+              </a:spcBef>
+              <a:spcAft>
+                <a:spcPts val="1200"/>
+              </a:spcAft>
+              <a:buFont typeface="Arial" panose="020B0604020202020204" pitchFamily="34" charset="0"/>
+              <a:buChar char="•"/>
+            </a:pPr>
+            <a:r>
+              <a:rPr lang="en-US" sz="1800" b="1" spc="-60" dirty="0">
+                <a:solidFill>
+                  <a:srgbClr val="383838"/>
+                </a:solidFill>
+                <a:latin typeface="Avenir Book" panose="02000503020000020003" pitchFamily="2" charset="0"/>
+                <a:cs typeface="Courier New" panose="02070309020205020404" pitchFamily="49" charset="0"/>
+              </a:rPr>
+              <a:t>The following files must be modified on the Jump server</a:t>
+            </a:r>
+          </a:p>
+          <a:p>
+            <a:pPr marL="298449" marR="5079" indent="-285750">
+              <a:lnSpc>
+                <a:spcPct val="100000"/>
+              </a:lnSpc>
+              <a:spcBef>
+                <a:spcPts val="0"/>
+              </a:spcBef>
+              <a:spcAft>
+                <a:spcPts val="1200"/>
+              </a:spcAft>
+              <a:buFont typeface="Arial" panose="020B0604020202020204" pitchFamily="34" charset="0"/>
+              <a:buChar char="•"/>
+            </a:pPr>
+            <a:r>
+              <a:rPr lang="en-US" sz="1800" b="1" spc="-60" dirty="0">
+                <a:solidFill>
+                  <a:srgbClr val="383838"/>
+                </a:solidFill>
+                <a:latin typeface="Avenir Book" panose="02000503020000020003" pitchFamily="2" charset="0"/>
+                <a:cs typeface="Courier New" panose="02070309020205020404" pitchFamily="49" charset="0"/>
+              </a:rPr>
+              <a:t>Edit </a:t>
+            </a:r>
+            <a:r>
+              <a:rPr lang="en-US" sz="1800" spc="-60" dirty="0">
+                <a:solidFill>
+                  <a:srgbClr val="383838"/>
+                </a:solidFill>
+                <a:latin typeface="Courier New" panose="02070309020205020404" pitchFamily="49" charset="0"/>
+                <a:cs typeface="Courier New" panose="02070309020205020404" pitchFamily="49" charset="0"/>
+              </a:rPr>
+              <a:t>/</a:t>
+            </a:r>
+            <a:r>
+              <a:rPr lang="en-US" sz="1800" spc="-60" dirty="0" err="1">
+                <a:solidFill>
+                  <a:srgbClr val="383838"/>
+                </a:solidFill>
+                <a:latin typeface="Courier New" panose="02070309020205020404" pitchFamily="49" charset="0"/>
+                <a:cs typeface="Courier New" panose="02070309020205020404" pitchFamily="49" charset="0"/>
+              </a:rPr>
+              <a:t>usr</a:t>
+            </a:r>
+            <a:r>
+              <a:rPr lang="en-US" sz="1800" spc="-60" dirty="0">
+                <a:solidFill>
+                  <a:srgbClr val="383838"/>
+                </a:solidFill>
+                <a:latin typeface="Courier New" panose="02070309020205020404" pitchFamily="49" charset="0"/>
+                <a:cs typeface="Courier New" panose="02070309020205020404" pitchFamily="49" charset="0"/>
+              </a:rPr>
+              <a:t>/local/</a:t>
+            </a:r>
+            <a:r>
+              <a:rPr lang="en-US" sz="1800" spc="-60" dirty="0" err="1">
+                <a:solidFill>
+                  <a:srgbClr val="383838"/>
+                </a:solidFill>
+                <a:latin typeface="Courier New" panose="02070309020205020404" pitchFamily="49" charset="0"/>
+                <a:cs typeface="Courier New" panose="02070309020205020404" pitchFamily="49" charset="0"/>
+              </a:rPr>
+              <a:t>sitespeed</a:t>
+            </a:r>
+            <a:r>
+              <a:rPr lang="en-US" sz="1800" spc="-60" dirty="0">
+                <a:solidFill>
+                  <a:srgbClr val="383838"/>
+                </a:solidFill>
+                <a:latin typeface="Courier New" panose="02070309020205020404" pitchFamily="49" charset="0"/>
+                <a:cs typeface="Courier New" panose="02070309020205020404" pitchFamily="49" charset="0"/>
+              </a:rPr>
+              <a:t>/admin.sh </a:t>
+            </a:r>
+            <a:r>
+              <a:rPr lang="en-US" sz="1800" b="1" spc="-60" dirty="0">
+                <a:solidFill>
+                  <a:srgbClr val="383838"/>
+                </a:solidFill>
+                <a:latin typeface="Avenir Book" panose="02000503020000020003" pitchFamily="2" charset="0"/>
+                <a:cs typeface="Courier New" panose="02070309020205020404" pitchFamily="49" charset="0"/>
+              </a:rPr>
+              <a:t>and change the highlighted text to </a:t>
+            </a:r>
+            <a:r>
+              <a:rPr lang="en-US" sz="1800" spc="-60" dirty="0">
+                <a:solidFill>
+                  <a:srgbClr val="383838"/>
+                </a:solidFill>
+                <a:latin typeface="Courier New" panose="02070309020205020404" pitchFamily="49" charset="0"/>
+                <a:cs typeface="Courier New" panose="02070309020205020404" pitchFamily="49" charset="0"/>
+              </a:rPr>
+              <a:t>/</a:t>
+            </a:r>
+            <a:r>
+              <a:rPr lang="en-US" sz="1800" spc="-60" dirty="0" err="1">
+                <a:solidFill>
+                  <a:srgbClr val="383838"/>
+                </a:solidFill>
+                <a:latin typeface="Courier New" panose="02070309020205020404" pitchFamily="49" charset="0"/>
+                <a:cs typeface="Courier New" panose="02070309020205020404" pitchFamily="49" charset="0"/>
+              </a:rPr>
+              <a:t>mnt</a:t>
+            </a:r>
+            <a:r>
+              <a:rPr lang="en-US" sz="1800" spc="-60" dirty="0">
+                <a:solidFill>
+                  <a:srgbClr val="383838"/>
+                </a:solidFill>
+                <a:latin typeface="Courier New" panose="02070309020205020404" pitchFamily="49" charset="0"/>
+                <a:cs typeface="Courier New" panose="02070309020205020404" pitchFamily="49" charset="0"/>
+              </a:rPr>
+              <a:t>/data</a:t>
+            </a:r>
+          </a:p>
+          <a:p>
+            <a:pPr marL="755649" marR="5079" lvl="1" indent="-285750">
+              <a:lnSpc>
+                <a:spcPct val="100000"/>
+              </a:lnSpc>
+              <a:spcBef>
+                <a:spcPts val="0"/>
+              </a:spcBef>
+              <a:spcAft>
+                <a:spcPts val="1200"/>
+              </a:spcAft>
+              <a:buFont typeface="Arial" panose="020B0604020202020204" pitchFamily="34" charset="0"/>
+              <a:buChar char="•"/>
+            </a:pPr>
+            <a:r>
+              <a:rPr lang="en-US" sz="1400" spc="-60" dirty="0" err="1">
+                <a:solidFill>
+                  <a:srgbClr val="383838"/>
+                </a:solidFill>
+                <a:latin typeface="Courier New" panose="02070309020205020404" pitchFamily="49" charset="0"/>
+                <a:cs typeface="Courier New" panose="02070309020205020404" pitchFamily="49" charset="0"/>
+              </a:rPr>
+              <a:t>ssh</a:t>
+            </a:r>
+            <a:r>
+              <a:rPr lang="en-US" sz="1400" spc="-60" dirty="0">
+                <a:solidFill>
+                  <a:srgbClr val="383838"/>
+                </a:solidFill>
+                <a:latin typeface="Courier New" panose="02070309020205020404" pitchFamily="49" charset="0"/>
+                <a:cs typeface="Courier New" panose="02070309020205020404" pitchFamily="49" charset="0"/>
+              </a:rPr>
+              <a:t> -</a:t>
+            </a:r>
+            <a:r>
+              <a:rPr lang="en-US" sz="1400" spc="-60" dirty="0" err="1">
+                <a:solidFill>
+                  <a:srgbClr val="383838"/>
+                </a:solidFill>
+                <a:latin typeface="Courier New" panose="02070309020205020404" pitchFamily="49" charset="0"/>
+                <a:cs typeface="Courier New" panose="02070309020205020404" pitchFamily="49" charset="0"/>
+              </a:rPr>
+              <a:t>i</a:t>
+            </a:r>
+            <a:r>
+              <a:rPr lang="en-US" sz="1400" spc="-60" dirty="0">
+                <a:solidFill>
+                  <a:srgbClr val="383838"/>
+                </a:solidFill>
+                <a:latin typeface="Courier New" panose="02070309020205020404" pitchFamily="49" charset="0"/>
+                <a:cs typeface="Courier New" panose="02070309020205020404" pitchFamily="49" charset="0"/>
+              </a:rPr>
+              <a:t> $Key $(</a:t>
+            </a:r>
+            <a:r>
+              <a:rPr lang="en-US" sz="1400" spc="-60" dirty="0" err="1">
+                <a:solidFill>
+                  <a:srgbClr val="383838"/>
+                </a:solidFill>
+                <a:latin typeface="Courier New" panose="02070309020205020404" pitchFamily="49" charset="0"/>
+                <a:cs typeface="Courier New" panose="02070309020205020404" pitchFamily="49" charset="0"/>
+              </a:rPr>
+              <a:t>whoami</a:t>
+            </a:r>
+            <a:r>
+              <a:rPr lang="en-US" sz="1400" spc="-60" dirty="0">
+                <a:solidFill>
+                  <a:srgbClr val="383838"/>
+                </a:solidFill>
+                <a:latin typeface="Courier New" panose="02070309020205020404" pitchFamily="49" charset="0"/>
+                <a:cs typeface="Courier New" panose="02070309020205020404" pitchFamily="49" charset="0"/>
+              </a:rPr>
+              <a:t>)@</a:t>
+            </a:r>
+            <a:r>
+              <a:rPr lang="en-US" sz="1400" spc="-60" dirty="0" err="1">
+                <a:solidFill>
+                  <a:srgbClr val="383838"/>
+                </a:solidFill>
+                <a:latin typeface="Courier New" panose="02070309020205020404" pitchFamily="49" charset="0"/>
+                <a:cs typeface="Courier New" panose="02070309020205020404" pitchFamily="49" charset="0"/>
+              </a:rPr>
+              <a:t>graphite.$Domain</a:t>
+            </a:r>
+            <a:r>
+              <a:rPr lang="en-US" sz="1400" spc="-60" dirty="0">
+                <a:solidFill>
+                  <a:srgbClr val="383838"/>
+                </a:solidFill>
+                <a:latin typeface="Courier New" panose="02070309020205020404" pitchFamily="49" charset="0"/>
+                <a:cs typeface="Courier New" panose="02070309020205020404" pitchFamily="49" charset="0"/>
+              </a:rPr>
+              <a:t> du -</a:t>
+            </a:r>
+            <a:r>
+              <a:rPr lang="en-US" sz="1400" spc="-60" dirty="0" err="1">
+                <a:solidFill>
+                  <a:srgbClr val="383838"/>
+                </a:solidFill>
+                <a:latin typeface="Courier New" panose="02070309020205020404" pitchFamily="49" charset="0"/>
+                <a:cs typeface="Courier New" panose="02070309020205020404" pitchFamily="49" charset="0"/>
+              </a:rPr>
+              <a:t>sh</a:t>
+            </a:r>
+            <a:r>
+              <a:rPr lang="en-US" sz="1400" spc="-60" dirty="0">
+                <a:solidFill>
+                  <a:srgbClr val="383838"/>
+                </a:solidFill>
+                <a:latin typeface="Courier New" panose="02070309020205020404" pitchFamily="49" charset="0"/>
+                <a:cs typeface="Courier New" panose="02070309020205020404" pitchFamily="49" charset="0"/>
+              </a:rPr>
+              <a:t> </a:t>
+            </a:r>
+            <a:r>
+              <a:rPr lang="en-US" sz="1400" spc="-60" dirty="0">
+                <a:solidFill>
+                  <a:srgbClr val="383838"/>
+                </a:solidFill>
+                <a:highlight>
+                  <a:srgbClr val="FFFF00"/>
+                </a:highlight>
+                <a:latin typeface="Courier New" panose="02070309020205020404" pitchFamily="49" charset="0"/>
+                <a:cs typeface="Courier New" panose="02070309020205020404" pitchFamily="49" charset="0"/>
+              </a:rPr>
+              <a:t>/</a:t>
+            </a:r>
+            <a:r>
+              <a:rPr lang="en-US" sz="1400" spc="-60" dirty="0" err="1">
+                <a:solidFill>
+                  <a:srgbClr val="383838"/>
+                </a:solidFill>
+                <a:highlight>
+                  <a:srgbClr val="FFFF00"/>
+                </a:highlight>
+                <a:latin typeface="Courier New" panose="02070309020205020404" pitchFamily="49" charset="0"/>
+                <a:cs typeface="Courier New" panose="02070309020205020404" pitchFamily="49" charset="0"/>
+              </a:rPr>
+              <a:t>usr</a:t>
+            </a:r>
+            <a:r>
+              <a:rPr lang="en-US" sz="1400" spc="-60" dirty="0">
+                <a:solidFill>
+                  <a:srgbClr val="383838"/>
+                </a:solidFill>
+                <a:highlight>
+                  <a:srgbClr val="FFFF00"/>
+                </a:highlight>
+                <a:latin typeface="Courier New" panose="02070309020205020404" pitchFamily="49" charset="0"/>
+                <a:cs typeface="Courier New" panose="02070309020205020404" pitchFamily="49" charset="0"/>
+              </a:rPr>
+              <a:t>/local/graphite</a:t>
+            </a:r>
+            <a:r>
+              <a:rPr lang="en-US" sz="1400" spc="-60" dirty="0">
+                <a:solidFill>
+                  <a:srgbClr val="383838"/>
+                </a:solidFill>
+                <a:latin typeface="Courier New" panose="02070309020205020404" pitchFamily="49" charset="0"/>
+                <a:cs typeface="Courier New" panose="02070309020205020404" pitchFamily="49" charset="0"/>
+              </a:rPr>
+              <a:t>/graphite-storage/</a:t>
+            </a:r>
+            <a:r>
+              <a:rPr lang="en-US" sz="1400" spc="-60" dirty="0" err="1">
+                <a:solidFill>
+                  <a:srgbClr val="383838"/>
+                </a:solidFill>
+                <a:latin typeface="Courier New" panose="02070309020205020404" pitchFamily="49" charset="0"/>
+                <a:cs typeface="Courier New" panose="02070309020205020404" pitchFamily="49" charset="0"/>
+              </a:rPr>
+              <a:t>graphite.db</a:t>
+            </a:r>
+            <a:r>
+              <a:rPr lang="en-US" sz="1400" spc="-60" dirty="0">
+                <a:solidFill>
+                  <a:srgbClr val="383838"/>
+                </a:solidFill>
+                <a:latin typeface="Courier New" panose="02070309020205020404" pitchFamily="49" charset="0"/>
+                <a:cs typeface="Courier New" panose="02070309020205020404" pitchFamily="49" charset="0"/>
+              </a:rPr>
+              <a:t> </a:t>
+            </a:r>
+          </a:p>
+          <a:p>
+            <a:pPr marL="298449" marR="5079" indent="-285750">
+              <a:lnSpc>
+                <a:spcPct val="100000"/>
+              </a:lnSpc>
+              <a:spcBef>
+                <a:spcPts val="0"/>
+              </a:spcBef>
+              <a:spcAft>
+                <a:spcPts val="1200"/>
+              </a:spcAft>
+              <a:buFont typeface="Arial" panose="020B0604020202020204" pitchFamily="34" charset="0"/>
+              <a:buChar char="•"/>
+            </a:pPr>
+            <a:r>
+              <a:rPr lang="en-US" sz="1800" b="1" spc="-60" dirty="0">
+                <a:solidFill>
+                  <a:srgbClr val="383838"/>
+                </a:solidFill>
+                <a:latin typeface="Avenir Book" panose="02000503020000020003" pitchFamily="2" charset="0"/>
+                <a:cs typeface="Courier New" panose="02070309020205020404" pitchFamily="49" charset="0"/>
+              </a:rPr>
+              <a:t>Edit </a:t>
+            </a:r>
+            <a:r>
+              <a:rPr lang="en-US" sz="1800" spc="-60" dirty="0">
+                <a:solidFill>
+                  <a:srgbClr val="383838"/>
+                </a:solidFill>
+                <a:latin typeface="Courier New" panose="02070309020205020404" pitchFamily="49" charset="0"/>
+                <a:cs typeface="Courier New" panose="02070309020205020404" pitchFamily="49" charset="0"/>
+              </a:rPr>
+              <a:t>/</a:t>
+            </a:r>
+            <a:r>
+              <a:rPr lang="en-US" sz="1800" spc="-60" dirty="0" err="1">
+                <a:solidFill>
+                  <a:srgbClr val="383838"/>
+                </a:solidFill>
+                <a:latin typeface="Courier New" panose="02070309020205020404" pitchFamily="49" charset="0"/>
+                <a:cs typeface="Courier New" panose="02070309020205020404" pitchFamily="49" charset="0"/>
+              </a:rPr>
+              <a:t>usr</a:t>
+            </a:r>
+            <a:r>
+              <a:rPr lang="en-US" sz="1800" spc="-60" dirty="0">
+                <a:solidFill>
+                  <a:srgbClr val="383838"/>
+                </a:solidFill>
+                <a:latin typeface="Courier New" panose="02070309020205020404" pitchFamily="49" charset="0"/>
+                <a:cs typeface="Courier New" panose="02070309020205020404" pitchFamily="49" charset="0"/>
+              </a:rPr>
+              <a:t>/local/</a:t>
+            </a:r>
+            <a:r>
+              <a:rPr lang="en-US" sz="1800" spc="-60" dirty="0" err="1">
+                <a:solidFill>
+                  <a:srgbClr val="383838"/>
+                </a:solidFill>
+                <a:latin typeface="Courier New" panose="02070309020205020404" pitchFamily="49" charset="0"/>
+                <a:cs typeface="Courier New" panose="02070309020205020404" pitchFamily="49" charset="0"/>
+              </a:rPr>
+              <a:t>sitespeed</a:t>
+            </a:r>
+            <a:r>
+              <a:rPr lang="en-US" sz="1800" spc="-60" dirty="0">
+                <a:solidFill>
+                  <a:srgbClr val="383838"/>
+                </a:solidFill>
+                <a:latin typeface="Courier New" panose="02070309020205020404" pitchFamily="49" charset="0"/>
+                <a:cs typeface="Courier New" panose="02070309020205020404" pitchFamily="49" charset="0"/>
+              </a:rPr>
+              <a:t>/</a:t>
+            </a:r>
+            <a:r>
+              <a:rPr lang="en-US" sz="1800" spc="-60" dirty="0" err="1">
+                <a:solidFill>
+                  <a:srgbClr val="383838"/>
+                </a:solidFill>
+                <a:latin typeface="Courier New" panose="02070309020205020404" pitchFamily="49" charset="0"/>
+                <a:cs typeface="Courier New" panose="02070309020205020404" pitchFamily="49" charset="0"/>
+              </a:rPr>
+              <a:t>maintenance.sh</a:t>
+            </a:r>
+            <a:r>
+              <a:rPr lang="en-US" sz="1800" spc="-60" dirty="0">
+                <a:solidFill>
+                  <a:srgbClr val="383838"/>
+                </a:solidFill>
+                <a:latin typeface="Courier New" panose="02070309020205020404" pitchFamily="49" charset="0"/>
+                <a:cs typeface="Courier New" panose="02070309020205020404" pitchFamily="49" charset="0"/>
+              </a:rPr>
+              <a:t> </a:t>
+            </a:r>
+            <a:r>
+              <a:rPr lang="en-US" sz="1800" b="1" spc="-60" dirty="0">
+                <a:solidFill>
+                  <a:srgbClr val="383838"/>
+                </a:solidFill>
+                <a:latin typeface="Avenir Book" panose="02000503020000020003" pitchFamily="2" charset="0"/>
+                <a:cs typeface="Courier New" panose="02070309020205020404" pitchFamily="49" charset="0"/>
+              </a:rPr>
+              <a:t>and change the highlighted text to </a:t>
+            </a:r>
+            <a:r>
+              <a:rPr lang="en-US" sz="1800" spc="-60" dirty="0">
+                <a:solidFill>
+                  <a:srgbClr val="383838"/>
+                </a:solidFill>
+                <a:latin typeface="Courier New" panose="02070309020205020404" pitchFamily="49" charset="0"/>
+                <a:cs typeface="Courier New" panose="02070309020205020404" pitchFamily="49" charset="0"/>
+              </a:rPr>
+              <a:t>/</a:t>
+            </a:r>
+            <a:r>
+              <a:rPr lang="en-US" sz="1800" spc="-60" dirty="0" err="1">
+                <a:solidFill>
+                  <a:srgbClr val="383838"/>
+                </a:solidFill>
+                <a:latin typeface="Courier New" panose="02070309020205020404" pitchFamily="49" charset="0"/>
+                <a:cs typeface="Courier New" panose="02070309020205020404" pitchFamily="49" charset="0"/>
+              </a:rPr>
+              <a:t>mnt</a:t>
+            </a:r>
+            <a:r>
+              <a:rPr lang="en-US" sz="1800" spc="-60" dirty="0">
+                <a:solidFill>
+                  <a:srgbClr val="383838"/>
+                </a:solidFill>
+                <a:latin typeface="Courier New" panose="02070309020205020404" pitchFamily="49" charset="0"/>
+                <a:cs typeface="Courier New" panose="02070309020205020404" pitchFamily="49" charset="0"/>
+              </a:rPr>
+              <a:t>/data</a:t>
+            </a:r>
+          </a:p>
+          <a:p>
+            <a:pPr marL="755649" marR="5079" lvl="1" indent="-285750">
+              <a:lnSpc>
+                <a:spcPct val="100000"/>
+              </a:lnSpc>
+              <a:spcBef>
+                <a:spcPts val="0"/>
+              </a:spcBef>
+              <a:spcAft>
+                <a:spcPts val="1200"/>
+              </a:spcAft>
+              <a:buFont typeface="Arial" panose="020B0604020202020204" pitchFamily="34" charset="0"/>
+              <a:buChar char="•"/>
+            </a:pPr>
+            <a:r>
+              <a:rPr lang="en-US" sz="1400" spc="-60" dirty="0">
+                <a:solidFill>
+                  <a:srgbClr val="383838"/>
+                </a:solidFill>
+                <a:latin typeface="Courier New" panose="02070309020205020404" pitchFamily="49" charset="0"/>
+                <a:cs typeface="Courier New" panose="02070309020205020404" pitchFamily="49" charset="0"/>
+              </a:rPr>
+              <a:t>echo "</a:t>
+            </a:r>
+            <a:r>
+              <a:rPr lang="en-US" sz="1400" spc="-60" dirty="0" err="1">
+                <a:solidFill>
+                  <a:srgbClr val="383838"/>
+                </a:solidFill>
+                <a:latin typeface="Courier New" panose="02070309020205020404" pitchFamily="49" charset="0"/>
+                <a:cs typeface="Courier New" panose="02070309020205020404" pitchFamily="49" charset="0"/>
+              </a:rPr>
+              <a:t>sitespeed_log.disk</a:t>
+            </a:r>
+            <a:r>
+              <a:rPr lang="en-US" sz="1400" spc="-60" dirty="0">
+                <a:solidFill>
+                  <a:srgbClr val="383838"/>
+                </a:solidFill>
+                <a:latin typeface="Courier New" panose="02070309020205020404" pitchFamily="49" charset="0"/>
+                <a:cs typeface="Courier New" panose="02070309020205020404" pitchFamily="49" charset="0"/>
+              </a:rPr>
+              <a:t> `</a:t>
+            </a:r>
+            <a:r>
+              <a:rPr lang="en-US" sz="1400" spc="-60" dirty="0" err="1">
+                <a:solidFill>
+                  <a:srgbClr val="383838"/>
+                </a:solidFill>
+                <a:latin typeface="Courier New" panose="02070309020205020404" pitchFamily="49" charset="0"/>
+                <a:cs typeface="Courier New" panose="02070309020205020404" pitchFamily="49" charset="0"/>
+              </a:rPr>
+              <a:t>ssh</a:t>
+            </a:r>
+            <a:r>
+              <a:rPr lang="en-US" sz="1400" spc="-60" dirty="0">
+                <a:solidFill>
+                  <a:srgbClr val="383838"/>
+                </a:solidFill>
+                <a:latin typeface="Courier New" panose="02070309020205020404" pitchFamily="49" charset="0"/>
+                <a:cs typeface="Courier New" panose="02070309020205020404" pitchFamily="49" charset="0"/>
+              </a:rPr>
+              <a:t> -</a:t>
+            </a:r>
+            <a:r>
+              <a:rPr lang="en-US" sz="1400" spc="-60" dirty="0" err="1">
+                <a:solidFill>
+                  <a:srgbClr val="383838"/>
+                </a:solidFill>
+                <a:latin typeface="Courier New" panose="02070309020205020404" pitchFamily="49" charset="0"/>
+                <a:cs typeface="Courier New" panose="02070309020205020404" pitchFamily="49" charset="0"/>
+              </a:rPr>
+              <a:t>i</a:t>
+            </a:r>
+            <a:r>
+              <a:rPr lang="en-US" sz="1400" spc="-60" dirty="0">
+                <a:solidFill>
+                  <a:srgbClr val="383838"/>
+                </a:solidFill>
+                <a:latin typeface="Courier New" panose="02070309020205020404" pitchFamily="49" charset="0"/>
+                <a:cs typeface="Courier New" panose="02070309020205020404" pitchFamily="49" charset="0"/>
+              </a:rPr>
+              <a:t> $Key $(</a:t>
+            </a:r>
+            <a:r>
+              <a:rPr lang="en-US" sz="1400" spc="-60" dirty="0" err="1">
+                <a:solidFill>
+                  <a:srgbClr val="383838"/>
+                </a:solidFill>
+                <a:latin typeface="Courier New" panose="02070309020205020404" pitchFamily="49" charset="0"/>
+                <a:cs typeface="Courier New" panose="02070309020205020404" pitchFamily="49" charset="0"/>
+              </a:rPr>
+              <a:t>whoami</a:t>
+            </a:r>
+            <a:r>
+              <a:rPr lang="en-US" sz="1400" spc="-60" dirty="0">
+                <a:solidFill>
+                  <a:srgbClr val="383838"/>
+                </a:solidFill>
+                <a:latin typeface="Courier New" panose="02070309020205020404" pitchFamily="49" charset="0"/>
+                <a:cs typeface="Courier New" panose="02070309020205020404" pitchFamily="49" charset="0"/>
+              </a:rPr>
+              <a:t>)@</a:t>
+            </a:r>
+            <a:r>
+              <a:rPr lang="en-US" sz="1400" spc="-60" dirty="0" err="1">
+                <a:solidFill>
+                  <a:srgbClr val="383838"/>
+                </a:solidFill>
+                <a:latin typeface="Courier New" panose="02070309020205020404" pitchFamily="49" charset="0"/>
+                <a:cs typeface="Courier New" panose="02070309020205020404" pitchFamily="49" charset="0"/>
+              </a:rPr>
+              <a:t>graphite.$Domain</a:t>
+            </a:r>
+            <a:r>
+              <a:rPr lang="en-US" sz="1400" spc="-60" dirty="0">
+                <a:solidFill>
+                  <a:srgbClr val="383838"/>
+                </a:solidFill>
+                <a:latin typeface="Courier New" panose="02070309020205020404" pitchFamily="49" charset="0"/>
+                <a:cs typeface="Courier New" panose="02070309020205020404" pitchFamily="49" charset="0"/>
+              </a:rPr>
+              <a:t> du -s </a:t>
+            </a:r>
+            <a:r>
+              <a:rPr lang="en-US" sz="1400" spc="-60" dirty="0">
+                <a:solidFill>
+                  <a:srgbClr val="383838"/>
+                </a:solidFill>
+                <a:highlight>
+                  <a:srgbClr val="FFFF00"/>
+                </a:highlight>
+                <a:latin typeface="Courier New" panose="02070309020205020404" pitchFamily="49" charset="0"/>
+                <a:cs typeface="Courier New" panose="02070309020205020404" pitchFamily="49" charset="0"/>
+              </a:rPr>
+              <a:t>/</a:t>
+            </a:r>
+            <a:r>
+              <a:rPr lang="en-US" sz="1400" spc="-60" dirty="0" err="1">
+                <a:solidFill>
+                  <a:srgbClr val="383838"/>
+                </a:solidFill>
+                <a:highlight>
+                  <a:srgbClr val="FFFF00"/>
+                </a:highlight>
+                <a:latin typeface="Courier New" panose="02070309020205020404" pitchFamily="49" charset="0"/>
+                <a:cs typeface="Courier New" panose="02070309020205020404" pitchFamily="49" charset="0"/>
+              </a:rPr>
+              <a:t>usr</a:t>
+            </a:r>
+            <a:r>
+              <a:rPr lang="en-US" sz="1400" spc="-60" dirty="0">
+                <a:solidFill>
+                  <a:srgbClr val="383838"/>
+                </a:solidFill>
+                <a:highlight>
+                  <a:srgbClr val="FFFF00"/>
+                </a:highlight>
+                <a:latin typeface="Courier New" panose="02070309020205020404" pitchFamily="49" charset="0"/>
+                <a:cs typeface="Courier New" panose="02070309020205020404" pitchFamily="49" charset="0"/>
+              </a:rPr>
+              <a:t>/local/graphite</a:t>
+            </a:r>
+            <a:r>
+              <a:rPr lang="en-US" sz="1400" spc="-60" dirty="0">
+                <a:solidFill>
+                  <a:srgbClr val="383838"/>
+                </a:solidFill>
+                <a:latin typeface="Courier New" panose="02070309020205020404" pitchFamily="49" charset="0"/>
+                <a:cs typeface="Courier New" panose="02070309020205020404" pitchFamily="49" charset="0"/>
+              </a:rPr>
+              <a:t>/graphite-storage/whisper/</a:t>
+            </a:r>
+            <a:r>
+              <a:rPr lang="en-US" sz="1400" spc="-60" dirty="0" err="1">
+                <a:solidFill>
+                  <a:srgbClr val="383838"/>
+                </a:solidFill>
+                <a:latin typeface="Courier New" panose="02070309020205020404" pitchFamily="49" charset="0"/>
+                <a:cs typeface="Courier New" panose="02070309020205020404" pitchFamily="49" charset="0"/>
+              </a:rPr>
+              <a:t>sitespeed_io</a:t>
+            </a:r>
+            <a:r>
+              <a:rPr lang="en-US" sz="1400" spc="-60" dirty="0">
+                <a:solidFill>
+                  <a:srgbClr val="383838"/>
+                </a:solidFill>
+                <a:latin typeface="Courier New" panose="02070309020205020404" pitchFamily="49" charset="0"/>
+                <a:cs typeface="Courier New" panose="02070309020205020404" pitchFamily="49" charset="0"/>
+              </a:rPr>
+              <a:t> | awk '{print $1}'` `date +%s`" | </a:t>
+            </a:r>
+            <a:r>
+              <a:rPr lang="en-US" sz="1400" spc="-60" dirty="0" err="1">
+                <a:solidFill>
+                  <a:srgbClr val="383838"/>
+                </a:solidFill>
+                <a:latin typeface="Courier New" panose="02070309020205020404" pitchFamily="49" charset="0"/>
+                <a:cs typeface="Courier New" panose="02070309020205020404" pitchFamily="49" charset="0"/>
+              </a:rPr>
+              <a:t>nc</a:t>
+            </a:r>
+            <a:r>
+              <a:rPr lang="en-US" sz="1400" spc="-60" dirty="0">
+                <a:solidFill>
+                  <a:srgbClr val="383838"/>
+                </a:solidFill>
+                <a:latin typeface="Courier New" panose="02070309020205020404" pitchFamily="49" charset="0"/>
+                <a:cs typeface="Courier New" panose="02070309020205020404" pitchFamily="49" charset="0"/>
+              </a:rPr>
+              <a:t> </a:t>
+            </a:r>
+            <a:r>
+              <a:rPr lang="en-US" sz="1400" spc="-60" dirty="0" err="1">
+                <a:solidFill>
+                  <a:srgbClr val="383838"/>
+                </a:solidFill>
+                <a:latin typeface="Courier New" panose="02070309020205020404" pitchFamily="49" charset="0"/>
+                <a:cs typeface="Courier New" panose="02070309020205020404" pitchFamily="49" charset="0"/>
+              </a:rPr>
+              <a:t>graphite.$Domain</a:t>
+            </a:r>
+            <a:r>
+              <a:rPr lang="en-US" sz="1400" spc="-60" dirty="0">
+                <a:solidFill>
+                  <a:srgbClr val="383838"/>
+                </a:solidFill>
+                <a:latin typeface="Courier New" panose="02070309020205020404" pitchFamily="49" charset="0"/>
+                <a:cs typeface="Courier New" panose="02070309020205020404" pitchFamily="49" charset="0"/>
+              </a:rPr>
+              <a:t> 2003 &amp;&gt; /dev/null</a:t>
+            </a:r>
+          </a:p>
+          <a:p>
+            <a:pPr marL="755649" marR="5079" lvl="1" indent="-285750">
+              <a:lnSpc>
+                <a:spcPct val="100000"/>
+              </a:lnSpc>
+              <a:spcBef>
+                <a:spcPts val="0"/>
+              </a:spcBef>
+              <a:spcAft>
+                <a:spcPts val="1200"/>
+              </a:spcAft>
+              <a:buFont typeface="Arial" panose="020B0604020202020204" pitchFamily="34" charset="0"/>
+              <a:buChar char="•"/>
+            </a:pPr>
+            <a:r>
+              <a:rPr lang="en-US" sz="1400" spc="-60" dirty="0">
+                <a:solidFill>
+                  <a:srgbClr val="383838"/>
+                </a:solidFill>
+                <a:latin typeface="Courier New" panose="02070309020205020404" pitchFamily="49" charset="0"/>
+                <a:cs typeface="Courier New" panose="02070309020205020404" pitchFamily="49" charset="0"/>
+              </a:rPr>
+              <a:t>echo "</a:t>
+            </a:r>
+            <a:r>
+              <a:rPr lang="en-US" sz="1400" spc="-60" dirty="0" err="1">
+                <a:solidFill>
+                  <a:srgbClr val="383838"/>
+                </a:solidFill>
+                <a:latin typeface="Courier New" panose="02070309020205020404" pitchFamily="49" charset="0"/>
+                <a:cs typeface="Courier New" panose="02070309020205020404" pitchFamily="49" charset="0"/>
+              </a:rPr>
+              <a:t>sitespeed_log.TLD.disk</a:t>
+            </a:r>
+            <a:r>
+              <a:rPr lang="en-US" sz="1400" spc="-60" dirty="0">
+                <a:solidFill>
+                  <a:srgbClr val="383838"/>
+                </a:solidFill>
+                <a:latin typeface="Courier New" panose="02070309020205020404" pitchFamily="49" charset="0"/>
+                <a:cs typeface="Courier New" panose="02070309020205020404" pitchFamily="49" charset="0"/>
+              </a:rPr>
+              <a:t> `</a:t>
+            </a:r>
+            <a:r>
+              <a:rPr lang="en-US" sz="1400" spc="-60" dirty="0" err="1">
+                <a:solidFill>
+                  <a:srgbClr val="383838"/>
+                </a:solidFill>
+                <a:latin typeface="Courier New" panose="02070309020205020404" pitchFamily="49" charset="0"/>
+                <a:cs typeface="Courier New" panose="02070309020205020404" pitchFamily="49" charset="0"/>
+              </a:rPr>
+              <a:t>ssh</a:t>
+            </a:r>
+            <a:r>
+              <a:rPr lang="en-US" sz="1400" spc="-60" dirty="0">
+                <a:solidFill>
+                  <a:srgbClr val="383838"/>
+                </a:solidFill>
+                <a:latin typeface="Courier New" panose="02070309020205020404" pitchFamily="49" charset="0"/>
+                <a:cs typeface="Courier New" panose="02070309020205020404" pitchFamily="49" charset="0"/>
+              </a:rPr>
+              <a:t> -</a:t>
+            </a:r>
+            <a:r>
+              <a:rPr lang="en-US" sz="1400" spc="-60" dirty="0" err="1">
+                <a:solidFill>
+                  <a:srgbClr val="383838"/>
+                </a:solidFill>
+                <a:latin typeface="Courier New" panose="02070309020205020404" pitchFamily="49" charset="0"/>
+                <a:cs typeface="Courier New" panose="02070309020205020404" pitchFamily="49" charset="0"/>
+              </a:rPr>
+              <a:t>i</a:t>
+            </a:r>
+            <a:r>
+              <a:rPr lang="en-US" sz="1400" spc="-60" dirty="0">
+                <a:solidFill>
+                  <a:srgbClr val="383838"/>
+                </a:solidFill>
+                <a:latin typeface="Courier New" panose="02070309020205020404" pitchFamily="49" charset="0"/>
+                <a:cs typeface="Courier New" panose="02070309020205020404" pitchFamily="49" charset="0"/>
+              </a:rPr>
+              <a:t> $Key $(</a:t>
+            </a:r>
+            <a:r>
+              <a:rPr lang="en-US" sz="1400" spc="-60" dirty="0" err="1">
+                <a:solidFill>
+                  <a:srgbClr val="383838"/>
+                </a:solidFill>
+                <a:latin typeface="Courier New" panose="02070309020205020404" pitchFamily="49" charset="0"/>
+                <a:cs typeface="Courier New" panose="02070309020205020404" pitchFamily="49" charset="0"/>
+              </a:rPr>
+              <a:t>whoami</a:t>
+            </a:r>
+            <a:r>
+              <a:rPr lang="en-US" sz="1400" spc="-60" dirty="0">
+                <a:solidFill>
+                  <a:srgbClr val="383838"/>
+                </a:solidFill>
+                <a:latin typeface="Courier New" panose="02070309020205020404" pitchFamily="49" charset="0"/>
+                <a:cs typeface="Courier New" panose="02070309020205020404" pitchFamily="49" charset="0"/>
+              </a:rPr>
+              <a:t>)@</a:t>
+            </a:r>
+            <a:r>
+              <a:rPr lang="en-US" sz="1400" spc="-60" dirty="0" err="1">
+                <a:solidFill>
+                  <a:srgbClr val="383838"/>
+                </a:solidFill>
+                <a:latin typeface="Courier New" panose="02070309020205020404" pitchFamily="49" charset="0"/>
+                <a:cs typeface="Courier New" panose="02070309020205020404" pitchFamily="49" charset="0"/>
+              </a:rPr>
+              <a:t>graphite.$Domain</a:t>
+            </a:r>
+            <a:r>
+              <a:rPr lang="en-US" sz="1400" spc="-60" dirty="0">
+                <a:solidFill>
+                  <a:srgbClr val="383838"/>
+                </a:solidFill>
+                <a:latin typeface="Courier New" panose="02070309020205020404" pitchFamily="49" charset="0"/>
+                <a:cs typeface="Courier New" panose="02070309020205020404" pitchFamily="49" charset="0"/>
+              </a:rPr>
+              <a:t> du -s </a:t>
+            </a:r>
+            <a:r>
+              <a:rPr lang="en-US" sz="1400" spc="-60" dirty="0">
+                <a:solidFill>
+                  <a:srgbClr val="383838"/>
+                </a:solidFill>
+                <a:highlight>
+                  <a:srgbClr val="FFFF00"/>
+                </a:highlight>
+                <a:latin typeface="Courier New" panose="02070309020205020404" pitchFamily="49" charset="0"/>
+                <a:cs typeface="Courier New" panose="02070309020205020404" pitchFamily="49" charset="0"/>
+              </a:rPr>
+              <a:t>/</a:t>
+            </a:r>
+            <a:r>
+              <a:rPr lang="en-US" sz="1400" spc="-60" dirty="0" err="1">
+                <a:solidFill>
+                  <a:srgbClr val="383838"/>
+                </a:solidFill>
+                <a:highlight>
+                  <a:srgbClr val="FFFF00"/>
+                </a:highlight>
+                <a:latin typeface="Courier New" panose="02070309020205020404" pitchFamily="49" charset="0"/>
+                <a:cs typeface="Courier New" panose="02070309020205020404" pitchFamily="49" charset="0"/>
+              </a:rPr>
+              <a:t>usr</a:t>
+            </a:r>
+            <a:r>
+              <a:rPr lang="en-US" sz="1400" spc="-60" dirty="0">
+                <a:solidFill>
+                  <a:srgbClr val="383838"/>
+                </a:solidFill>
+                <a:highlight>
+                  <a:srgbClr val="FFFF00"/>
+                </a:highlight>
+                <a:latin typeface="Courier New" panose="02070309020205020404" pitchFamily="49" charset="0"/>
+                <a:cs typeface="Courier New" panose="02070309020205020404" pitchFamily="49" charset="0"/>
+              </a:rPr>
+              <a:t>/local/graphite</a:t>
+            </a:r>
+            <a:r>
+              <a:rPr lang="en-US" sz="1400" spc="-60" dirty="0">
+                <a:solidFill>
+                  <a:srgbClr val="383838"/>
+                </a:solidFill>
+                <a:latin typeface="Courier New" panose="02070309020205020404" pitchFamily="49" charset="0"/>
+                <a:cs typeface="Courier New" panose="02070309020205020404" pitchFamily="49" charset="0"/>
+              </a:rPr>
+              <a:t>/graphite-storage/whisper/</a:t>
+            </a:r>
+            <a:r>
+              <a:rPr lang="en-US" sz="1400" spc="-60" dirty="0" err="1">
+                <a:solidFill>
+                  <a:srgbClr val="383838"/>
+                </a:solidFill>
+                <a:latin typeface="Courier New" panose="02070309020205020404" pitchFamily="49" charset="0"/>
+                <a:cs typeface="Courier New" panose="02070309020205020404" pitchFamily="49" charset="0"/>
+              </a:rPr>
+              <a:t>sitespeed_io</a:t>
+            </a:r>
+            <a:r>
+              <a:rPr lang="en-US" sz="1400" spc="-60" dirty="0">
+                <a:solidFill>
+                  <a:srgbClr val="383838"/>
+                </a:solidFill>
+                <a:latin typeface="Courier New" panose="02070309020205020404" pitchFamily="49" charset="0"/>
+                <a:cs typeface="Courier New" panose="02070309020205020404" pitchFamily="49" charset="0"/>
+              </a:rPr>
+              <a:t>/TLD | awk '{print $1}'` `date +%s`" | </a:t>
+            </a:r>
+            <a:r>
+              <a:rPr lang="en-US" sz="1400" spc="-60" dirty="0" err="1">
+                <a:solidFill>
+                  <a:srgbClr val="383838"/>
+                </a:solidFill>
+                <a:latin typeface="Courier New" panose="02070309020205020404" pitchFamily="49" charset="0"/>
+                <a:cs typeface="Courier New" panose="02070309020205020404" pitchFamily="49" charset="0"/>
+              </a:rPr>
+              <a:t>nc</a:t>
+            </a:r>
+            <a:r>
+              <a:rPr lang="en-US" sz="1400" spc="-60" dirty="0">
+                <a:solidFill>
+                  <a:srgbClr val="383838"/>
+                </a:solidFill>
+                <a:latin typeface="Courier New" panose="02070309020205020404" pitchFamily="49" charset="0"/>
+                <a:cs typeface="Courier New" panose="02070309020205020404" pitchFamily="49" charset="0"/>
+              </a:rPr>
+              <a:t> </a:t>
+            </a:r>
+            <a:r>
+              <a:rPr lang="en-US" sz="1400" spc="-60" dirty="0" err="1">
+                <a:solidFill>
+                  <a:srgbClr val="383838"/>
+                </a:solidFill>
+                <a:latin typeface="Courier New" panose="02070309020205020404" pitchFamily="49" charset="0"/>
+                <a:cs typeface="Courier New" panose="02070309020205020404" pitchFamily="49" charset="0"/>
+              </a:rPr>
+              <a:t>graphite.$Domain</a:t>
+            </a:r>
+            <a:r>
+              <a:rPr lang="en-US" sz="1400" spc="-60" dirty="0">
+                <a:solidFill>
+                  <a:srgbClr val="383838"/>
+                </a:solidFill>
+                <a:latin typeface="Courier New" panose="02070309020205020404" pitchFamily="49" charset="0"/>
+                <a:cs typeface="Courier New" panose="02070309020205020404" pitchFamily="49" charset="0"/>
+              </a:rPr>
+              <a:t> 2003 &amp;&gt; /dev/null</a:t>
+            </a:r>
+          </a:p>
+          <a:p>
+            <a:pPr marL="755649" marR="5079" lvl="1" indent="-285750">
+              <a:lnSpc>
+                <a:spcPct val="100000"/>
+              </a:lnSpc>
+              <a:spcBef>
+                <a:spcPts val="0"/>
+              </a:spcBef>
+              <a:spcAft>
+                <a:spcPts val="1200"/>
+              </a:spcAft>
+              <a:buFont typeface="Arial" panose="020B0604020202020204" pitchFamily="34" charset="0"/>
+              <a:buChar char="•"/>
+            </a:pPr>
+            <a:r>
+              <a:rPr lang="en-US" sz="1400" spc="-60" dirty="0">
+                <a:solidFill>
+                  <a:srgbClr val="383838"/>
+                </a:solidFill>
+                <a:latin typeface="Courier New" panose="02070309020205020404" pitchFamily="49" charset="0"/>
+                <a:cs typeface="Courier New" panose="02070309020205020404" pitchFamily="49" charset="0"/>
+              </a:rPr>
+              <a:t>echo "</a:t>
+            </a:r>
+            <a:r>
+              <a:rPr lang="en-US" sz="1400" spc="-60" dirty="0" err="1">
+                <a:solidFill>
+                  <a:srgbClr val="383838"/>
+                </a:solidFill>
+                <a:latin typeface="Courier New" panose="02070309020205020404" pitchFamily="49" charset="0"/>
+                <a:cs typeface="Courier New" panose="02070309020205020404" pitchFamily="49" charset="0"/>
+              </a:rPr>
+              <a:t>sitespeed_log.Competitors.disk</a:t>
+            </a:r>
+            <a:r>
+              <a:rPr lang="en-US" sz="1400" spc="-60" dirty="0">
+                <a:solidFill>
+                  <a:srgbClr val="383838"/>
+                </a:solidFill>
+                <a:latin typeface="Courier New" panose="02070309020205020404" pitchFamily="49" charset="0"/>
+                <a:cs typeface="Courier New" panose="02070309020205020404" pitchFamily="49" charset="0"/>
+              </a:rPr>
+              <a:t> `</a:t>
+            </a:r>
+            <a:r>
+              <a:rPr lang="en-US" sz="1400" spc="-60" dirty="0" err="1">
+                <a:solidFill>
+                  <a:srgbClr val="383838"/>
+                </a:solidFill>
+                <a:latin typeface="Courier New" panose="02070309020205020404" pitchFamily="49" charset="0"/>
+                <a:cs typeface="Courier New" panose="02070309020205020404" pitchFamily="49" charset="0"/>
+              </a:rPr>
+              <a:t>ssh</a:t>
+            </a:r>
+            <a:r>
+              <a:rPr lang="en-US" sz="1400" spc="-60" dirty="0">
+                <a:solidFill>
+                  <a:srgbClr val="383838"/>
+                </a:solidFill>
+                <a:latin typeface="Courier New" panose="02070309020205020404" pitchFamily="49" charset="0"/>
+                <a:cs typeface="Courier New" panose="02070309020205020404" pitchFamily="49" charset="0"/>
+              </a:rPr>
+              <a:t> -</a:t>
+            </a:r>
+            <a:r>
+              <a:rPr lang="en-US" sz="1400" spc="-60" dirty="0" err="1">
+                <a:solidFill>
+                  <a:srgbClr val="383838"/>
+                </a:solidFill>
+                <a:latin typeface="Courier New" panose="02070309020205020404" pitchFamily="49" charset="0"/>
+                <a:cs typeface="Courier New" panose="02070309020205020404" pitchFamily="49" charset="0"/>
+              </a:rPr>
+              <a:t>i</a:t>
+            </a:r>
+            <a:r>
+              <a:rPr lang="en-US" sz="1400" spc="-60" dirty="0">
+                <a:solidFill>
+                  <a:srgbClr val="383838"/>
+                </a:solidFill>
+                <a:latin typeface="Courier New" panose="02070309020205020404" pitchFamily="49" charset="0"/>
+                <a:cs typeface="Courier New" panose="02070309020205020404" pitchFamily="49" charset="0"/>
+              </a:rPr>
+              <a:t> $Key $(</a:t>
+            </a:r>
+            <a:r>
+              <a:rPr lang="en-US" sz="1400" spc="-60" dirty="0" err="1">
+                <a:solidFill>
+                  <a:srgbClr val="383838"/>
+                </a:solidFill>
+                <a:latin typeface="Courier New" panose="02070309020205020404" pitchFamily="49" charset="0"/>
+                <a:cs typeface="Courier New" panose="02070309020205020404" pitchFamily="49" charset="0"/>
+              </a:rPr>
+              <a:t>whoami</a:t>
+            </a:r>
+            <a:r>
+              <a:rPr lang="en-US" sz="1400" spc="-60" dirty="0">
+                <a:solidFill>
+                  <a:srgbClr val="383838"/>
+                </a:solidFill>
+                <a:latin typeface="Courier New" panose="02070309020205020404" pitchFamily="49" charset="0"/>
+                <a:cs typeface="Courier New" panose="02070309020205020404" pitchFamily="49" charset="0"/>
+              </a:rPr>
+              <a:t>)@</a:t>
+            </a:r>
+            <a:r>
+              <a:rPr lang="en-US" sz="1400" spc="-60" dirty="0" err="1">
+                <a:solidFill>
+                  <a:srgbClr val="383838"/>
+                </a:solidFill>
+                <a:latin typeface="Courier New" panose="02070309020205020404" pitchFamily="49" charset="0"/>
+                <a:cs typeface="Courier New" panose="02070309020205020404" pitchFamily="49" charset="0"/>
+              </a:rPr>
+              <a:t>graphite.$Domain</a:t>
+            </a:r>
+            <a:r>
+              <a:rPr lang="en-US" sz="1400" spc="-60" dirty="0">
+                <a:solidFill>
+                  <a:srgbClr val="383838"/>
+                </a:solidFill>
+                <a:latin typeface="Courier New" panose="02070309020205020404" pitchFamily="49" charset="0"/>
+                <a:cs typeface="Courier New" panose="02070309020205020404" pitchFamily="49" charset="0"/>
+              </a:rPr>
+              <a:t> du -s </a:t>
+            </a:r>
+            <a:r>
+              <a:rPr lang="en-US" sz="1400" spc="-60" dirty="0">
+                <a:solidFill>
+                  <a:srgbClr val="383838"/>
+                </a:solidFill>
+                <a:highlight>
+                  <a:srgbClr val="FFFF00"/>
+                </a:highlight>
+                <a:latin typeface="Courier New" panose="02070309020205020404" pitchFamily="49" charset="0"/>
+                <a:cs typeface="Courier New" panose="02070309020205020404" pitchFamily="49" charset="0"/>
+              </a:rPr>
+              <a:t>/</a:t>
+            </a:r>
+            <a:r>
+              <a:rPr lang="en-US" sz="1400" spc="-60" dirty="0" err="1">
+                <a:solidFill>
+                  <a:srgbClr val="383838"/>
+                </a:solidFill>
+                <a:highlight>
+                  <a:srgbClr val="FFFF00"/>
+                </a:highlight>
+                <a:latin typeface="Courier New" panose="02070309020205020404" pitchFamily="49" charset="0"/>
+                <a:cs typeface="Courier New" panose="02070309020205020404" pitchFamily="49" charset="0"/>
+              </a:rPr>
+              <a:t>usr</a:t>
+            </a:r>
+            <a:r>
+              <a:rPr lang="en-US" sz="1400" spc="-60" dirty="0">
+                <a:solidFill>
+                  <a:srgbClr val="383838"/>
+                </a:solidFill>
+                <a:highlight>
+                  <a:srgbClr val="FFFF00"/>
+                </a:highlight>
+                <a:latin typeface="Courier New" panose="02070309020205020404" pitchFamily="49" charset="0"/>
+                <a:cs typeface="Courier New" panose="02070309020205020404" pitchFamily="49" charset="0"/>
+              </a:rPr>
+              <a:t>/local/graphite</a:t>
+            </a:r>
+            <a:r>
+              <a:rPr lang="en-US" sz="1400" spc="-60" dirty="0">
+                <a:solidFill>
+                  <a:srgbClr val="383838"/>
+                </a:solidFill>
+                <a:latin typeface="Courier New" panose="02070309020205020404" pitchFamily="49" charset="0"/>
+                <a:cs typeface="Courier New" panose="02070309020205020404" pitchFamily="49" charset="0"/>
+              </a:rPr>
+              <a:t>/graphite-storage/whisper/</a:t>
+            </a:r>
+            <a:r>
+              <a:rPr lang="en-US" sz="1400" spc="-60" dirty="0" err="1">
+                <a:solidFill>
+                  <a:srgbClr val="383838"/>
+                </a:solidFill>
+                <a:latin typeface="Courier New" panose="02070309020205020404" pitchFamily="49" charset="0"/>
+                <a:cs typeface="Courier New" panose="02070309020205020404" pitchFamily="49" charset="0"/>
+              </a:rPr>
+              <a:t>sitespeed_io</a:t>
+            </a:r>
+            <a:r>
+              <a:rPr lang="en-US" sz="1400" spc="-60" dirty="0">
+                <a:solidFill>
+                  <a:srgbClr val="383838"/>
+                </a:solidFill>
+                <a:latin typeface="Courier New" panose="02070309020205020404" pitchFamily="49" charset="0"/>
+                <a:cs typeface="Courier New" panose="02070309020205020404" pitchFamily="49" charset="0"/>
+              </a:rPr>
+              <a:t>/Competitors | awk '{print $1}'` `date +%s`" | </a:t>
+            </a:r>
+            <a:r>
+              <a:rPr lang="en-US" sz="1400" spc="-60" dirty="0" err="1">
+                <a:solidFill>
+                  <a:srgbClr val="383838"/>
+                </a:solidFill>
+                <a:latin typeface="Courier New" panose="02070309020205020404" pitchFamily="49" charset="0"/>
+                <a:cs typeface="Courier New" panose="02070309020205020404" pitchFamily="49" charset="0"/>
+              </a:rPr>
+              <a:t>nc</a:t>
+            </a:r>
+            <a:r>
+              <a:rPr lang="en-US" sz="1400" spc="-60" dirty="0">
+                <a:solidFill>
+                  <a:srgbClr val="383838"/>
+                </a:solidFill>
+                <a:latin typeface="Courier New" panose="02070309020205020404" pitchFamily="49" charset="0"/>
+                <a:cs typeface="Courier New" panose="02070309020205020404" pitchFamily="49" charset="0"/>
+              </a:rPr>
+              <a:t> </a:t>
+            </a:r>
+            <a:r>
+              <a:rPr lang="en-US" sz="1400" spc="-60" dirty="0" err="1">
+                <a:solidFill>
+                  <a:srgbClr val="383838"/>
+                </a:solidFill>
+                <a:latin typeface="Courier New" panose="02070309020205020404" pitchFamily="49" charset="0"/>
+                <a:cs typeface="Courier New" panose="02070309020205020404" pitchFamily="49" charset="0"/>
+              </a:rPr>
+              <a:t>graphite.$Domain</a:t>
+            </a:r>
+            <a:r>
+              <a:rPr lang="en-US" sz="1400" spc="-60" dirty="0">
+                <a:solidFill>
+                  <a:srgbClr val="383838"/>
+                </a:solidFill>
+                <a:latin typeface="Courier New" panose="02070309020205020404" pitchFamily="49" charset="0"/>
+                <a:cs typeface="Courier New" panose="02070309020205020404" pitchFamily="49" charset="0"/>
+              </a:rPr>
+              <a:t> 2003 &amp;&gt; /dev/null</a:t>
+            </a:r>
+          </a:p>
+          <a:p>
+            <a:pPr marL="298449" marR="5079" indent="-285750">
+              <a:lnSpc>
+                <a:spcPct val="100000"/>
+              </a:lnSpc>
+              <a:spcBef>
+                <a:spcPts val="0"/>
+              </a:spcBef>
+              <a:spcAft>
+                <a:spcPts val="1200"/>
+              </a:spcAft>
+              <a:buFont typeface="Arial" panose="020B0604020202020204" pitchFamily="34" charset="0"/>
+              <a:buChar char="•"/>
+            </a:pPr>
+            <a:r>
+              <a:rPr lang="en-US" sz="1800" b="1" spc="-60" dirty="0">
+                <a:solidFill>
+                  <a:srgbClr val="383838"/>
+                </a:solidFill>
+                <a:latin typeface="Avenir Book" panose="02000503020000020003" pitchFamily="2" charset="0"/>
+                <a:cs typeface="Courier New" panose="02070309020205020404" pitchFamily="49" charset="0"/>
+              </a:rPr>
+              <a:t>SSH back into the Graphite/Grafana server to restart the Graphite database</a:t>
+            </a:r>
+          </a:p>
+          <a:p>
+            <a:pPr marL="755649" marR="5079" lvl="1" indent="-285750">
+              <a:lnSpc>
+                <a:spcPct val="100000"/>
+              </a:lnSpc>
+              <a:spcBef>
+                <a:spcPts val="0"/>
+              </a:spcBef>
+              <a:spcAft>
+                <a:spcPts val="1200"/>
+              </a:spcAft>
+              <a:buFont typeface="Arial" panose="020B0604020202020204" pitchFamily="34" charset="0"/>
+              <a:buChar char="•"/>
+            </a:pPr>
+            <a:r>
+              <a:rPr lang="en-US" sz="1400" spc="-60" dirty="0" err="1">
+                <a:solidFill>
+                  <a:srgbClr val="383838"/>
+                </a:solidFill>
+                <a:latin typeface="Courier New" panose="02070309020205020404" pitchFamily="49" charset="0"/>
+                <a:cs typeface="Courier New" panose="02070309020205020404" pitchFamily="49" charset="0"/>
+              </a:rPr>
+              <a:t>sudo</a:t>
+            </a:r>
+            <a:r>
+              <a:rPr lang="en-US" sz="1400" spc="-60" dirty="0">
+                <a:solidFill>
+                  <a:srgbClr val="383838"/>
+                </a:solidFill>
+                <a:latin typeface="Courier New" panose="02070309020205020404" pitchFamily="49" charset="0"/>
+                <a:cs typeface="Courier New" panose="02070309020205020404" pitchFamily="49" charset="0"/>
+              </a:rPr>
+              <a:t> /</a:t>
+            </a:r>
+            <a:r>
+              <a:rPr lang="en-US" sz="1400" spc="-60" dirty="0" err="1">
+                <a:solidFill>
+                  <a:srgbClr val="383838"/>
+                </a:solidFill>
+                <a:latin typeface="Courier New" panose="02070309020205020404" pitchFamily="49" charset="0"/>
+                <a:cs typeface="Courier New" panose="02070309020205020404" pitchFamily="49" charset="0"/>
+              </a:rPr>
+              <a:t>usr</a:t>
+            </a:r>
+            <a:r>
+              <a:rPr lang="en-US" sz="1400" spc="-60" dirty="0">
+                <a:solidFill>
+                  <a:srgbClr val="383838"/>
+                </a:solidFill>
+                <a:latin typeface="Courier New" panose="02070309020205020404" pitchFamily="49" charset="0"/>
+                <a:cs typeface="Courier New" panose="02070309020205020404" pitchFamily="49" charset="0"/>
+              </a:rPr>
+              <a:t>/local/graphite/</a:t>
+            </a:r>
+            <a:r>
+              <a:rPr lang="en-US" sz="1400" spc="-60" dirty="0" err="1">
+                <a:solidFill>
+                  <a:srgbClr val="383838"/>
+                </a:solidFill>
+                <a:latin typeface="Courier New" panose="02070309020205020404" pitchFamily="49" charset="0"/>
+                <a:cs typeface="Courier New" panose="02070309020205020404" pitchFamily="49" charset="0"/>
+              </a:rPr>
+              <a:t>graphite.sh</a:t>
+            </a:r>
+            <a:r>
+              <a:rPr lang="en-US" sz="1400" spc="-60" dirty="0">
+                <a:solidFill>
+                  <a:srgbClr val="383838"/>
+                </a:solidFill>
+                <a:latin typeface="Courier New" panose="02070309020205020404" pitchFamily="49" charset="0"/>
+                <a:cs typeface="Courier New" panose="02070309020205020404" pitchFamily="49" charset="0"/>
+              </a:rPr>
+              <a:t> start</a:t>
+            </a:r>
+          </a:p>
+          <a:p>
+            <a:pPr marL="755649" marR="5079" lvl="1" indent="-285750">
+              <a:lnSpc>
+                <a:spcPct val="100000"/>
+              </a:lnSpc>
+              <a:spcBef>
+                <a:spcPts val="0"/>
+              </a:spcBef>
+              <a:spcAft>
+                <a:spcPts val="1200"/>
+              </a:spcAft>
+              <a:buFont typeface="Arial" panose="020B0604020202020204" pitchFamily="34" charset="0"/>
+              <a:buChar char="•"/>
+            </a:pPr>
+            <a:endParaRPr lang="en-US" sz="1400" b="1" spc="-60" dirty="0">
+              <a:solidFill>
+                <a:srgbClr val="383838"/>
+              </a:solidFill>
+              <a:latin typeface="Avenir Book" panose="02000503020000020003" pitchFamily="2" charset="0"/>
+              <a:cs typeface="Courier New" panose="02070309020205020404" pitchFamily="49" charset="0"/>
+            </a:endParaRPr>
+          </a:p>
+          <a:p>
+            <a:pPr marL="298449" marR="5079" indent="-285750">
+              <a:lnSpc>
+                <a:spcPct val="100000"/>
+              </a:lnSpc>
+              <a:spcBef>
+                <a:spcPts val="0"/>
+              </a:spcBef>
+              <a:spcAft>
+                <a:spcPts val="1200"/>
+              </a:spcAft>
+              <a:buFont typeface="Arial" panose="020B0604020202020204" pitchFamily="34" charset="0"/>
+              <a:buChar char="•"/>
+            </a:pPr>
+            <a:endParaRPr lang="en-US" sz="1800" spc="-60" dirty="0">
+              <a:solidFill>
+                <a:srgbClr val="383838"/>
+              </a:solidFill>
+              <a:latin typeface="Courier New" panose="02070309020205020404" pitchFamily="49" charset="0"/>
+              <a:cs typeface="Courier New" panose="02070309020205020404" pitchFamily="49" charset="0"/>
+            </a:endParaRPr>
+          </a:p>
+        </p:txBody>
+      </p:sp>
+    </p:spTree>
+    <p:extLst>
+      <p:ext uri="{BB962C8B-B14F-4D97-AF65-F5344CB8AC3E}">
+        <p14:creationId xmlns:p14="http://schemas.microsoft.com/office/powerpoint/2010/main" val="1661568426"/>
       </p:ext>
     </p:extLst>
   </p:cSld>

--- a/Info/Guide.pptx
+++ b/Info/Guide.pptx
@@ -270,7 +270,7 @@
       <p15:sldGuideLst xmlns:p15="http://schemas.microsoft.com/office/powerpoint/2012/main"/>
     </p:ext>
     <p:ext uri="http://customooxmlschemas.google.com/">
-      <go:slidesCustomData xmlns="" xmlns:mc="http://schemas.openxmlformats.org/markup-compatibility/2006" xmlns:mv="urn:schemas-microsoft-com:mac:vml" xmlns:c="http://schemas.openxmlformats.org/drawingml/2006/chart" xmlns:dgm="http://schemas.openxmlformats.org/drawingml/2006/diagram" xmlns:o="urn:schemas-microsoft-com:office:office" xmlns:v="urn:schemas-microsoft-com:vml" xmlns:pvml="urn:schemas-microsoft-com:office:powerpoint" xmlns:com="http://schemas.openxmlformats.org/drawingml/2006/compatibility" xmlns:p14="http://schemas.microsoft.com/office/powerpoint/2010/main" xmlns:p15="http://schemas.microsoft.com/office/powerpoint/2012/main" xmlns:ahyp="http://schemas.microsoft.com/office/drawing/2018/hyperlinkcolor" xmlns:go="http://customooxmlschemas.google.com/" r:id="rId28" roundtripDataSignature="AMtx7mihFzvj0a0a4pDfHA8Gtqtqz6tFDQ=="/>
+      <go:slidesCustomData xmlns:go="http://customooxmlschemas.google.com/" xmlns:ahyp="http://schemas.microsoft.com/office/drawing/2018/hyperlinkcolor" xmlns:p15="http://schemas.microsoft.com/office/powerpoint/2012/main" xmlns:p14="http://schemas.microsoft.com/office/powerpoint/2010/main" xmlns:com="http://schemas.openxmlformats.org/drawingml/2006/compatibility" xmlns:pvml="urn:schemas-microsoft-com:office:powerpoint" xmlns:v="urn:schemas-microsoft-com:vml" xmlns:o="urn:schemas-microsoft-com:office:office" xmlns:dgm="http://schemas.openxmlformats.org/drawingml/2006/diagram" xmlns:c="http://schemas.openxmlformats.org/drawingml/2006/chart" xmlns:mv="urn:schemas-microsoft-com:mac:vml" xmlns:mc="http://schemas.openxmlformats.org/markup-compatibility/2006" xmlns="" r:id="rId28" roundtripDataSignature="AMtx7mihFzvj0a0a4pDfHA8Gtqtqz6tFDQ=="/>
     </p:ext>
   </p:extLst>
 </p:presentation>
@@ -9149,7 +9149,7 @@
               <a:rPr lang="en-US" dirty="0">
                 <a:latin typeface="Avenir Medium" panose="02000503020000020003" pitchFamily="2" charset="0"/>
               </a:rPr>
-              <a:t>October 2023</a:t>
+              <a:t>January 2024</a:t>
             </a:r>
             <a:endParaRPr dirty="0">
               <a:latin typeface="Avenir Medium" panose="02000503020000020003" pitchFamily="2" charset="0"/>
@@ -20168,12 +20168,139 @@
               <a:buFont typeface="Arial" panose="020B0604020202020204" pitchFamily="34" charset="0"/>
               <a:buChar char="•"/>
             </a:pPr>
-            <a:endParaRPr lang="en-US" sz="1400" spc="-60" dirty="0">
-              <a:solidFill>
-                <a:srgbClr val="383838"/>
-              </a:solidFill>
-              <a:latin typeface="Avenir Medium" panose="02000503020000020003" pitchFamily="2" charset="0"/>
-            </a:endParaRPr>
+            <a:r>
+              <a:rPr lang="en-US" sz="1800" spc="-60" dirty="0">
+                <a:solidFill>
+                  <a:srgbClr val="383838"/>
+                </a:solidFill>
+                <a:latin typeface="Avenir Medium" panose="02000503020000020003" pitchFamily="2" charset="0"/>
+              </a:rPr>
+              <a:t>When using SSH to access the jump server, use the origin address</a:t>
+            </a:r>
+          </a:p>
+          <a:p>
+            <a:pPr marL="812799" marR="5079" lvl="1" indent="-342900">
+              <a:lnSpc>
+                <a:spcPct val="138400"/>
+              </a:lnSpc>
+              <a:spcBef>
+                <a:spcPts val="465"/>
+              </a:spcBef>
+              <a:buFont typeface="Arial" panose="020B0604020202020204" pitchFamily="34" charset="0"/>
+              <a:buChar char="•"/>
+            </a:pPr>
+            <a:r>
+              <a:rPr lang="en-US" sz="1800" spc="-60" dirty="0" err="1">
+                <a:solidFill>
+                  <a:srgbClr val="383838"/>
+                </a:solidFill>
+                <a:latin typeface="Courier New" panose="02070309020205020404" pitchFamily="49" charset="0"/>
+                <a:cs typeface="Courier New" panose="02070309020205020404" pitchFamily="49" charset="0"/>
+              </a:rPr>
+              <a:t>ssh</a:t>
+            </a:r>
+            <a:r>
+              <a:rPr lang="en-US" sz="1800" spc="-60" dirty="0">
+                <a:solidFill>
+                  <a:srgbClr val="383838"/>
+                </a:solidFill>
+                <a:latin typeface="Courier New" panose="02070309020205020404" pitchFamily="49" charset="0"/>
+                <a:cs typeface="Courier New" panose="02070309020205020404" pitchFamily="49" charset="0"/>
+              </a:rPr>
+              <a:t> </a:t>
+            </a:r>
+            <a:r>
+              <a:rPr lang="en-US" sz="1800" b="1" spc="-60" dirty="0">
+                <a:solidFill>
+                  <a:srgbClr val="383838"/>
+                </a:solidFill>
+                <a:latin typeface="Courier New" panose="02070309020205020404" pitchFamily="49" charset="0"/>
+                <a:cs typeface="Courier New" panose="02070309020205020404" pitchFamily="49" charset="0"/>
+                <a:hlinkClick r:id="rId4"/>
+              </a:rPr>
+              <a:t>user@sitespeed.akamai.com</a:t>
+            </a:r>
+            <a:r>
+              <a:rPr lang="en-US" sz="1800" b="1" spc="-60" dirty="0">
+                <a:solidFill>
+                  <a:srgbClr val="383838"/>
+                </a:solidFill>
+                <a:latin typeface="Courier New" panose="02070309020205020404" pitchFamily="49" charset="0"/>
+                <a:cs typeface="Courier New" panose="02070309020205020404" pitchFamily="49" charset="0"/>
+              </a:rPr>
+              <a:t> </a:t>
+            </a:r>
+            <a:r>
+              <a:rPr lang="en-US" sz="1800" spc="-60" dirty="0">
+                <a:solidFill>
+                  <a:srgbClr val="383838"/>
+                </a:solidFill>
+                <a:latin typeface="Avenir Medium" panose="02000503020000020003" pitchFamily="2" charset="0"/>
+              </a:rPr>
+              <a:t>will FAIL since port 22 will not be transported across Akamai Edge</a:t>
+            </a:r>
+          </a:p>
+          <a:p>
+            <a:pPr marL="812799" marR="5079" lvl="1" indent="-342900">
+              <a:lnSpc>
+                <a:spcPct val="138400"/>
+              </a:lnSpc>
+              <a:spcBef>
+                <a:spcPts val="465"/>
+              </a:spcBef>
+              <a:buFont typeface="Arial" panose="020B0604020202020204" pitchFamily="34" charset="0"/>
+              <a:buChar char="•"/>
+            </a:pPr>
+            <a:r>
+              <a:rPr lang="en-US" sz="1800" spc="-60" dirty="0" err="1">
+                <a:solidFill>
+                  <a:srgbClr val="383838"/>
+                </a:solidFill>
+                <a:latin typeface="Courier New" panose="02070309020205020404" pitchFamily="49" charset="0"/>
+                <a:cs typeface="Courier New" panose="02070309020205020404" pitchFamily="49" charset="0"/>
+              </a:rPr>
+              <a:t>ssh</a:t>
+            </a:r>
+            <a:r>
+              <a:rPr lang="en-US" sz="1800" spc="-60" dirty="0">
+                <a:solidFill>
+                  <a:srgbClr val="383838"/>
+                </a:solidFill>
+                <a:latin typeface="Courier New" panose="02070309020205020404" pitchFamily="49" charset="0"/>
+                <a:cs typeface="Courier New" panose="02070309020205020404" pitchFamily="49" charset="0"/>
+              </a:rPr>
+              <a:t> </a:t>
+            </a:r>
+            <a:r>
+              <a:rPr lang="en-US" sz="1800" b="1" spc="-60" dirty="0">
+                <a:solidFill>
+                  <a:srgbClr val="383838"/>
+                </a:solidFill>
+                <a:latin typeface="Courier New" panose="02070309020205020404" pitchFamily="49" charset="0"/>
+                <a:cs typeface="Courier New" panose="02070309020205020404" pitchFamily="49" charset="0"/>
+                <a:hlinkClick r:id="rId5"/>
+              </a:rPr>
+              <a:t>user@sitespeed.akadns.net</a:t>
+            </a:r>
+            <a:r>
+              <a:rPr lang="en-US" sz="1800" b="1" spc="-60" dirty="0">
+                <a:solidFill>
+                  <a:srgbClr val="383838"/>
+                </a:solidFill>
+                <a:latin typeface="Courier New" panose="02070309020205020404" pitchFamily="49" charset="0"/>
+                <a:cs typeface="Courier New" panose="02070309020205020404" pitchFamily="49" charset="0"/>
+              </a:rPr>
+              <a:t> </a:t>
+            </a:r>
+            <a:r>
+              <a:rPr lang="en-US" sz="1800" spc="-60" dirty="0">
+                <a:solidFill>
+                  <a:srgbClr val="383838"/>
+                </a:solidFill>
+                <a:latin typeface="Avenir Medium" panose="02000503020000020003" pitchFamily="2" charset="0"/>
+              </a:rPr>
+              <a:t>will work since the origin is being used directly</a:t>
+            </a:r>
           </a:p>
           <a:p>
             <a:pPr marL="355599" marR="5079" indent="-342900">
@@ -20199,7 +20326,7 @@
           <a:p>
             <a:pPr marL="812799" marR="5079" lvl="1" indent="-342900">
               <a:lnSpc>
-                <a:spcPct val="138400"/>
+                <a:spcPct val="138000"/>
               </a:lnSpc>
               <a:spcBef>
                 <a:spcPts val="465"/>
@@ -20269,7 +20396,7 @@
           <a:p>
             <a:pPr marL="812799" marR="5079" lvl="1" indent="-342900">
               <a:lnSpc>
-                <a:spcPct val="138400"/>
+                <a:spcPct val="138000"/>
               </a:lnSpc>
               <a:spcBef>
                 <a:spcPts val="465"/>
@@ -20308,7 +20435,7 @@
           <a:p>
             <a:pPr marL="812799" marR="5079" lvl="1" indent="-342900">
               <a:lnSpc>
-                <a:spcPct val="138400"/>
+                <a:spcPct val="138000"/>
               </a:lnSpc>
               <a:spcBef>
                 <a:spcPts val="465"/>
